--- a/translations/en-us/RobotGame/CableManagement.pptx
+++ b/translations/en-us/RobotGame/CableManagement.pptx
@@ -8,23 +8,24 @@
     <p:sldMasterId id="2147483871" r:id="rId4"/>
     <p:sldMasterId id="2147483883" r:id="rId5"/>
     <p:sldMasterId id="2147483895" r:id="rId6"/>
+    <p:sldMasterId id="2147483907" r:id="rId7"/>
   </p:sldMasterIdLst>
   <p:notesMasterIdLst>
-    <p:notesMasterId r:id="rId16"/>
+    <p:notesMasterId r:id="rId17"/>
   </p:notesMasterIdLst>
   <p:handoutMasterIdLst>
-    <p:handoutMasterId r:id="rId17"/>
+    <p:handoutMasterId r:id="rId18"/>
   </p:handoutMasterIdLst>
   <p:sldIdLst>
-    <p:sldId id="289" r:id="rId7"/>
-    <p:sldId id="290" r:id="rId8"/>
-    <p:sldId id="297" r:id="rId9"/>
-    <p:sldId id="301" r:id="rId10"/>
-    <p:sldId id="291" r:id="rId11"/>
-    <p:sldId id="293" r:id="rId12"/>
-    <p:sldId id="300" r:id="rId13"/>
-    <p:sldId id="299" r:id="rId14"/>
-    <p:sldId id="274" r:id="rId15"/>
+    <p:sldId id="289" r:id="rId8"/>
+    <p:sldId id="290" r:id="rId9"/>
+    <p:sldId id="297" r:id="rId10"/>
+    <p:sldId id="301" r:id="rId11"/>
+    <p:sldId id="291" r:id="rId12"/>
+    <p:sldId id="293" r:id="rId13"/>
+    <p:sldId id="300" r:id="rId14"/>
+    <p:sldId id="299" r:id="rId15"/>
+    <p:sldId id="274" r:id="rId16"/>
   </p:sldIdLst>
   <p:sldSz cx="9144000" cy="6858000" type="screen4x3"/>
   <p:notesSz cx="6858000" cy="9144000"/>
@@ -224,7 +225,7 @@
           <a:p>
             <a:fld id="{E354B44E-40A3-0E46-B16A-9BF1250A248B}" type="datetimeFigureOut">
               <a:rPr lang="en-US" smtClean="0"/>
-              <a:t>6/7/18</a:t>
+              <a:t>6/11/18</a:t>
             </a:fld>
             <a:endParaRPr lang="en-US"/>
           </a:p>
@@ -390,7 +391,7 @@
           <a:p>
             <a:fld id="{C86AD16C-2DB4-6642-BAD4-9ED973A087A0}" type="datetimeFigureOut">
               <a:rPr lang="en-US" smtClean="0"/>
-              <a:t>6/7/18</a:t>
+              <a:t>6/11/18</a:t>
             </a:fld>
             <a:endParaRPr lang="en-US"/>
           </a:p>
@@ -1101,9 +1102,9 @@
           <a:bodyPr/>
           <a:lstStyle/>
           <a:p>
-            <a:fld id="{5A278D57-AE25-7B4C-B1E1-90374FE03808}" type="datetime1">
+            <a:fld id="{C9997D37-388C-43B7-BC81-BE85584AEB26}" type="datetime1">
               <a:rPr lang="en-US" smtClean="0"/>
-              <a:t>6/7/18</a:t>
+              <a:t>6/11/18</a:t>
             </a:fld>
             <a:endParaRPr lang="en-US"/>
           </a:p>
@@ -1125,10 +1126,9 @@
           <a:lstStyle/>
           <a:p>
             <a:r>
-              <a:rPr lang="sk-SK"/>
-              <a:t>© 2016 EV3Lessons.com, Last Edit 7/07/2016</a:t>
-            </a:r>
-            <a:endParaRPr lang="en-US"/>
+              <a:rPr lang="en-US"/>
+              <a:t>© 2016 EV3Lessons.com, Last Edit 6/11/2018</a:t>
+            </a:r>
           </a:p>
         </p:txBody>
       </p:sp>
@@ -1698,9 +1698,9 @@
           <a:bodyPr/>
           <a:lstStyle/>
           <a:p>
-            <a:fld id="{E04B214D-FA7C-104E-8149-EA5D18991F17}" type="datetime1">
+            <a:fld id="{3D3D417F-6CB4-4477-8861-407418B834BE}" type="datetime1">
               <a:rPr lang="en-US" smtClean="0"/>
-              <a:t>6/7/18</a:t>
+              <a:t>6/11/18</a:t>
             </a:fld>
             <a:endParaRPr lang="en-US"/>
           </a:p>
@@ -1722,10 +1722,9 @@
           <a:lstStyle/>
           <a:p>
             <a:r>
-              <a:rPr lang="sk-SK"/>
-              <a:t>© 2016 EV3Lessons.com, Last Edit 7/07/2016</a:t>
-            </a:r>
-            <a:endParaRPr lang="en-US"/>
+              <a:rPr lang="en-US"/>
+              <a:t>© 2016 EV3Lessons.com, Last Edit 6/11/2018</a:t>
+            </a:r>
           </a:p>
         </p:txBody>
       </p:sp>
@@ -1880,9 +1879,9 @@
           <a:bodyPr/>
           <a:lstStyle/>
           <a:p>
-            <a:fld id="{E8539575-C400-2B43-B7AD-60853387B720}" type="datetime1">
+            <a:fld id="{D9748D69-4083-422F-B984-AB130D896335}" type="datetime1">
               <a:rPr lang="en-US" smtClean="0"/>
-              <a:t>6/7/18</a:t>
+              <a:t>6/11/18</a:t>
             </a:fld>
             <a:endParaRPr lang="en-US"/>
           </a:p>
@@ -1904,10 +1903,9 @@
           <a:lstStyle/>
           <a:p>
             <a:r>
-              <a:rPr lang="sk-SK"/>
-              <a:t>© 2016 EV3Lessons.com, Last Edit 7/07/2016</a:t>
-            </a:r>
-            <a:endParaRPr lang="en-US"/>
+              <a:rPr lang="en-US"/>
+              <a:t>© 2016 EV3Lessons.com, Last Edit 6/11/2018</a:t>
+            </a:r>
           </a:p>
         </p:txBody>
       </p:sp>
@@ -2097,9 +2095,9 @@
           <a:bodyPr/>
           <a:lstStyle/>
           <a:p>
-            <a:fld id="{1658AD87-1DD6-CD41-B155-66F7A9F9A443}" type="datetime1">
+            <a:fld id="{179B2FC0-E46E-4510-AC0C-C0DC8CA83147}" type="datetime1">
               <a:rPr lang="en-US" smtClean="0"/>
-              <a:t>6/7/18</a:t>
+              <a:t>6/11/18</a:t>
             </a:fld>
             <a:endParaRPr lang="en-US"/>
           </a:p>
@@ -2126,10 +2124,9 @@
           <a:lstStyle/>
           <a:p>
             <a:r>
-              <a:rPr lang="sk-SK"/>
-              <a:t>© 2016 EV3Lessons.com, Last Edit 7/07/2016</a:t>
-            </a:r>
-            <a:endParaRPr lang="en-US"/>
+              <a:rPr lang="en-US"/>
+              <a:t>© 2016 EV3Lessons.com, Last Edit 6/11/2018</a:t>
+            </a:r>
           </a:p>
         </p:txBody>
       </p:sp>
@@ -2318,7 +2315,7 @@
           <a:noFill/>
           <a:extLst>
             <a:ext uri="{909E8E84-426E-40dd-AFC4-6F175D3DCCD1}">
-              <a14:hiddenFill xmlns="" xmlns:a14="http://schemas.microsoft.com/office/drawing/2010/main">
+              <a14:hiddenFill xmlns:a14="http://schemas.microsoft.com/office/drawing/2010/main" xmlns="">
                 <a:solidFill>
                   <a:srgbClr val="FFFFFF"/>
                 </a:solidFill>
@@ -2942,9 +2939,9 @@
           <a:bodyPr/>
           <a:lstStyle/>
           <a:p>
-            <a:fld id="{3E1D5306-7E1B-2E4B-B99B-CD7291D2AF14}" type="datetime1">
+            <a:fld id="{2246BDB8-EDD3-482F-9293-64AF5931488B}" type="datetime1">
               <a:rPr lang="en-US" smtClean="0"/>
-              <a:t>6/7/18</a:t>
+              <a:t>6/11/18</a:t>
             </a:fld>
             <a:endParaRPr lang="en-US"/>
           </a:p>
@@ -2966,10 +2963,9 @@
           <a:lstStyle/>
           <a:p>
             <a:r>
-              <a:rPr lang="sk-SK"/>
-              <a:t>© 2016 EV3Lessons.com, Last Edit 7/07/2016</a:t>
-            </a:r>
-            <a:endParaRPr lang="en-US"/>
+              <a:rPr lang="en-US"/>
+              <a:t>© 2016 EV3Lessons.com, Last Edit 6/11/2018</a:t>
+            </a:r>
           </a:p>
         </p:txBody>
       </p:sp>
@@ -3208,9 +3204,9 @@
           <a:bodyPr/>
           <a:lstStyle/>
           <a:p>
-            <a:fld id="{237FA036-54B7-3B47-8ECC-4E2284BEB6E0}" type="datetime1">
+            <a:fld id="{E64602CC-11E4-4DCD-BBB3-3BF7AE9A8E5A}" type="datetime1">
               <a:rPr lang="en-US" smtClean="0"/>
-              <a:t>6/7/18</a:t>
+              <a:t>6/11/18</a:t>
             </a:fld>
             <a:endParaRPr lang="en-US"/>
           </a:p>
@@ -3263,10 +3259,9 @@
           <a:lstStyle/>
           <a:p>
             <a:r>
-              <a:rPr lang="sk-SK"/>
-              <a:t>© 2016 EV3Lessons.com, Last Edit 7/07/2016</a:t>
-            </a:r>
-            <a:endParaRPr lang="en-US"/>
+              <a:rPr lang="en-US"/>
+              <a:t>© 2016 EV3Lessons.com, Last Edit 6/11/2018</a:t>
+            </a:r>
           </a:p>
         </p:txBody>
       </p:sp>
@@ -3512,9 +3507,9 @@
           <a:bodyPr/>
           <a:lstStyle/>
           <a:p>
-            <a:fld id="{8DCA2765-A52A-A447-A1E0-821DC61391ED}" type="datetime1">
+            <a:fld id="{5881EB07-79AE-4434-A0C5-C3221DB62341}" type="datetime1">
               <a:rPr lang="en-US" smtClean="0"/>
-              <a:t>6/7/18</a:t>
+              <a:t>6/11/18</a:t>
             </a:fld>
             <a:endParaRPr lang="en-US"/>
           </a:p>
@@ -3536,10 +3531,9 @@
           <a:lstStyle/>
           <a:p>
             <a:r>
-              <a:rPr lang="sk-SK"/>
-              <a:t>© 2016 EV3Lessons.com, Last Edit 7/07/2016</a:t>
-            </a:r>
-            <a:endParaRPr lang="en-US"/>
+              <a:rPr lang="en-US"/>
+              <a:t>© 2016 EV3Lessons.com, Last Edit 6/11/2018</a:t>
+            </a:r>
           </a:p>
         </p:txBody>
       </p:sp>
@@ -3967,9 +3961,9 @@
           <a:bodyPr/>
           <a:lstStyle/>
           <a:p>
-            <a:fld id="{BE0C1A72-D242-BE4F-B665-5D670A744E34}" type="datetime1">
+            <a:fld id="{7E910796-5ABE-4158-A8F4-699FC94AE974}" type="datetime1">
               <a:rPr lang="en-US" smtClean="0"/>
-              <a:t>6/7/18</a:t>
+              <a:t>6/11/18</a:t>
             </a:fld>
             <a:endParaRPr lang="en-US"/>
           </a:p>
@@ -3991,10 +3985,9 @@
           <a:lstStyle/>
           <a:p>
             <a:r>
-              <a:rPr lang="sk-SK"/>
-              <a:t>© 2016 EV3Lessons.com, Last Edit 7/07/2016</a:t>
-            </a:r>
-            <a:endParaRPr lang="en-US"/>
+              <a:rPr lang="en-US"/>
+              <a:t>© 2016 EV3Lessons.com, Last Edit 6/11/2018</a:t>
+            </a:r>
           </a:p>
         </p:txBody>
       </p:sp>
@@ -4096,9 +4089,9 @@
           <a:bodyPr/>
           <a:lstStyle/>
           <a:p>
-            <a:fld id="{69BA0C14-BF62-B448-A1B1-350265E637B2}" type="datetime1">
+            <a:fld id="{22620F03-E1A6-4F4E-9CA4-1F2F74C805D0}" type="datetime1">
               <a:rPr lang="en-US" smtClean="0"/>
-              <a:t>6/7/18</a:t>
+              <a:t>6/11/18</a:t>
             </a:fld>
             <a:endParaRPr lang="en-US"/>
           </a:p>
@@ -4120,10 +4113,9 @@
           <a:lstStyle/>
           <a:p>
             <a:r>
-              <a:rPr lang="sk-SK"/>
-              <a:t>© 2016 EV3Lessons.com, Last Edit 7/07/2016</a:t>
-            </a:r>
-            <a:endParaRPr lang="en-US"/>
+              <a:rPr lang="en-US"/>
+              <a:t>© 2016 EV3Lessons.com, Last Edit 6/11/2018</a:t>
+            </a:r>
           </a:p>
         </p:txBody>
       </p:sp>
@@ -4203,9 +4195,9 @@
           <a:bodyPr/>
           <a:lstStyle/>
           <a:p>
-            <a:fld id="{91BE6982-04EA-8A41-9793-FB1324E994BF}" type="datetime1">
+            <a:fld id="{5F05EECC-C790-4544-A40A-513EF41FDF51}" type="datetime1">
               <a:rPr lang="en-US" smtClean="0"/>
-              <a:t>6/7/18</a:t>
+              <a:t>6/11/18</a:t>
             </a:fld>
             <a:endParaRPr lang="en-US"/>
           </a:p>
@@ -4227,10 +4219,9 @@
           <a:lstStyle/>
           <a:p>
             <a:r>
-              <a:rPr lang="sk-SK"/>
-              <a:t>© 2016 EV3Lessons.com, Last Edit 7/07/2016</a:t>
-            </a:r>
-            <a:endParaRPr lang="en-US"/>
+              <a:rPr lang="en-US"/>
+              <a:t>© 2016 EV3Lessons.com, Last Edit 6/11/2018</a:t>
+            </a:r>
           </a:p>
         </p:txBody>
       </p:sp>
@@ -4462,9 +4453,9 @@
           <a:bodyPr/>
           <a:lstStyle/>
           <a:p>
-            <a:fld id="{971F54BE-F622-2E42-BB9E-4E12B2C2FF7C}" type="datetime1">
+            <a:fld id="{071791CA-9B67-43C8-B673-4329EF1CEAA7}" type="datetime1">
               <a:rPr lang="en-US" smtClean="0"/>
-              <a:t>6/7/18</a:t>
+              <a:t>6/11/18</a:t>
             </a:fld>
             <a:endParaRPr lang="en-US"/>
           </a:p>
@@ -4486,10 +4477,9 @@
           <a:lstStyle/>
           <a:p>
             <a:r>
-              <a:rPr lang="sk-SK"/>
-              <a:t>© 2016 EV3Lessons.com, Last Edit 7/07/2016</a:t>
-            </a:r>
-            <a:endParaRPr lang="en-US"/>
+              <a:rPr lang="en-US"/>
+              <a:t>© 2016 EV3Lessons.com, Last Edit 6/11/2018</a:t>
+            </a:r>
           </a:p>
         </p:txBody>
       </p:sp>
@@ -4675,9 +4665,9 @@
           <a:bodyPr/>
           <a:lstStyle/>
           <a:p>
-            <a:fld id="{4C73DC92-1573-9F46-95EA-2E2C8D1E1F3A}" type="datetime1">
+            <a:fld id="{9BB659E0-072D-4F07-AF88-EA4AC285B3F5}" type="datetime1">
               <a:rPr lang="en-US" smtClean="0"/>
-              <a:t>6/7/18</a:t>
+              <a:t>6/11/18</a:t>
             </a:fld>
             <a:endParaRPr lang="en-US"/>
           </a:p>
@@ -4699,10 +4689,9 @@
           <a:lstStyle/>
           <a:p>
             <a:r>
-              <a:rPr lang="sk-SK"/>
-              <a:t>© 2016 EV3Lessons.com, Last Edit 7/07/2016</a:t>
-            </a:r>
-            <a:endParaRPr lang="en-US"/>
+              <a:rPr lang="en-US"/>
+              <a:t>© 2016 EV3Lessons.com, Last Edit 6/11/2018</a:t>
+            </a:r>
           </a:p>
         </p:txBody>
       </p:sp>
@@ -4959,9 +4948,9 @@
           <a:bodyPr/>
           <a:lstStyle/>
           <a:p>
-            <a:fld id="{278DA9C8-0E00-2D46-9254-6D422FB9D9FE}" type="datetime1">
+            <a:fld id="{BFE86550-8C20-486F-8356-257F504BA6A5}" type="datetime1">
               <a:rPr lang="en-US" smtClean="0"/>
-              <a:t>6/7/18</a:t>
+              <a:t>6/11/18</a:t>
             </a:fld>
             <a:endParaRPr lang="en-US"/>
           </a:p>
@@ -4983,10 +4972,9 @@
           <a:lstStyle/>
           <a:p>
             <a:r>
-              <a:rPr lang="sk-SK"/>
-              <a:t>© 2016 EV3Lessons.com, Last Edit 7/07/2016</a:t>
-            </a:r>
-            <a:endParaRPr lang="en-US"/>
+              <a:rPr lang="en-US"/>
+              <a:t>© 2016 EV3Lessons.com, Last Edit 6/11/2018</a:t>
+            </a:r>
           </a:p>
         </p:txBody>
       </p:sp>
@@ -5227,9 +5215,9 @@
           <a:bodyPr/>
           <a:lstStyle/>
           <a:p>
-            <a:fld id="{17F00E2B-7D29-FA45-8475-5492EF6929B1}" type="datetime1">
+            <a:fld id="{83A36C6D-B45E-4189-AB87-277886A0F174}" type="datetime1">
               <a:rPr lang="en-US" smtClean="0"/>
-              <a:t>6/7/18</a:t>
+              <a:t>6/11/18</a:t>
             </a:fld>
             <a:endParaRPr lang="en-US"/>
           </a:p>
@@ -5251,10 +5239,9 @@
           <a:lstStyle/>
           <a:p>
             <a:r>
-              <a:rPr lang="sk-SK"/>
-              <a:t>© 2016 EV3Lessons.com, Last Edit 7/07/2016</a:t>
-            </a:r>
-            <a:endParaRPr lang="en-US"/>
+              <a:rPr lang="en-US"/>
+              <a:t>© 2016 EV3Lessons.com, Last Edit 6/11/2018</a:t>
+            </a:r>
           </a:p>
         </p:txBody>
       </p:sp>
@@ -5417,9 +5404,9 @@
           <a:bodyPr/>
           <a:lstStyle/>
           <a:p>
-            <a:fld id="{2EAA126C-75AB-A947-A4E4-18254B6F1985}" type="datetime1">
+            <a:fld id="{736EB1E7-AAF7-408D-BF50-E1D76578F514}" type="datetime1">
               <a:rPr lang="en-US" smtClean="0"/>
-              <a:t>6/7/18</a:t>
+              <a:t>6/11/18</a:t>
             </a:fld>
             <a:endParaRPr lang="en-US"/>
           </a:p>
@@ -5441,10 +5428,9 @@
           <a:lstStyle/>
           <a:p>
             <a:r>
-              <a:rPr lang="sk-SK"/>
-              <a:t>© 2016 EV3Lessons.com, Last Edit 7/07/2016</a:t>
-            </a:r>
-            <a:endParaRPr lang="en-US"/>
+              <a:rPr lang="en-US"/>
+              <a:t>© 2016 EV3Lessons.com, Last Edit 6/11/2018</a:t>
+            </a:r>
           </a:p>
         </p:txBody>
       </p:sp>
@@ -5619,9 +5605,9 @@
           <a:bodyPr/>
           <a:lstStyle/>
           <a:p>
-            <a:fld id="{78A94BF1-F448-2341-8F5C-872C3A20257A}" type="datetime1">
+            <a:fld id="{FA5F9E87-4198-4B0C-830C-32D5915D4406}" type="datetime1">
               <a:rPr lang="en-US" smtClean="0"/>
-              <a:t>6/7/18</a:t>
+              <a:t>6/11/18</a:t>
             </a:fld>
             <a:endParaRPr lang="en-US"/>
           </a:p>
@@ -5643,10 +5629,9 @@
           <a:lstStyle/>
           <a:p>
             <a:r>
-              <a:rPr lang="sk-SK"/>
-              <a:t>© 2016 EV3Lessons.com, Last Edit 7/07/2016</a:t>
-            </a:r>
-            <a:endParaRPr lang="en-US"/>
+              <a:rPr lang="en-US"/>
+              <a:t>© 2016 EV3Lessons.com, Last Edit 6/11/2018</a:t>
+            </a:r>
           </a:p>
         </p:txBody>
       </p:sp>
@@ -5791,9 +5776,9 @@
           <a:bodyPr/>
           <a:lstStyle/>
           <a:p>
-            <a:fld id="{AC0C2E0C-1D93-8246-A99B-C713237D663A}" type="datetime1">
+            <a:fld id="{02D3CD0B-43D0-48ED-8664-2B134585FBBD}" type="datetime1">
               <a:rPr lang="en-US" smtClean="0"/>
-              <a:t>6/7/18</a:t>
+              <a:t>6/11/18</a:t>
             </a:fld>
             <a:endParaRPr lang="en-US"/>
           </a:p>
@@ -5815,10 +5800,9 @@
           <a:lstStyle/>
           <a:p>
             <a:r>
-              <a:rPr lang="sk-SK"/>
-              <a:t>© 2016 EV3Lessons.com, Last Edit 7/07/2016</a:t>
-            </a:r>
-            <a:endParaRPr lang="en-US"/>
+              <a:rPr lang="en-US"/>
+              <a:t>© 2016 EV3Lessons.com, Last Edit 6/11/2018</a:t>
+            </a:r>
           </a:p>
         </p:txBody>
       </p:sp>
@@ -6040,9 +6024,9 @@
           <a:bodyPr/>
           <a:lstStyle/>
           <a:p>
-            <a:fld id="{4A8C1139-F983-5F49-AF1B-F56EF5EBD6BC}" type="datetime1">
+            <a:fld id="{6344237D-C993-4D29-8431-A4FE3ECA0719}" type="datetime1">
               <a:rPr lang="en-US" smtClean="0"/>
-              <a:t>6/7/18</a:t>
+              <a:t>6/11/18</a:t>
             </a:fld>
             <a:endParaRPr lang="en-US"/>
           </a:p>
@@ -6064,10 +6048,9 @@
           <a:lstStyle/>
           <a:p>
             <a:r>
-              <a:rPr lang="sk-SK"/>
-              <a:t>© 2016 EV3Lessons.com, Last Edit 7/07/2016</a:t>
-            </a:r>
-            <a:endParaRPr lang="en-US"/>
+              <a:rPr lang="en-US"/>
+              <a:t>© 2016 EV3Lessons.com, Last Edit 6/11/2018</a:t>
+            </a:r>
           </a:p>
         </p:txBody>
       </p:sp>
@@ -6273,9 +6256,9 @@
           <a:bodyPr/>
           <a:lstStyle/>
           <a:p>
-            <a:fld id="{B2A98FBD-56C8-204F-80E2-67DA0A5F0752}" type="datetime1">
+            <a:fld id="{103B206A-8D86-4648-9D83-530D2C524BEC}" type="datetime1">
               <a:rPr lang="en-US" smtClean="0"/>
-              <a:t>6/7/18</a:t>
+              <a:t>6/11/18</a:t>
             </a:fld>
             <a:endParaRPr lang="en-US"/>
           </a:p>
@@ -6297,10 +6280,9 @@
           <a:lstStyle/>
           <a:p>
             <a:r>
-              <a:rPr lang="sk-SK"/>
-              <a:t>© 2016 EV3Lessons.com, Last Edit 7/07/2016</a:t>
-            </a:r>
-            <a:endParaRPr lang="en-US"/>
+              <a:rPr lang="en-US"/>
+              <a:t>© 2016 EV3Lessons.com, Last Edit 6/11/2018</a:t>
+            </a:r>
           </a:p>
         </p:txBody>
       </p:sp>
@@ -6641,9 +6623,9 @@
           <a:bodyPr/>
           <a:lstStyle/>
           <a:p>
-            <a:fld id="{B717751D-4820-744E-9456-B27129E01496}" type="datetime1">
+            <a:fld id="{93C661A3-5E5F-4A43-AD60-AA4748E952F8}" type="datetime1">
               <a:rPr lang="en-US" smtClean="0"/>
-              <a:t>6/7/18</a:t>
+              <a:t>6/11/18</a:t>
             </a:fld>
             <a:endParaRPr lang="en-US"/>
           </a:p>
@@ -6665,10 +6647,9 @@
           <a:lstStyle/>
           <a:p>
             <a:r>
-              <a:rPr lang="sk-SK"/>
-              <a:t>© 2016 EV3Lessons.com, Last Edit 7/07/2016</a:t>
-            </a:r>
-            <a:endParaRPr lang="en-US"/>
+              <a:rPr lang="en-US"/>
+              <a:t>© 2016 EV3Lessons.com, Last Edit 6/11/2018</a:t>
+            </a:r>
           </a:p>
         </p:txBody>
       </p:sp>
@@ -6762,9 +6743,9 @@
           <a:bodyPr/>
           <a:lstStyle/>
           <a:p>
-            <a:fld id="{8C1FD523-69E8-374C-8594-521EDD152ECE}" type="datetime1">
+            <a:fld id="{5A121D01-F384-4CFA-9D40-2493C8D95DB6}" type="datetime1">
               <a:rPr lang="en-US" smtClean="0"/>
-              <a:t>6/7/18</a:t>
+              <a:t>6/11/18</a:t>
             </a:fld>
             <a:endParaRPr lang="en-US"/>
           </a:p>
@@ -6786,10 +6767,9 @@
           <a:lstStyle/>
           <a:p>
             <a:r>
-              <a:rPr lang="sk-SK"/>
-              <a:t>© 2016 EV3Lessons.com, Last Edit 7/07/2016</a:t>
-            </a:r>
-            <a:endParaRPr lang="en-US"/>
+              <a:rPr lang="en-US"/>
+              <a:t>© 2016 EV3Lessons.com, Last Edit 6/11/2018</a:t>
+            </a:r>
           </a:p>
         </p:txBody>
       </p:sp>
@@ -6861,9 +6841,9 @@
           <a:bodyPr/>
           <a:lstStyle/>
           <a:p>
-            <a:fld id="{108E3FE8-AD48-074D-9E71-F5C45737B589}" type="datetime1">
+            <a:fld id="{D59848FC-2F30-40B5-AB06-2A1E192FAE41}" type="datetime1">
               <a:rPr lang="en-US" smtClean="0"/>
-              <a:t>6/7/18</a:t>
+              <a:t>6/11/18</a:t>
             </a:fld>
             <a:endParaRPr lang="en-US"/>
           </a:p>
@@ -6885,10 +6865,9 @@
           <a:lstStyle/>
           <a:p>
             <a:r>
-              <a:rPr lang="sk-SK"/>
-              <a:t>© 2016 EV3Lessons.com, Last Edit 7/07/2016</a:t>
-            </a:r>
-            <a:endParaRPr lang="en-US"/>
+              <a:rPr lang="en-US"/>
+              <a:t>© 2016 EV3Lessons.com, Last Edit 6/11/2018</a:t>
+            </a:r>
           </a:p>
         </p:txBody>
       </p:sp>
@@ -7119,9 +7098,9 @@
           <a:bodyPr/>
           <a:lstStyle/>
           <a:p>
-            <a:fld id="{0E16DACA-1CAD-A340-BB9C-A81ACD6A490C}" type="datetime1">
+            <a:fld id="{4A151CB5-F6BE-4F9B-996E-5DEFDACF14F1}" type="datetime1">
               <a:rPr lang="en-US" smtClean="0"/>
-              <a:t>6/7/18</a:t>
+              <a:t>6/11/18</a:t>
             </a:fld>
             <a:endParaRPr lang="en-US"/>
           </a:p>
@@ -7166,10 +7145,9 @@
           <a:lstStyle/>
           <a:p>
             <a:r>
-              <a:rPr lang="sk-SK"/>
-              <a:t>© 2016 EV3Lessons.com, Last Edit 7/07/2016</a:t>
-            </a:r>
-            <a:endParaRPr lang="en-US"/>
+              <a:rPr lang="en-US"/>
+              <a:t>© 2016 EV3Lessons.com, Last Edit 6/11/2018</a:t>
+            </a:r>
           </a:p>
         </p:txBody>
       </p:sp>
@@ -7398,9 +7376,9 @@
           <a:bodyPr/>
           <a:lstStyle/>
           <a:p>
-            <a:fld id="{C7C603D3-71A3-1743-9B09-4C7AB6DA9ACC}" type="datetime1">
+            <a:fld id="{2CD753CE-7F27-4571-9F5C-D191C3EFBF46}" type="datetime1">
               <a:rPr lang="en-US" smtClean="0"/>
-              <a:t>6/7/18</a:t>
+              <a:t>6/11/18</a:t>
             </a:fld>
             <a:endParaRPr lang="en-US"/>
           </a:p>
@@ -7422,10 +7400,9 @@
           <a:lstStyle/>
           <a:p>
             <a:r>
-              <a:rPr lang="sk-SK"/>
-              <a:t>© 2016 EV3Lessons.com, Last Edit 7/07/2016</a:t>
-            </a:r>
-            <a:endParaRPr lang="en-US"/>
+              <a:rPr lang="en-US"/>
+              <a:t>© 2016 EV3Lessons.com, Last Edit 6/11/2018</a:t>
+            </a:r>
           </a:p>
         </p:txBody>
       </p:sp>
@@ -7657,9 +7634,9 @@
           <a:bodyPr/>
           <a:lstStyle/>
           <a:p>
-            <a:fld id="{03E9E5CD-8061-B347-91CD-94A9949DBA4D}" type="datetime1">
+            <a:fld id="{EDB397FA-D2E7-4604-BB54-30BC06F9DB58}" type="datetime1">
               <a:rPr lang="en-US" smtClean="0"/>
-              <a:t>6/7/18</a:t>
+              <a:t>6/11/18</a:t>
             </a:fld>
             <a:endParaRPr lang="en-US"/>
           </a:p>
@@ -7681,10 +7658,9 @@
           <a:lstStyle/>
           <a:p>
             <a:r>
-              <a:rPr lang="sk-SK"/>
-              <a:t>© 2016 EV3Lessons.com, Last Edit 7/07/2016</a:t>
-            </a:r>
-            <a:endParaRPr lang="en-US"/>
+              <a:rPr lang="en-US"/>
+              <a:t>© 2016 EV3Lessons.com, Last Edit 6/11/2018</a:t>
+            </a:r>
           </a:p>
         </p:txBody>
       </p:sp>
@@ -7829,9 +7805,9 @@
           <a:bodyPr/>
           <a:lstStyle/>
           <a:p>
-            <a:fld id="{4B50F494-9B8E-7147-B68B-AFA50D4080C1}" type="datetime1">
+            <a:fld id="{9D6B163E-7D66-4282-98FF-B335A9C4D0CC}" type="datetime1">
               <a:rPr lang="en-US" smtClean="0"/>
-              <a:t>6/7/18</a:t>
+              <a:t>6/11/18</a:t>
             </a:fld>
             <a:endParaRPr lang="en-US"/>
           </a:p>
@@ -7853,10 +7829,9 @@
           <a:lstStyle/>
           <a:p>
             <a:r>
-              <a:rPr lang="sk-SK"/>
-              <a:t>© 2016 EV3Lessons.com, Last Edit 7/07/2016</a:t>
-            </a:r>
-            <a:endParaRPr lang="en-US"/>
+              <a:rPr lang="en-US"/>
+              <a:t>© 2016 EV3Lessons.com, Last Edit 6/11/2018</a:t>
+            </a:r>
           </a:p>
         </p:txBody>
       </p:sp>
@@ -8011,9 +7986,9 @@
           <a:bodyPr/>
           <a:lstStyle/>
           <a:p>
-            <a:fld id="{F5C1F8BC-7102-754F-82B1-1EF250C0AE74}" type="datetime1">
+            <a:fld id="{CE6DB689-FF05-4D69-8215-19CA2039247B}" type="datetime1">
               <a:rPr lang="en-US" smtClean="0"/>
-              <a:t>6/7/18</a:t>
+              <a:t>6/11/18</a:t>
             </a:fld>
             <a:endParaRPr lang="en-US"/>
           </a:p>
@@ -8035,10 +8010,9 @@
           <a:lstStyle/>
           <a:p>
             <a:r>
-              <a:rPr lang="sk-SK"/>
-              <a:t>© 2016 EV3Lessons.com, Last Edit 7/07/2016</a:t>
-            </a:r>
-            <a:endParaRPr lang="en-US"/>
+              <a:rPr lang="en-US"/>
+              <a:t>© 2016 EV3Lessons.com, Last Edit 6/11/2018</a:t>
+            </a:r>
           </a:p>
         </p:txBody>
       </p:sp>
@@ -8269,9 +8243,9 @@
           <a:bodyPr/>
           <a:lstStyle/>
           <a:p>
-            <a:fld id="{606446E5-35B8-0C4F-AC77-C96EE1A53533}" type="datetime1">
+            <a:fld id="{7303DFFC-389D-4C65-8A8B-E6B71A2AA384}" type="datetime1">
               <a:rPr lang="en-US" smtClean="0"/>
-              <a:t>6/7/18</a:t>
+              <a:t>6/11/18</a:t>
             </a:fld>
             <a:endParaRPr lang="en-US"/>
           </a:p>
@@ -8293,10 +8267,9 @@
           <a:lstStyle/>
           <a:p>
             <a:r>
-              <a:rPr lang="sk-SK"/>
-              <a:t>© 2016 EV3Lessons.com, Last Edit 7/07/2016</a:t>
-            </a:r>
-            <a:endParaRPr lang="en-US"/>
+              <a:rPr lang="en-US"/>
+              <a:t>© 2016 EV3Lessons.com, Last Edit 6/11/2018</a:t>
+            </a:r>
           </a:p>
         </p:txBody>
       </p:sp>
@@ -9294,9 +9267,9 @@
           <a:bodyPr/>
           <a:lstStyle/>
           <a:p>
-            <a:fld id="{7C092660-199A-034F-AEC6-7EA47FD373CD}" type="datetime1">
+            <a:fld id="{2EBB3103-06D3-4259-8917-04F2106B9B5F}" type="datetime1">
               <a:rPr lang="en-US" smtClean="0"/>
-              <a:t>6/7/18</a:t>
+              <a:t>6/11/18</a:t>
             </a:fld>
             <a:endParaRPr lang="en-US"/>
           </a:p>
@@ -9318,10 +9291,9 @@
           <a:lstStyle/>
           <a:p>
             <a:r>
-              <a:rPr lang="sk-SK"/>
-              <a:t>© 2016 EV3Lessons.com, Last Edit 7/07/2016</a:t>
-            </a:r>
-            <a:endParaRPr lang="en-US"/>
+              <a:rPr lang="en-US"/>
+              <a:t>© 2016 EV3Lessons.com, Last Edit 6/11/2018</a:t>
+            </a:r>
           </a:p>
         </p:txBody>
       </p:sp>
@@ -9557,9 +9529,9 @@
           <a:bodyPr/>
           <a:lstStyle/>
           <a:p>
-            <a:fld id="{4A65975D-F470-4B49-ACBC-070590BA3103}" type="datetime1">
+            <a:fld id="{23F5546E-FF15-4542-86D3-5DDC5C1A0B1F}" type="datetime1">
               <a:rPr lang="en-US" smtClean="0"/>
-              <a:t>6/7/18</a:t>
+              <a:t>6/11/18</a:t>
             </a:fld>
             <a:endParaRPr lang="en-US"/>
           </a:p>
@@ -9604,10 +9576,9 @@
           <a:lstStyle/>
           <a:p>
             <a:r>
-              <a:rPr lang="sk-SK"/>
-              <a:t>© 2016 EV3Lessons.com, Last Edit 7/07/2016</a:t>
-            </a:r>
-            <a:endParaRPr lang="en-US"/>
+              <a:rPr lang="en-US"/>
+              <a:t>© 2016 EV3Lessons.com, Last Edit 6/11/2018</a:t>
+            </a:r>
           </a:p>
         </p:txBody>
       </p:sp>
@@ -9853,9 +9824,9 @@
           <a:bodyPr/>
           <a:lstStyle/>
           <a:p>
-            <a:fld id="{B675B06D-A35D-9E41-9571-01468F21B474}" type="datetime1">
+            <a:fld id="{4F0E520C-BDF4-442F-95F2-181CECDCF2EF}" type="datetime1">
               <a:rPr lang="en-US" smtClean="0"/>
-              <a:t>6/7/18</a:t>
+              <a:t>6/11/18</a:t>
             </a:fld>
             <a:endParaRPr lang="en-US"/>
           </a:p>
@@ -9877,10 +9848,9 @@
           <a:lstStyle/>
           <a:p>
             <a:r>
-              <a:rPr lang="sk-SK"/>
-              <a:t>© 2016 EV3Lessons.com, Last Edit 7/07/2016</a:t>
-            </a:r>
-            <a:endParaRPr lang="en-US"/>
+              <a:rPr lang="en-US"/>
+              <a:t>© 2016 EV3Lessons.com, Last Edit 6/11/2018</a:t>
+            </a:r>
           </a:p>
         </p:txBody>
       </p:sp>
@@ -10300,9 +10270,9 @@
           <a:bodyPr/>
           <a:lstStyle/>
           <a:p>
-            <a:fld id="{24972FB0-3B42-624E-B72F-2BB5D5A8E124}" type="datetime1">
+            <a:fld id="{6EE9A0E3-EF80-462B-8788-9400B374EAB0}" type="datetime1">
               <a:rPr lang="en-US" smtClean="0"/>
-              <a:t>6/7/18</a:t>
+              <a:t>6/11/18</a:t>
             </a:fld>
             <a:endParaRPr lang="en-US"/>
           </a:p>
@@ -10324,10 +10294,9 @@
           <a:lstStyle/>
           <a:p>
             <a:r>
-              <a:rPr lang="sk-SK"/>
-              <a:t>© 2016 EV3Lessons.com, Last Edit 7/07/2016</a:t>
-            </a:r>
-            <a:endParaRPr lang="en-US"/>
+              <a:rPr lang="en-US"/>
+              <a:t>© 2016 EV3Lessons.com, Last Edit 6/11/2018</a:t>
+            </a:r>
           </a:p>
         </p:txBody>
       </p:sp>
@@ -10421,9 +10390,9 @@
           <a:bodyPr/>
           <a:lstStyle/>
           <a:p>
-            <a:fld id="{58CAB24C-54EC-1144-A779-61AC930C623D}" type="datetime1">
+            <a:fld id="{1F101E41-70C0-4B7D-B2E3-19783C7F9CBE}" type="datetime1">
               <a:rPr lang="en-US" smtClean="0"/>
-              <a:t>6/7/18</a:t>
+              <a:t>6/11/18</a:t>
             </a:fld>
             <a:endParaRPr lang="en-US"/>
           </a:p>
@@ -10445,10 +10414,9 @@
           <a:lstStyle/>
           <a:p>
             <a:r>
-              <a:rPr lang="sk-SK"/>
-              <a:t>© 2016 EV3Lessons.com, Last Edit 7/07/2016</a:t>
-            </a:r>
-            <a:endParaRPr lang="en-US"/>
+              <a:rPr lang="en-US"/>
+              <a:t>© 2016 EV3Lessons.com, Last Edit 6/11/2018</a:t>
+            </a:r>
           </a:p>
         </p:txBody>
       </p:sp>
@@ -10716,9 +10684,9 @@
           <a:bodyPr/>
           <a:lstStyle/>
           <a:p>
-            <a:fld id="{87529916-3B6F-EF4F-892C-92FE416141B0}" type="datetime1">
+            <a:fld id="{DC3F7B1D-1D7B-47B3-B538-399EF2149D97}" type="datetime1">
               <a:rPr lang="en-US" smtClean="0"/>
-              <a:t>6/7/18</a:t>
+              <a:t>6/11/18</a:t>
             </a:fld>
             <a:endParaRPr lang="en-US"/>
           </a:p>
@@ -10740,10 +10708,9 @@
           <a:lstStyle/>
           <a:p>
             <a:r>
-              <a:rPr lang="sk-SK"/>
-              <a:t>© 2016 EV3Lessons.com, Last Edit 7/07/2016</a:t>
-            </a:r>
-            <a:endParaRPr lang="en-US"/>
+              <a:rPr lang="en-US"/>
+              <a:t>© 2016 EV3Lessons.com, Last Edit 6/11/2018</a:t>
+            </a:r>
           </a:p>
         </p:txBody>
       </p:sp>
@@ -10815,9 +10782,9 @@
           <a:bodyPr/>
           <a:lstStyle/>
           <a:p>
-            <a:fld id="{DABA3EEB-F9BF-9342-84D9-6A087CF54050}" type="datetime1">
+            <a:fld id="{B310082E-1FE5-48D6-A58F-7AF85761D936}" type="datetime1">
               <a:rPr lang="en-US" smtClean="0"/>
-              <a:t>6/7/18</a:t>
+              <a:t>6/11/18</a:t>
             </a:fld>
             <a:endParaRPr lang="en-US"/>
           </a:p>
@@ -10839,10 +10806,9 @@
           <a:lstStyle/>
           <a:p>
             <a:r>
-              <a:rPr lang="sk-SK"/>
-              <a:t>© 2016 EV3Lessons.com, Last Edit 7/07/2016</a:t>
-            </a:r>
-            <a:endParaRPr lang="en-US"/>
+              <a:rPr lang="en-US"/>
+              <a:t>© 2016 EV3Lessons.com, Last Edit 6/11/2018</a:t>
+            </a:r>
           </a:p>
         </p:txBody>
       </p:sp>
@@ -11066,9 +11032,9 @@
           <a:bodyPr/>
           <a:lstStyle/>
           <a:p>
-            <a:fld id="{D649B9AA-3C18-9F44-AA4C-B965DFDE7540}" type="datetime1">
+            <a:fld id="{FD8811D8-BBF6-4798-B0DF-FEBF3373CA9F}" type="datetime1">
               <a:rPr lang="en-US" smtClean="0"/>
-              <a:t>6/7/18</a:t>
+              <a:t>6/11/18</a:t>
             </a:fld>
             <a:endParaRPr lang="en-US"/>
           </a:p>
@@ -11090,10 +11056,9 @@
           <a:lstStyle/>
           <a:p>
             <a:r>
-              <a:rPr lang="sk-SK"/>
-              <a:t>© 2016 EV3Lessons.com, Last Edit 7/07/2016</a:t>
-            </a:r>
-            <a:endParaRPr lang="en-US"/>
+              <a:rPr lang="en-US"/>
+              <a:t>© 2016 EV3Lessons.com, Last Edit 6/11/2018</a:t>
+            </a:r>
           </a:p>
         </p:txBody>
       </p:sp>
@@ -11367,9 +11332,9 @@
           <a:bodyPr/>
           <a:lstStyle/>
           <a:p>
-            <a:fld id="{D13A7B86-B248-8F41-9485-D189C88CEE0C}" type="datetime1">
+            <a:fld id="{3F0ECFFE-9645-4D7C-BFFC-52B6F5A34E5D}" type="datetime1">
               <a:rPr lang="en-US" smtClean="0"/>
-              <a:t>6/7/18</a:t>
+              <a:t>6/11/18</a:t>
             </a:fld>
             <a:endParaRPr lang="en-US"/>
           </a:p>
@@ -11391,10 +11356,9 @@
           <a:lstStyle/>
           <a:p>
             <a:r>
-              <a:rPr lang="sk-SK"/>
-              <a:t>© 2016 EV3Lessons.com, Last Edit 7/07/2016</a:t>
-            </a:r>
-            <a:endParaRPr lang="en-US"/>
+              <a:rPr lang="en-US"/>
+              <a:t>© 2016 EV3Lessons.com, Last Edit 6/11/2018</a:t>
+            </a:r>
           </a:p>
         </p:txBody>
       </p:sp>
@@ -11627,9 +11591,9 @@
           <a:bodyPr/>
           <a:lstStyle/>
           <a:p>
-            <a:fld id="{A2FC2DF0-F4D9-E343-AE12-0228FB0062F5}" type="datetime1">
+            <a:fld id="{ECD21622-100A-4441-A1EB-0BF6758ACBA1}" type="datetime1">
               <a:rPr lang="en-US" smtClean="0"/>
-              <a:t>6/7/18</a:t>
+              <a:t>6/11/18</a:t>
             </a:fld>
             <a:endParaRPr lang="en-US"/>
           </a:p>
@@ -11651,10 +11615,9 @@
           <a:lstStyle/>
           <a:p>
             <a:r>
-              <a:rPr lang="sk-SK"/>
-              <a:t>© 2016 EV3Lessons.com, Last Edit 7/07/2016</a:t>
-            </a:r>
-            <a:endParaRPr lang="en-US"/>
+              <a:rPr lang="en-US"/>
+              <a:t>© 2016 EV3Lessons.com, Last Edit 6/11/2018</a:t>
+            </a:r>
           </a:p>
         </p:txBody>
       </p:sp>
@@ -11809,9 +11772,9 @@
           <a:bodyPr/>
           <a:lstStyle/>
           <a:p>
-            <a:fld id="{492B6A65-6A5E-DE4E-8DD3-276736076D12}" type="datetime1">
+            <a:fld id="{0BE18312-05ED-4D26-AE4B-C31EC482B7DD}" type="datetime1">
               <a:rPr lang="en-US" smtClean="0"/>
-              <a:t>6/7/18</a:t>
+              <a:t>6/11/18</a:t>
             </a:fld>
             <a:endParaRPr lang="en-US"/>
           </a:p>
@@ -11833,10 +11796,9 @@
           <a:lstStyle/>
           <a:p>
             <a:r>
-              <a:rPr lang="sk-SK"/>
-              <a:t>© 2016 EV3Lessons.com, Last Edit 7/07/2016</a:t>
-            </a:r>
-            <a:endParaRPr lang="en-US"/>
+              <a:rPr lang="en-US"/>
+              <a:t>© 2016 EV3Lessons.com, Last Edit 6/11/2018</a:t>
+            </a:r>
           </a:p>
         </p:txBody>
       </p:sp>
@@ -12026,9 +11988,9 @@
           <a:bodyPr/>
           <a:lstStyle/>
           <a:p>
-            <a:fld id="{3257CFE9-6AC2-1844-9FDA-CF227106FC6C}" type="datetime1">
+            <a:fld id="{7221C6AD-AAB2-4354-971D-2698E200758E}" type="datetime1">
               <a:rPr lang="en-US" smtClean="0"/>
-              <a:t>6/7/18</a:t>
+              <a:t>6/11/18</a:t>
             </a:fld>
             <a:endParaRPr lang="en-US"/>
           </a:p>
@@ -12055,10 +12017,9 @@
           <a:lstStyle/>
           <a:p>
             <a:r>
-              <a:rPr lang="sk-SK"/>
-              <a:t>© 2016 EV3Lessons.com, Last Edit 7/07/2016</a:t>
-            </a:r>
-            <a:endParaRPr lang="en-US"/>
+              <a:rPr lang="en-US"/>
+              <a:t>© 2016 EV3Lessons.com, Last Edit 6/11/2018</a:t>
+            </a:r>
           </a:p>
         </p:txBody>
       </p:sp>
@@ -13283,9 +13244,9 @@
           <a:bodyPr/>
           <a:lstStyle/>
           <a:p>
-            <a:fld id="{227E8181-98AA-5E48-923F-11DE40089842}" type="datetime1">
+            <a:fld id="{60EFF495-9C31-4BAD-8E1A-144440484AD5}" type="datetime1">
               <a:rPr lang="en-US" smtClean="0"/>
-              <a:t>6/7/18</a:t>
+              <a:t>6/11/18</a:t>
             </a:fld>
             <a:endParaRPr lang="en-US"/>
           </a:p>
@@ -13307,10 +13268,9 @@
           <a:lstStyle/>
           <a:p>
             <a:r>
-              <a:rPr lang="sk-SK"/>
-              <a:t>© 2016 EV3Lessons.com, Last Edit 7/07/2016</a:t>
-            </a:r>
-            <a:endParaRPr lang="en-US"/>
+              <a:rPr lang="en-US"/>
+              <a:t>© 2016 EV3Lessons.com, Last Edit 6/11/2018</a:t>
+            </a:r>
           </a:p>
         </p:txBody>
       </p:sp>
@@ -13549,9 +13509,9 @@
           <a:bodyPr/>
           <a:lstStyle/>
           <a:p>
-            <a:fld id="{EBD7CF59-D35D-C94C-AB25-67E77720835C}" type="datetime1">
+            <a:fld id="{B7FD72E2-5059-486D-9C6C-378C486A8A23}" type="datetime1">
               <a:rPr lang="en-US" smtClean="0"/>
-              <a:t>6/7/18</a:t>
+              <a:t>6/11/18</a:t>
             </a:fld>
             <a:endParaRPr lang="en-US"/>
           </a:p>
@@ -13604,10 +13564,9 @@
           <a:lstStyle/>
           <a:p>
             <a:r>
-              <a:rPr lang="sk-SK"/>
-              <a:t>© 2016 EV3Lessons.com, Last Edit 7/07/2016</a:t>
-            </a:r>
-            <a:endParaRPr lang="en-US"/>
+              <a:rPr lang="en-US"/>
+              <a:t>© 2016 EV3Lessons.com, Last Edit 6/11/2018</a:t>
+            </a:r>
           </a:p>
         </p:txBody>
       </p:sp>
@@ -13853,9 +13812,9 @@
           <a:bodyPr/>
           <a:lstStyle/>
           <a:p>
-            <a:fld id="{A8E19FC3-A5CE-E74E-B963-999280AE0305}" type="datetime1">
+            <a:fld id="{31A023E9-DF82-49A4-A6A5-238A19B7C86B}" type="datetime1">
               <a:rPr lang="en-US" smtClean="0"/>
-              <a:t>6/7/18</a:t>
+              <a:t>6/11/18</a:t>
             </a:fld>
             <a:endParaRPr lang="en-US"/>
           </a:p>
@@ -13877,10 +13836,9 @@
           <a:lstStyle/>
           <a:p>
             <a:r>
-              <a:rPr lang="sk-SK"/>
-              <a:t>© 2016 EV3Lessons.com, Last Edit 7/07/2016</a:t>
-            </a:r>
-            <a:endParaRPr lang="en-US"/>
+              <a:rPr lang="en-US"/>
+              <a:t>© 2016 EV3Lessons.com, Last Edit 6/11/2018</a:t>
+            </a:r>
           </a:p>
         </p:txBody>
       </p:sp>
@@ -14308,9 +14266,9 @@
           <a:bodyPr/>
           <a:lstStyle/>
           <a:p>
-            <a:fld id="{16ACA9BF-968A-DE42-A2DD-13DA8F55B4DB}" type="datetime1">
+            <a:fld id="{700C1E86-7A46-4EDA-88EB-E42F84083B6D}" type="datetime1">
               <a:rPr lang="en-US" smtClean="0"/>
-              <a:t>6/7/18</a:t>
+              <a:t>6/11/18</a:t>
             </a:fld>
             <a:endParaRPr lang="en-US"/>
           </a:p>
@@ -14332,10 +14290,9 @@
           <a:lstStyle/>
           <a:p>
             <a:r>
-              <a:rPr lang="sk-SK"/>
-              <a:t>© 2016 EV3Lessons.com, Last Edit 7/07/2016</a:t>
-            </a:r>
-            <a:endParaRPr lang="en-US"/>
+              <a:rPr lang="en-US"/>
+              <a:t>© 2016 EV3Lessons.com, Last Edit 6/11/2018</a:t>
+            </a:r>
           </a:p>
         </p:txBody>
       </p:sp>
@@ -14763,9 +14720,9 @@
           <a:bodyPr/>
           <a:lstStyle/>
           <a:p>
-            <a:fld id="{84BC94B2-32AC-A148-803D-A25D2FB76D21}" type="datetime1">
+            <a:fld id="{87E1F160-C26D-41A1-B64B-EA7C4E293966}" type="datetime1">
               <a:rPr lang="en-US" smtClean="0"/>
-              <a:t>6/7/18</a:t>
+              <a:t>6/11/18</a:t>
             </a:fld>
             <a:endParaRPr lang="en-US"/>
           </a:p>
@@ -14787,10 +14744,9 @@
           <a:lstStyle/>
           <a:p>
             <a:r>
-              <a:rPr lang="sk-SK"/>
-              <a:t>© 2016 EV3Lessons.com, Last Edit 7/07/2016</a:t>
-            </a:r>
-            <a:endParaRPr lang="en-US"/>
+              <a:rPr lang="en-US"/>
+              <a:t>© 2016 EV3Lessons.com, Last Edit 6/11/2018</a:t>
+            </a:r>
           </a:p>
         </p:txBody>
       </p:sp>
@@ -14884,9 +14840,9 @@
           <a:bodyPr/>
           <a:lstStyle/>
           <a:p>
-            <a:fld id="{B0BE5281-7A9F-614D-813F-0947346D3835}" type="datetime1">
+            <a:fld id="{21687433-38DA-4622-934F-B2E9FDD1C60C}" type="datetime1">
               <a:rPr lang="en-US" smtClean="0"/>
-              <a:t>6/7/18</a:t>
+              <a:t>6/11/18</a:t>
             </a:fld>
             <a:endParaRPr lang="en-US"/>
           </a:p>
@@ -14908,10 +14864,9 @@
           <a:lstStyle/>
           <a:p>
             <a:r>
-              <a:rPr lang="sk-SK"/>
-              <a:t>© 2016 EV3Lessons.com, Last Edit 7/07/2016</a:t>
-            </a:r>
-            <a:endParaRPr lang="en-US"/>
+              <a:rPr lang="en-US"/>
+              <a:t>© 2016 EV3Lessons.com, Last Edit 6/11/2018</a:t>
+            </a:r>
           </a:p>
         </p:txBody>
       </p:sp>
@@ -14991,9 +14946,9 @@
           <a:bodyPr/>
           <a:lstStyle/>
           <a:p>
-            <a:fld id="{E2D1B241-263D-9F49-8773-C06BEFCB912C}" type="datetime1">
+            <a:fld id="{5552CC9F-AEB2-4569-BE6A-7E4C06B94C97}" type="datetime1">
               <a:rPr lang="en-US" smtClean="0"/>
-              <a:t>6/7/18</a:t>
+              <a:t>6/11/18</a:t>
             </a:fld>
             <a:endParaRPr lang="en-US"/>
           </a:p>
@@ -15015,10 +14970,9 @@
           <a:lstStyle/>
           <a:p>
             <a:r>
-              <a:rPr lang="sk-SK"/>
-              <a:t>© 2016 EV3Lessons.com, Last Edit 7/07/2016</a:t>
-            </a:r>
-            <a:endParaRPr lang="en-US"/>
+              <a:rPr lang="en-US"/>
+              <a:t>© 2016 EV3Lessons.com, Last Edit 6/11/2018</a:t>
+            </a:r>
           </a:p>
         </p:txBody>
       </p:sp>
@@ -15250,9 +15204,9 @@
           <a:bodyPr/>
           <a:lstStyle/>
           <a:p>
-            <a:fld id="{24C98660-3CB5-5E49-B8A2-D08537B19A48}" type="datetime1">
+            <a:fld id="{989A89E8-79D0-4B67-8E8B-9A585868E3BA}" type="datetime1">
               <a:rPr lang="en-US" smtClean="0"/>
-              <a:t>6/7/18</a:t>
+              <a:t>6/11/18</a:t>
             </a:fld>
             <a:endParaRPr lang="en-US"/>
           </a:p>
@@ -15274,10 +15228,9 @@
           <a:lstStyle/>
           <a:p>
             <a:r>
-              <a:rPr lang="sk-SK"/>
-              <a:t>© 2016 EV3Lessons.com, Last Edit 7/07/2016</a:t>
-            </a:r>
-            <a:endParaRPr lang="en-US"/>
+              <a:rPr lang="en-US"/>
+              <a:t>© 2016 EV3Lessons.com, Last Edit 6/11/2018</a:t>
+            </a:r>
           </a:p>
         </p:txBody>
       </p:sp>
@@ -15559,9 +15512,9 @@
           <a:bodyPr/>
           <a:lstStyle/>
           <a:p>
-            <a:fld id="{08B3858E-B552-2841-8779-8BA00C5DD6DA}" type="datetime1">
+            <a:fld id="{136077E5-08CB-4D1B-A914-536FCDA1A633}" type="datetime1">
               <a:rPr lang="en-US" smtClean="0"/>
-              <a:t>6/7/18</a:t>
+              <a:t>6/11/18</a:t>
             </a:fld>
             <a:endParaRPr lang="en-US"/>
           </a:p>
@@ -15583,10 +15536,9 @@
           <a:lstStyle/>
           <a:p>
             <a:r>
-              <a:rPr lang="sk-SK"/>
-              <a:t>© 2016 EV3Lessons.com, Last Edit 7/07/2016</a:t>
-            </a:r>
-            <a:endParaRPr lang="en-US"/>
+              <a:rPr lang="en-US"/>
+              <a:t>© 2016 EV3Lessons.com, Last Edit 6/11/2018</a:t>
+            </a:r>
           </a:p>
         </p:txBody>
       </p:sp>
@@ -15827,9 +15779,9 @@
           <a:bodyPr/>
           <a:lstStyle/>
           <a:p>
-            <a:fld id="{6952CB6E-9BE4-144C-B4C7-C12BA811160F}" type="datetime1">
+            <a:fld id="{35A71E70-7833-4403-A4CB-CADBB5114225}" type="datetime1">
               <a:rPr lang="en-US" smtClean="0"/>
-              <a:t>6/7/18</a:t>
+              <a:t>6/11/18</a:t>
             </a:fld>
             <a:endParaRPr lang="en-US"/>
           </a:p>
@@ -15851,10 +15803,9 @@
           <a:lstStyle/>
           <a:p>
             <a:r>
-              <a:rPr lang="sk-SK"/>
-              <a:t>© 2016 EV3Lessons.com, Last Edit 7/07/2016</a:t>
-            </a:r>
-            <a:endParaRPr lang="en-US"/>
+              <a:rPr lang="en-US"/>
+              <a:t>© 2016 EV3Lessons.com, Last Edit 6/11/2018</a:t>
+            </a:r>
           </a:p>
         </p:txBody>
       </p:sp>
@@ -16017,9 +15968,9 @@
           <a:bodyPr/>
           <a:lstStyle/>
           <a:p>
-            <a:fld id="{A8457DC4-A56A-B14D-A17F-A5BD1E449185}" type="datetime1">
+            <a:fld id="{CD3DB43F-3C13-4D77-912F-2D8802EF77F5}" type="datetime1">
               <a:rPr lang="en-US" smtClean="0"/>
-              <a:t>6/7/18</a:t>
+              <a:t>6/11/18</a:t>
             </a:fld>
             <a:endParaRPr lang="en-US"/>
           </a:p>
@@ -16041,10 +15992,9 @@
           <a:lstStyle/>
           <a:p>
             <a:r>
-              <a:rPr lang="sk-SK"/>
-              <a:t>© 2016 EV3Lessons.com, Last Edit 7/07/2016</a:t>
-            </a:r>
-            <a:endParaRPr lang="en-US"/>
+              <a:rPr lang="en-US"/>
+              <a:t>© 2016 EV3Lessons.com, Last Edit 6/11/2018</a:t>
+            </a:r>
           </a:p>
         </p:txBody>
       </p:sp>
@@ -16219,9 +16169,9 @@
           <a:bodyPr/>
           <a:lstStyle/>
           <a:p>
-            <a:fld id="{8733F16D-7965-654C-8EE5-F52C9086CFE7}" type="datetime1">
+            <a:fld id="{850AFC70-098B-4030-AA23-974AF54A67D3}" type="datetime1">
               <a:rPr lang="en-US" smtClean="0"/>
-              <a:t>6/7/18</a:t>
+              <a:t>6/11/18</a:t>
             </a:fld>
             <a:endParaRPr lang="en-US"/>
           </a:p>
@@ -16243,10 +16193,9 @@
           <a:lstStyle/>
           <a:p>
             <a:r>
-              <a:rPr lang="sk-SK"/>
-              <a:t>© 2016 EV3Lessons.com, Last Edit 7/07/2016</a:t>
-            </a:r>
-            <a:endParaRPr lang="en-US"/>
+              <a:rPr lang="en-US"/>
+              <a:t>© 2016 EV3Lessons.com, Last Edit 6/11/2018</a:t>
+            </a:r>
           </a:p>
         </p:txBody>
       </p:sp>
@@ -16391,9 +16340,9 @@
           <a:bodyPr/>
           <a:lstStyle/>
           <a:p>
-            <a:fld id="{E29112A2-7D2C-6347-BBFC-08EE368107AF}" type="datetime1">
+            <a:fld id="{8868250E-9744-4C57-94F8-D00893F3DD74}" type="datetime1">
               <a:rPr lang="en-US" smtClean="0"/>
-              <a:t>6/7/18</a:t>
+              <a:t>6/11/18</a:t>
             </a:fld>
             <a:endParaRPr lang="en-US"/>
           </a:p>
@@ -16415,10 +16364,9 @@
           <a:lstStyle/>
           <a:p>
             <a:r>
-              <a:rPr lang="sk-SK"/>
-              <a:t>© 2016 EV3Lessons.com, Last Edit 7/07/2016</a:t>
-            </a:r>
-            <a:endParaRPr lang="en-US"/>
+              <a:rPr lang="en-US"/>
+              <a:t>© 2016 EV3Lessons.com, Last Edit 6/11/2018</a:t>
+            </a:r>
           </a:p>
         </p:txBody>
       </p:sp>
@@ -16640,9 +16588,9 @@
           <a:bodyPr/>
           <a:lstStyle/>
           <a:p>
-            <a:fld id="{DDF6EF35-362E-664E-ACD1-F123060546B0}" type="datetime1">
+            <a:fld id="{A9B0875C-A784-4528-9411-0AADC286F962}" type="datetime1">
               <a:rPr lang="en-US" smtClean="0"/>
-              <a:t>6/7/18</a:t>
+              <a:t>6/11/18</a:t>
             </a:fld>
             <a:endParaRPr lang="en-US"/>
           </a:p>
@@ -16664,10 +16612,9 @@
           <a:lstStyle/>
           <a:p>
             <a:r>
-              <a:rPr lang="sk-SK"/>
-              <a:t>© 2016 EV3Lessons.com, Last Edit 7/07/2016</a:t>
-            </a:r>
-            <a:endParaRPr lang="en-US"/>
+              <a:rPr lang="en-US"/>
+              <a:t>© 2016 EV3Lessons.com, Last Edit 6/11/2018</a:t>
+            </a:r>
           </a:p>
         </p:txBody>
       </p:sp>
@@ -16873,9 +16820,9 @@
           <a:bodyPr/>
           <a:lstStyle/>
           <a:p>
-            <a:fld id="{DBD6B292-89DB-4247-8502-65C1AB4D8FBB}" type="datetime1">
+            <a:fld id="{733F266B-CFED-4715-BC1C-B5C84B761B1A}" type="datetime1">
               <a:rPr lang="en-US" smtClean="0"/>
-              <a:t>6/7/18</a:t>
+              <a:t>6/11/18</a:t>
             </a:fld>
             <a:endParaRPr lang="en-US"/>
           </a:p>
@@ -16897,10 +16844,9 @@
           <a:lstStyle/>
           <a:p>
             <a:r>
-              <a:rPr lang="sk-SK"/>
-              <a:t>© 2016 EV3Lessons.com, Last Edit 7/07/2016</a:t>
-            </a:r>
-            <a:endParaRPr lang="en-US"/>
+              <a:rPr lang="en-US"/>
+              <a:t>© 2016 EV3Lessons.com, Last Edit 6/11/2018</a:t>
+            </a:r>
           </a:p>
         </p:txBody>
       </p:sp>
@@ -16994,9 +16940,9 @@
           <a:bodyPr/>
           <a:lstStyle/>
           <a:p>
-            <a:fld id="{313F47B4-7193-6144-AD61-FB0621BCE852}" type="datetime1">
+            <a:fld id="{EF3CF69A-B9CD-44EA-B7A3-C767C7441BE5}" type="datetime1">
               <a:rPr lang="en-US" smtClean="0"/>
-              <a:t>6/7/18</a:t>
+              <a:t>6/11/18</a:t>
             </a:fld>
             <a:endParaRPr lang="en-US"/>
           </a:p>
@@ -17018,10 +16964,9 @@
           <a:lstStyle/>
           <a:p>
             <a:r>
-              <a:rPr lang="sk-SK"/>
-              <a:t>© 2016 EV3Lessons.com, Last Edit 7/07/2016</a:t>
-            </a:r>
-            <a:endParaRPr lang="en-US"/>
+              <a:rPr lang="en-US"/>
+              <a:t>© 2016 EV3Lessons.com, Last Edit 6/11/2018</a:t>
+            </a:r>
           </a:p>
         </p:txBody>
       </p:sp>
@@ -17362,9 +17307,9 @@
           <a:bodyPr/>
           <a:lstStyle/>
           <a:p>
-            <a:fld id="{15871959-F6D6-BA4B-8715-2FECF6AACFE5}" type="datetime1">
+            <a:fld id="{D0B4BEEA-DDF3-4A6E-850C-D87681F2B1EB}" type="datetime1">
               <a:rPr lang="en-US" smtClean="0"/>
-              <a:t>6/7/18</a:t>
+              <a:t>6/11/18</a:t>
             </a:fld>
             <a:endParaRPr lang="en-US"/>
           </a:p>
@@ -17386,10 +17331,9 @@
           <a:lstStyle/>
           <a:p>
             <a:r>
-              <a:rPr lang="sk-SK"/>
-              <a:t>© 2016 EV3Lessons.com, Last Edit 7/07/2016</a:t>
-            </a:r>
-            <a:endParaRPr lang="en-US"/>
+              <a:rPr lang="en-US"/>
+              <a:t>© 2016 EV3Lessons.com, Last Edit 6/11/2018</a:t>
+            </a:r>
           </a:p>
         </p:txBody>
       </p:sp>
@@ -17483,9 +17427,9 @@
           <a:bodyPr/>
           <a:lstStyle/>
           <a:p>
-            <a:fld id="{44EC7523-677C-B24F-B972-91AF3163FCFF}" type="datetime1">
+            <a:fld id="{BFB7E17C-DDE2-4CF1-875A-20E05230B526}" type="datetime1">
               <a:rPr lang="en-US" smtClean="0"/>
-              <a:t>6/7/18</a:t>
+              <a:t>6/11/18</a:t>
             </a:fld>
             <a:endParaRPr lang="en-US"/>
           </a:p>
@@ -17507,10 +17451,9 @@
           <a:lstStyle/>
           <a:p>
             <a:r>
-              <a:rPr lang="sk-SK"/>
-              <a:t>© 2016 EV3Lessons.com, Last Edit 7/07/2016</a:t>
-            </a:r>
-            <a:endParaRPr lang="en-US"/>
+              <a:rPr lang="en-US"/>
+              <a:t>© 2016 EV3Lessons.com, Last Edit 6/11/2018</a:t>
+            </a:r>
           </a:p>
         </p:txBody>
       </p:sp>
@@ -17582,9 +17525,9 @@
           <a:bodyPr/>
           <a:lstStyle/>
           <a:p>
-            <a:fld id="{6D5ED95B-4319-5A49-9986-869C8FA12B9A}" type="datetime1">
+            <a:fld id="{369454B0-939F-4A7D-B909-1A28749FA698}" type="datetime1">
               <a:rPr lang="en-US" smtClean="0"/>
-              <a:t>6/7/18</a:t>
+              <a:t>6/11/18</a:t>
             </a:fld>
             <a:endParaRPr lang="en-US"/>
           </a:p>
@@ -17606,10 +17549,9 @@
           <a:lstStyle/>
           <a:p>
             <a:r>
-              <a:rPr lang="sk-SK"/>
-              <a:t>© 2016 EV3Lessons.com, Last Edit 7/07/2016</a:t>
-            </a:r>
-            <a:endParaRPr lang="en-US"/>
+              <a:rPr lang="en-US"/>
+              <a:t>© 2016 EV3Lessons.com, Last Edit 6/11/2018</a:t>
+            </a:r>
           </a:p>
         </p:txBody>
       </p:sp>
@@ -17861,9 +17803,9 @@
           <a:bodyPr/>
           <a:lstStyle/>
           <a:p>
-            <a:fld id="{AF016EA8-72A4-C34F-8742-148F8E8B9AB5}" type="datetime1">
+            <a:fld id="{2F07D6B4-787A-413E-AC69-B37E16ABA499}" type="datetime1">
               <a:rPr lang="en-US" smtClean="0"/>
-              <a:t>6/7/18</a:t>
+              <a:t>6/11/18</a:t>
             </a:fld>
             <a:endParaRPr lang="en-US"/>
           </a:p>
@@ -17885,10 +17827,9 @@
           <a:lstStyle/>
           <a:p>
             <a:r>
-              <a:rPr lang="sk-SK"/>
-              <a:t>© 2016 EV3Lessons.com, Last Edit 7/07/2016</a:t>
-            </a:r>
-            <a:endParaRPr lang="en-US"/>
+              <a:rPr lang="en-US"/>
+              <a:t>© 2016 EV3Lessons.com, Last Edit 6/11/2018</a:t>
+            </a:r>
           </a:p>
         </p:txBody>
       </p:sp>
@@ -18120,9 +18061,9 @@
           <a:bodyPr/>
           <a:lstStyle/>
           <a:p>
-            <a:fld id="{B65AFC9E-C268-EC48-B13B-90C1732BA6D9}" type="datetime1">
+            <a:fld id="{632F867E-C71F-49D8-AFAE-B85979C865EB}" type="datetime1">
               <a:rPr lang="en-US" smtClean="0"/>
-              <a:t>6/7/18</a:t>
+              <a:t>6/11/18</a:t>
             </a:fld>
             <a:endParaRPr lang="en-US"/>
           </a:p>
@@ -18144,10 +18085,9 @@
           <a:lstStyle/>
           <a:p>
             <a:r>
-              <a:rPr lang="sk-SK"/>
-              <a:t>© 2016 EV3Lessons.com, Last Edit 7/07/2016</a:t>
-            </a:r>
-            <a:endParaRPr lang="en-US"/>
+              <a:rPr lang="en-US"/>
+              <a:t>© 2016 EV3Lessons.com, Last Edit 6/11/2018</a:t>
+            </a:r>
           </a:p>
         </p:txBody>
       </p:sp>
@@ -18292,9 +18232,9 @@
           <a:bodyPr/>
           <a:lstStyle/>
           <a:p>
-            <a:fld id="{7FD76979-75BF-964E-9001-CFB7D0195BBC}" type="datetime1">
+            <a:fld id="{BD16E625-366F-44EE-B588-A20FE15A19A0}" type="datetime1">
               <a:rPr lang="en-US" smtClean="0"/>
-              <a:t>6/7/18</a:t>
+              <a:t>6/11/18</a:t>
             </a:fld>
             <a:endParaRPr lang="en-US"/>
           </a:p>
@@ -18316,10 +18256,9 @@
           <a:lstStyle/>
           <a:p>
             <a:r>
-              <a:rPr lang="sk-SK"/>
-              <a:t>© 2016 EV3Lessons.com, Last Edit 7/07/2016</a:t>
-            </a:r>
-            <a:endParaRPr lang="en-US"/>
+              <a:rPr lang="en-US"/>
+              <a:t>© 2016 EV3Lessons.com, Last Edit 6/11/2018</a:t>
+            </a:r>
           </a:p>
         </p:txBody>
       </p:sp>
@@ -18474,9 +18413,9 @@
           <a:bodyPr/>
           <a:lstStyle/>
           <a:p>
-            <a:fld id="{765B4F29-92FC-6F43-A0C0-4E221B3BF96C}" type="datetime1">
+            <a:fld id="{DE43EA4D-0979-4B43-85DF-7A9FF2690B8D}" type="datetime1">
               <a:rPr lang="en-US" smtClean="0"/>
-              <a:t>6/7/18</a:t>
+              <a:t>6/11/18</a:t>
             </a:fld>
             <a:endParaRPr lang="en-US"/>
           </a:p>
@@ -18498,10 +18437,9 @@
           <a:lstStyle/>
           <a:p>
             <a:r>
-              <a:rPr lang="sk-SK"/>
-              <a:t>© 2016 EV3Lessons.com, Last Edit 7/07/2016</a:t>
-            </a:r>
-            <a:endParaRPr lang="en-US"/>
+              <a:rPr lang="en-US"/>
+              <a:t>© 2016 EV3Lessons.com, Last Edit 6/11/2018</a:t>
+            </a:r>
           </a:p>
         </p:txBody>
       </p:sp>
@@ -18532,6 +18470,1328 @@
     <p:extLst>
       <p:ext uri="{BB962C8B-B14F-4D97-AF65-F5344CB8AC3E}">
         <p14:creationId xmlns:p14="http://schemas.microsoft.com/office/powerpoint/2010/main" val="1585214512"/>
+      </p:ext>
+    </p:extLst>
+  </p:cSld>
+  <p:clrMapOvr>
+    <a:masterClrMapping/>
+  </p:clrMapOvr>
+</p:sldLayout>
+</file>
+
+<file path=ppt/slideLayouts/slideLayout67.xml><?xml version="1.0" encoding="utf-8"?>
+<p:sldLayout xmlns:a="http://schemas.openxmlformats.org/drawingml/2006/main" xmlns:r="http://schemas.openxmlformats.org/officeDocument/2006/relationships" xmlns:p="http://schemas.openxmlformats.org/presentationml/2006/main" type="title" preserve="1">
+  <p:cSld name="Title Slide">
+    <p:spTree>
+      <p:nvGrpSpPr>
+        <p:cNvPr id="1" name=""/>
+        <p:cNvGrpSpPr/>
+        <p:nvPr/>
+      </p:nvGrpSpPr>
+      <p:grpSpPr>
+        <a:xfrm>
+          <a:off x="0" y="0"/>
+          <a:ext cx="0" cy="0"/>
+          <a:chOff x="0" y="0"/>
+          <a:chExt cx="0" cy="0"/>
+        </a:xfrm>
+      </p:grpSpPr>
+      <p:sp>
+        <p:nvSpPr>
+          <p:cNvPr id="7" name="Rectangle 6"/>
+          <p:cNvSpPr/>
+          <p:nvPr/>
+        </p:nvSpPr>
+        <p:spPr>
+          <a:xfrm>
+            <a:off x="448091" y="563880"/>
+            <a:ext cx="8240108" cy="5682175"/>
+          </a:xfrm>
+          <a:prstGeom prst="rect">
+            <a:avLst/>
+          </a:prstGeom>
+          <a:solidFill>
+            <a:schemeClr val="accent1"/>
+          </a:solidFill>
+          <a:ln>
+            <a:noFill/>
+          </a:ln>
+          <a:effectLst/>
+        </p:spPr>
+        <p:style>
+          <a:lnRef idx="1">
+            <a:schemeClr val="accent1"/>
+          </a:lnRef>
+          <a:fillRef idx="3">
+            <a:schemeClr val="accent1"/>
+          </a:fillRef>
+          <a:effectRef idx="2">
+            <a:schemeClr val="accent1"/>
+          </a:effectRef>
+          <a:fontRef idx="minor">
+            <a:schemeClr val="lt1"/>
+          </a:fontRef>
+        </p:style>
+      </p:sp>
+      <p:sp>
+        <p:nvSpPr>
+          <p:cNvPr id="2" name="Title 1"/>
+          <p:cNvSpPr>
+            <a:spLocks noGrp="1"/>
+          </p:cNvSpPr>
+          <p:nvPr>
+            <p:ph type="ctrTitle" hasCustomPrompt="1"/>
+          </p:nvPr>
+        </p:nvSpPr>
+        <p:spPr>
+          <a:xfrm>
+            <a:off x="581192" y="3936453"/>
+            <a:ext cx="7989752" cy="1033133"/>
+          </a:xfrm>
+          <a:ln>
+            <a:noFill/>
+          </a:ln>
+          <a:effectLst/>
+        </p:spPr>
+        <p:txBody>
+          <a:bodyPr anchor="b">
+            <a:normAutofit/>
+          </a:bodyPr>
+          <a:lstStyle>
+            <a:lvl1pPr algn="ctr">
+              <a:defRPr sz="3600">
+                <a:solidFill>
+                  <a:schemeClr val="bg1"/>
+                </a:solidFill>
+              </a:defRPr>
+            </a:lvl1pPr>
+          </a:lstStyle>
+          <a:p>
+            <a:r>
+              <a:rPr lang="en-US" dirty="0"/>
+              <a:t>title style</a:t>
+            </a:r>
+          </a:p>
+        </p:txBody>
+      </p:sp>
+      <p:sp>
+        <p:nvSpPr>
+          <p:cNvPr id="3" name="Subtitle 2"/>
+          <p:cNvSpPr>
+            <a:spLocks noGrp="1"/>
+          </p:cNvSpPr>
+          <p:nvPr>
+            <p:ph type="subTitle" idx="1"/>
+          </p:nvPr>
+        </p:nvSpPr>
+        <p:spPr>
+          <a:xfrm>
+            <a:off x="581192" y="5175772"/>
+            <a:ext cx="7989752" cy="590321"/>
+          </a:xfrm>
+          <a:ln>
+            <a:noFill/>
+          </a:ln>
+        </p:spPr>
+        <p:txBody>
+          <a:bodyPr anchor="t">
+            <a:normAutofit/>
+          </a:bodyPr>
+          <a:lstStyle>
+            <a:lvl1pPr marL="0" indent="0" algn="ctr">
+              <a:buNone/>
+              <a:defRPr sz="1600" cap="all">
+                <a:solidFill>
+                  <a:schemeClr val="bg1"/>
+                </a:solidFill>
+              </a:defRPr>
+            </a:lvl1pPr>
+            <a:lvl2pPr marL="457200" indent="0" algn="ctr">
+              <a:buNone/>
+              <a:defRPr>
+                <a:solidFill>
+                  <a:schemeClr val="tx1">
+                    <a:tint val="75000"/>
+                  </a:schemeClr>
+                </a:solidFill>
+              </a:defRPr>
+            </a:lvl2pPr>
+            <a:lvl3pPr marL="914400" indent="0" algn="ctr">
+              <a:buNone/>
+              <a:defRPr>
+                <a:solidFill>
+                  <a:schemeClr val="tx1">
+                    <a:tint val="75000"/>
+                  </a:schemeClr>
+                </a:solidFill>
+              </a:defRPr>
+            </a:lvl3pPr>
+            <a:lvl4pPr marL="1371600" indent="0" algn="ctr">
+              <a:buNone/>
+              <a:defRPr>
+                <a:solidFill>
+                  <a:schemeClr val="tx1">
+                    <a:tint val="75000"/>
+                  </a:schemeClr>
+                </a:solidFill>
+              </a:defRPr>
+            </a:lvl4pPr>
+            <a:lvl5pPr marL="1828800" indent="0" algn="ctr">
+              <a:buNone/>
+              <a:defRPr>
+                <a:solidFill>
+                  <a:schemeClr val="tx1">
+                    <a:tint val="75000"/>
+                  </a:schemeClr>
+                </a:solidFill>
+              </a:defRPr>
+            </a:lvl5pPr>
+            <a:lvl6pPr marL="2286000" indent="0" algn="ctr">
+              <a:buNone/>
+              <a:defRPr>
+                <a:solidFill>
+                  <a:schemeClr val="tx1">
+                    <a:tint val="75000"/>
+                  </a:schemeClr>
+                </a:solidFill>
+              </a:defRPr>
+            </a:lvl6pPr>
+            <a:lvl7pPr marL="2743200" indent="0" algn="ctr">
+              <a:buNone/>
+              <a:defRPr>
+                <a:solidFill>
+                  <a:schemeClr val="tx1">
+                    <a:tint val="75000"/>
+                  </a:schemeClr>
+                </a:solidFill>
+              </a:defRPr>
+            </a:lvl7pPr>
+            <a:lvl8pPr marL="3200400" indent="0" algn="ctr">
+              <a:buNone/>
+              <a:defRPr>
+                <a:solidFill>
+                  <a:schemeClr val="tx1">
+                    <a:tint val="75000"/>
+                  </a:schemeClr>
+                </a:solidFill>
+              </a:defRPr>
+            </a:lvl8pPr>
+            <a:lvl9pPr marL="3657600" indent="0" algn="ctr">
+              <a:buNone/>
+              <a:defRPr>
+                <a:solidFill>
+                  <a:schemeClr val="tx1">
+                    <a:tint val="75000"/>
+                  </a:schemeClr>
+                </a:solidFill>
+              </a:defRPr>
+            </a:lvl9pPr>
+          </a:lstStyle>
+          <a:p>
+            <a:r>
+              <a:rPr lang="en-US"/>
+              <a:t>Click to edit Master subtitle style</a:t>
+            </a:r>
+            <a:endParaRPr lang="en-US" dirty="0"/>
+          </a:p>
+        </p:txBody>
+      </p:sp>
+      <p:sp>
+        <p:nvSpPr>
+          <p:cNvPr id="4" name="Date Placeholder 3"/>
+          <p:cNvSpPr>
+            <a:spLocks noGrp="1"/>
+          </p:cNvSpPr>
+          <p:nvPr>
+            <p:ph type="dt" sz="half" idx="10"/>
+          </p:nvPr>
+        </p:nvSpPr>
+        <p:spPr>
+          <a:xfrm>
+            <a:off x="5559327" y="6392242"/>
+            <a:ext cx="2133600" cy="365125"/>
+          </a:xfrm>
+          <a:prstGeom prst="rect">
+            <a:avLst/>
+          </a:prstGeom>
+        </p:spPr>
+        <p:txBody>
+          <a:bodyPr/>
+          <a:lstStyle>
+            <a:lvl1pPr>
+              <a:defRPr>
+                <a:solidFill>
+                  <a:schemeClr val="accent1">
+                    <a:lumMod val="75000"/>
+                    <a:lumOff val="25000"/>
+                  </a:schemeClr>
+                </a:solidFill>
+              </a:defRPr>
+            </a:lvl1pPr>
+          </a:lstStyle>
+          <a:p>
+            <a:fld id="{DD380C0F-40CA-4550-A3A8-210AF33EBBDC}" type="datetime1">
+              <a:rPr lang="en-US" smtClean="0"/>
+              <a:t>6/11/18</a:t>
+            </a:fld>
+            <a:endParaRPr lang="en-US"/>
+          </a:p>
+        </p:txBody>
+      </p:sp>
+      <p:sp>
+        <p:nvSpPr>
+          <p:cNvPr id="5" name="Footer Placeholder 4"/>
+          <p:cNvSpPr>
+            <a:spLocks noGrp="1"/>
+          </p:cNvSpPr>
+          <p:nvPr>
+            <p:ph type="ftr" sz="quarter" idx="11"/>
+          </p:nvPr>
+        </p:nvSpPr>
+        <p:spPr>
+          <a:xfrm>
+            <a:off x="581192" y="6387916"/>
+            <a:ext cx="4870585" cy="365125"/>
+          </a:xfrm>
+          <a:prstGeom prst="rect">
+            <a:avLst/>
+          </a:prstGeom>
+        </p:spPr>
+        <p:txBody>
+          <a:bodyPr/>
+          <a:lstStyle>
+            <a:lvl1pPr>
+              <a:defRPr>
+                <a:solidFill>
+                  <a:schemeClr val="accent1">
+                    <a:lumMod val="75000"/>
+                    <a:lumOff val="25000"/>
+                  </a:schemeClr>
+                </a:solidFill>
+              </a:defRPr>
+            </a:lvl1pPr>
+          </a:lstStyle>
+          <a:p>
+            <a:r>
+              <a:rPr lang="en-US"/>
+              <a:t>© 2016 EV3Lessons.com, Last Edit 6/11/2018</a:t>
+            </a:r>
+          </a:p>
+        </p:txBody>
+      </p:sp>
+      <p:sp>
+        <p:nvSpPr>
+          <p:cNvPr id="6" name="Slide Number Placeholder 5"/>
+          <p:cNvSpPr>
+            <a:spLocks noGrp="1"/>
+          </p:cNvSpPr>
+          <p:nvPr>
+            <p:ph type="sldNum" sz="quarter" idx="12"/>
+          </p:nvPr>
+        </p:nvSpPr>
+        <p:spPr>
+          <a:xfrm>
+            <a:off x="7800476" y="6392242"/>
+            <a:ext cx="770468" cy="365125"/>
+          </a:xfrm>
+          <a:prstGeom prst="rect">
+            <a:avLst/>
+          </a:prstGeom>
+        </p:spPr>
+        <p:txBody>
+          <a:bodyPr/>
+          <a:lstStyle>
+            <a:lvl1pPr>
+              <a:defRPr>
+                <a:solidFill>
+                  <a:schemeClr val="accent1">
+                    <a:lumMod val="75000"/>
+                    <a:lumOff val="25000"/>
+                  </a:schemeClr>
+                </a:solidFill>
+              </a:defRPr>
+            </a:lvl1pPr>
+          </a:lstStyle>
+          <a:p>
+            <a:fld id="{4DBC7FC8-25FB-FC45-8177-2B991DA6778C}" type="slidenum">
+              <a:rPr lang="en-US" smtClean="0"/>
+              <a:t>‹#›</a:t>
+            </a:fld>
+            <a:endParaRPr lang="en-US"/>
+          </a:p>
+        </p:txBody>
+      </p:sp>
+      <p:pic>
+        <p:nvPicPr>
+          <p:cNvPr id="8" name="Picture 7">
+            <a:extLst>
+              <a:ext uri="{FF2B5EF4-FFF2-40B4-BE49-F238E27FC236}">
+                <a16:creationId xmlns:a16="http://schemas.microsoft.com/office/drawing/2014/main" id="{D4B45051-E032-1249-AC8B-C5EB1B15FB44}"/>
+              </a:ext>
+            </a:extLst>
+          </p:cNvPr>
+          <p:cNvPicPr>
+            <a:picLocks noChangeAspect="1"/>
+          </p:cNvPicPr>
+          <p:nvPr/>
+        </p:nvPicPr>
+        <p:blipFill rotWithShape="1">
+          <a:blip r:embed="rId2" cstate="print">
+            <a:extLst>
+              <a:ext uri="{28A0092B-C50C-407E-A947-70E740481C1C}">
+                <a14:useLocalDpi xmlns:a14="http://schemas.microsoft.com/office/drawing/2010/main"/>
+              </a:ext>
+            </a:extLst>
+          </a:blip>
+          <a:srcRect/>
+          <a:stretch/>
+        </p:blipFill>
+        <p:spPr>
+          <a:xfrm>
+            <a:off x="335280" y="563880"/>
+            <a:ext cx="8488680" cy="2915504"/>
+          </a:xfrm>
+          <a:prstGeom prst="rect">
+            <a:avLst/>
+          </a:prstGeom>
+        </p:spPr>
+      </p:pic>
+    </p:spTree>
+    <p:extLst>
+      <p:ext uri="{BB962C8B-B14F-4D97-AF65-F5344CB8AC3E}">
+        <p14:creationId xmlns:p14="http://schemas.microsoft.com/office/powerpoint/2010/main" val="267766144"/>
+      </p:ext>
+    </p:extLst>
+  </p:cSld>
+  <p:clrMapOvr>
+    <a:masterClrMapping/>
+  </p:clrMapOvr>
+</p:sldLayout>
+</file>
+
+<file path=ppt/slideLayouts/slideLayout68.xml><?xml version="1.0" encoding="utf-8"?>
+<p:sldLayout xmlns:a="http://schemas.openxmlformats.org/drawingml/2006/main" xmlns:r="http://schemas.openxmlformats.org/officeDocument/2006/relationships" xmlns:p="http://schemas.openxmlformats.org/presentationml/2006/main" type="obj" preserve="1">
+  <p:cSld name="Title and Content">
+    <p:spTree>
+      <p:nvGrpSpPr>
+        <p:cNvPr id="1" name=""/>
+        <p:cNvGrpSpPr/>
+        <p:nvPr/>
+      </p:nvGrpSpPr>
+      <p:grpSpPr>
+        <a:xfrm>
+          <a:off x="0" y="0"/>
+          <a:ext cx="0" cy="0"/>
+          <a:chOff x="0" y="0"/>
+          <a:chExt cx="0" cy="0"/>
+        </a:xfrm>
+      </p:grpSpPr>
+      <p:sp>
+        <p:nvSpPr>
+          <p:cNvPr id="7" name="Rectangle 6"/>
+          <p:cNvSpPr>
+            <a:spLocks noChangeAspect="1"/>
+          </p:cNvSpPr>
+          <p:nvPr/>
+        </p:nvSpPr>
+        <p:spPr>
+          <a:xfrm>
+            <a:off x="448092" y="599725"/>
+            <a:ext cx="8238707" cy="818109"/>
+          </a:xfrm>
+          <a:prstGeom prst="rect">
+            <a:avLst/>
+          </a:prstGeom>
+          <a:solidFill>
+            <a:schemeClr val="accent1"/>
+          </a:solidFill>
+          <a:ln>
+            <a:noFill/>
+          </a:ln>
+          <a:effectLst/>
+        </p:spPr>
+        <p:style>
+          <a:lnRef idx="1">
+            <a:schemeClr val="accent1"/>
+          </a:lnRef>
+          <a:fillRef idx="3">
+            <a:schemeClr val="accent1"/>
+          </a:fillRef>
+          <a:effectRef idx="2">
+            <a:schemeClr val="accent1"/>
+          </a:effectRef>
+          <a:fontRef idx="minor">
+            <a:schemeClr val="lt1"/>
+          </a:fontRef>
+        </p:style>
+      </p:sp>
+      <p:sp>
+        <p:nvSpPr>
+          <p:cNvPr id="2" name="Title 1"/>
+          <p:cNvSpPr>
+            <a:spLocks noGrp="1"/>
+          </p:cNvSpPr>
+          <p:nvPr>
+            <p:ph type="title"/>
+          </p:nvPr>
+        </p:nvSpPr>
+        <p:spPr>
+          <a:xfrm>
+            <a:off x="581192" y="687475"/>
+            <a:ext cx="7989752" cy="596796"/>
+          </a:xfrm>
+        </p:spPr>
+        <p:txBody>
+          <a:bodyPr/>
+          <a:lstStyle/>
+          <a:p>
+            <a:r>
+              <a:rPr lang="en-US"/>
+              <a:t>Click to edit Master title style</a:t>
+            </a:r>
+            <a:endParaRPr lang="en-US" dirty="0"/>
+          </a:p>
+        </p:txBody>
+      </p:sp>
+      <p:sp>
+        <p:nvSpPr>
+          <p:cNvPr id="3" name="Content Placeholder 2"/>
+          <p:cNvSpPr>
+            <a:spLocks noGrp="1"/>
+          </p:cNvSpPr>
+          <p:nvPr>
+            <p:ph idx="1"/>
+          </p:nvPr>
+        </p:nvSpPr>
+        <p:spPr>
+          <a:xfrm>
+            <a:off x="448091" y="1505583"/>
+            <a:ext cx="8238707" cy="4353215"/>
+          </a:xfrm>
+        </p:spPr>
+        <p:txBody>
+          <a:bodyPr anchor="t"/>
+          <a:lstStyle>
+            <a:lvl1pPr>
+              <a:defRPr sz="3600"/>
+            </a:lvl1pPr>
+            <a:lvl2pPr>
+              <a:defRPr sz="3200"/>
+            </a:lvl2pPr>
+            <a:lvl3pPr>
+              <a:defRPr sz="2800"/>
+            </a:lvl3pPr>
+            <a:lvl4pPr>
+              <a:defRPr sz="2400"/>
+            </a:lvl4pPr>
+            <a:lvl5pPr>
+              <a:defRPr sz="2400"/>
+            </a:lvl5pPr>
+          </a:lstStyle>
+          <a:p>
+            <a:pPr lvl="0"/>
+            <a:r>
+              <a:rPr lang="en-US"/>
+              <a:t>Edit Master text styles</a:t>
+            </a:r>
+          </a:p>
+          <a:p>
+            <a:pPr lvl="1"/>
+            <a:r>
+              <a:rPr lang="en-US"/>
+              <a:t>Second level</a:t>
+            </a:r>
+          </a:p>
+          <a:p>
+            <a:pPr lvl="2"/>
+            <a:r>
+              <a:rPr lang="en-US"/>
+              <a:t>Third level</a:t>
+            </a:r>
+          </a:p>
+          <a:p>
+            <a:pPr lvl="3"/>
+            <a:r>
+              <a:rPr lang="en-US"/>
+              <a:t>Fourth level</a:t>
+            </a:r>
+          </a:p>
+          <a:p>
+            <a:pPr lvl="4"/>
+            <a:r>
+              <a:rPr lang="en-US"/>
+              <a:t>Fifth level</a:t>
+            </a:r>
+            <a:endParaRPr lang="en-US" dirty="0"/>
+          </a:p>
+        </p:txBody>
+      </p:sp>
+      <p:sp>
+        <p:nvSpPr>
+          <p:cNvPr id="8" name="Date Placeholder 3">
+            <a:extLst>
+              <a:ext uri="{FF2B5EF4-FFF2-40B4-BE49-F238E27FC236}">
+                <a16:creationId xmlns:a16="http://schemas.microsoft.com/office/drawing/2014/main" id="{5E510904-FE82-B349-843E-834D82D5778E}"/>
+              </a:ext>
+            </a:extLst>
+          </p:cNvPr>
+          <p:cNvSpPr>
+            <a:spLocks noGrp="1"/>
+          </p:cNvSpPr>
+          <p:nvPr>
+            <p:ph type="dt" sz="half" idx="10"/>
+          </p:nvPr>
+        </p:nvSpPr>
+        <p:spPr>
+          <a:xfrm>
+            <a:off x="5559327" y="6392242"/>
+            <a:ext cx="2133600" cy="365125"/>
+          </a:xfrm>
+        </p:spPr>
+        <p:txBody>
+          <a:bodyPr/>
+          <a:lstStyle>
+            <a:lvl1pPr>
+              <a:defRPr>
+                <a:solidFill>
+                  <a:schemeClr val="accent1">
+                    <a:lumMod val="75000"/>
+                    <a:lumOff val="25000"/>
+                  </a:schemeClr>
+                </a:solidFill>
+              </a:defRPr>
+            </a:lvl1pPr>
+          </a:lstStyle>
+          <a:p>
+            <a:fld id="{BE00DF83-0B85-487C-A674-CCD028D5F86A}" type="datetime1">
+              <a:rPr lang="en-US" smtClean="0"/>
+              <a:t>6/11/18</a:t>
+            </a:fld>
+            <a:endParaRPr lang="en-US"/>
+          </a:p>
+        </p:txBody>
+      </p:sp>
+      <p:sp>
+        <p:nvSpPr>
+          <p:cNvPr id="9" name="Footer Placeholder 4">
+            <a:extLst>
+              <a:ext uri="{FF2B5EF4-FFF2-40B4-BE49-F238E27FC236}">
+                <a16:creationId xmlns:a16="http://schemas.microsoft.com/office/drawing/2014/main" id="{E48965D5-4E22-4D4C-B0D3-4AEC700831CA}"/>
+              </a:ext>
+            </a:extLst>
+          </p:cNvPr>
+          <p:cNvSpPr>
+            <a:spLocks noGrp="1"/>
+          </p:cNvSpPr>
+          <p:nvPr>
+            <p:ph type="ftr" sz="quarter" idx="11"/>
+          </p:nvPr>
+        </p:nvSpPr>
+        <p:spPr>
+          <a:xfrm>
+            <a:off x="581192" y="6387916"/>
+            <a:ext cx="4870585" cy="365125"/>
+          </a:xfrm>
+        </p:spPr>
+        <p:txBody>
+          <a:bodyPr/>
+          <a:lstStyle>
+            <a:lvl1pPr>
+              <a:defRPr>
+                <a:solidFill>
+                  <a:schemeClr val="accent1">
+                    <a:lumMod val="75000"/>
+                    <a:lumOff val="25000"/>
+                  </a:schemeClr>
+                </a:solidFill>
+              </a:defRPr>
+            </a:lvl1pPr>
+          </a:lstStyle>
+          <a:p>
+            <a:r>
+              <a:rPr lang="en-US"/>
+              <a:t>© 2016 EV3Lessons.com, Last Edit 6/11/2018</a:t>
+            </a:r>
+          </a:p>
+        </p:txBody>
+      </p:sp>
+      <p:sp>
+        <p:nvSpPr>
+          <p:cNvPr id="10" name="Slide Number Placeholder 5">
+            <a:extLst>
+              <a:ext uri="{FF2B5EF4-FFF2-40B4-BE49-F238E27FC236}">
+                <a16:creationId xmlns:a16="http://schemas.microsoft.com/office/drawing/2014/main" id="{65AB5AFF-5E76-4041-B3D5-669547C07AE0}"/>
+              </a:ext>
+            </a:extLst>
+          </p:cNvPr>
+          <p:cNvSpPr>
+            <a:spLocks noGrp="1"/>
+          </p:cNvSpPr>
+          <p:nvPr>
+            <p:ph type="sldNum" sz="quarter" idx="12"/>
+          </p:nvPr>
+        </p:nvSpPr>
+        <p:spPr>
+          <a:xfrm>
+            <a:off x="7800476" y="6392242"/>
+            <a:ext cx="770468" cy="365125"/>
+          </a:xfrm>
+        </p:spPr>
+        <p:txBody>
+          <a:bodyPr/>
+          <a:lstStyle>
+            <a:lvl1pPr>
+              <a:defRPr>
+                <a:solidFill>
+                  <a:schemeClr val="accent1">
+                    <a:lumMod val="75000"/>
+                    <a:lumOff val="25000"/>
+                  </a:schemeClr>
+                </a:solidFill>
+              </a:defRPr>
+            </a:lvl1pPr>
+          </a:lstStyle>
+          <a:p>
+            <a:fld id="{4DBC7FC8-25FB-FC45-8177-2B991DA6778C}" type="slidenum">
+              <a:rPr lang="en-US" smtClean="0"/>
+              <a:t>‹#›</a:t>
+            </a:fld>
+            <a:endParaRPr lang="en-US" dirty="0"/>
+          </a:p>
+        </p:txBody>
+      </p:sp>
+    </p:spTree>
+    <p:extLst>
+      <p:ext uri="{BB962C8B-B14F-4D97-AF65-F5344CB8AC3E}">
+        <p14:creationId xmlns:p14="http://schemas.microsoft.com/office/powerpoint/2010/main" val="3457769754"/>
+      </p:ext>
+    </p:extLst>
+  </p:cSld>
+  <p:clrMapOvr>
+    <a:masterClrMapping/>
+  </p:clrMapOvr>
+</p:sldLayout>
+</file>
+
+<file path=ppt/slideLayouts/slideLayout69.xml><?xml version="1.0" encoding="utf-8"?>
+<p:sldLayout xmlns:a="http://schemas.openxmlformats.org/drawingml/2006/main" xmlns:r="http://schemas.openxmlformats.org/officeDocument/2006/relationships" xmlns:p="http://schemas.openxmlformats.org/presentationml/2006/main" type="secHead" preserve="1">
+  <p:cSld name="Section Header">
+    <p:spTree>
+      <p:nvGrpSpPr>
+        <p:cNvPr id="1" name=""/>
+        <p:cNvGrpSpPr/>
+        <p:nvPr/>
+      </p:nvGrpSpPr>
+      <p:grpSpPr>
+        <a:xfrm>
+          <a:off x="0" y="0"/>
+          <a:ext cx="0" cy="0"/>
+          <a:chOff x="0" y="0"/>
+          <a:chExt cx="0" cy="0"/>
+        </a:xfrm>
+      </p:grpSpPr>
+      <p:sp>
+        <p:nvSpPr>
+          <p:cNvPr id="8" name="Rectangle 7"/>
+          <p:cNvSpPr>
+            <a:spLocks noChangeAspect="1"/>
+          </p:cNvSpPr>
+          <p:nvPr/>
+        </p:nvSpPr>
+        <p:spPr>
+          <a:xfrm>
+            <a:off x="452646" y="5141973"/>
+            <a:ext cx="8238707" cy="1258827"/>
+          </a:xfrm>
+          <a:prstGeom prst="rect">
+            <a:avLst/>
+          </a:prstGeom>
+          <a:solidFill>
+            <a:schemeClr val="accent1"/>
+          </a:solidFill>
+          <a:ln>
+            <a:noFill/>
+          </a:ln>
+          <a:effectLst/>
+        </p:spPr>
+        <p:style>
+          <a:lnRef idx="1">
+            <a:schemeClr val="accent1"/>
+          </a:lnRef>
+          <a:fillRef idx="3">
+            <a:schemeClr val="accent1"/>
+          </a:fillRef>
+          <a:effectRef idx="2">
+            <a:schemeClr val="accent1"/>
+          </a:effectRef>
+          <a:fontRef idx="minor">
+            <a:schemeClr val="lt1"/>
+          </a:fontRef>
+        </p:style>
+      </p:sp>
+      <p:sp>
+        <p:nvSpPr>
+          <p:cNvPr id="2" name="Title 1"/>
+          <p:cNvSpPr>
+            <a:spLocks noGrp="1"/>
+          </p:cNvSpPr>
+          <p:nvPr>
+            <p:ph type="title"/>
+          </p:nvPr>
+        </p:nvSpPr>
+        <p:spPr>
+          <a:xfrm>
+            <a:off x="581193" y="3036573"/>
+            <a:ext cx="7989751" cy="1504844"/>
+          </a:xfrm>
+        </p:spPr>
+        <p:txBody>
+          <a:bodyPr anchor="b">
+            <a:normAutofit/>
+          </a:bodyPr>
+          <a:lstStyle>
+            <a:lvl1pPr algn="l">
+              <a:defRPr sz="3600" b="0" cap="all">
+                <a:solidFill>
+                  <a:schemeClr val="accent1"/>
+                </a:solidFill>
+              </a:defRPr>
+            </a:lvl1pPr>
+          </a:lstStyle>
+          <a:p>
+            <a:r>
+              <a:rPr lang="en-US"/>
+              <a:t>Click to edit Master title style</a:t>
+            </a:r>
+            <a:endParaRPr lang="en-US" dirty="0"/>
+          </a:p>
+        </p:txBody>
+      </p:sp>
+      <p:sp>
+        <p:nvSpPr>
+          <p:cNvPr id="3" name="Text Placeholder 2"/>
+          <p:cNvSpPr>
+            <a:spLocks noGrp="1"/>
+          </p:cNvSpPr>
+          <p:nvPr>
+            <p:ph type="body" idx="1"/>
+          </p:nvPr>
+        </p:nvSpPr>
+        <p:spPr>
+          <a:xfrm>
+            <a:off x="581193" y="4541417"/>
+            <a:ext cx="7989751" cy="600556"/>
+          </a:xfrm>
+        </p:spPr>
+        <p:txBody>
+          <a:bodyPr anchor="t">
+            <a:normAutofit/>
+          </a:bodyPr>
+          <a:lstStyle>
+            <a:lvl1pPr marL="0" indent="0" algn="l">
+              <a:buNone/>
+              <a:defRPr sz="1800" cap="all">
+                <a:solidFill>
+                  <a:schemeClr val="accent2"/>
+                </a:solidFill>
+              </a:defRPr>
+            </a:lvl1pPr>
+            <a:lvl2pPr marL="457200" indent="0">
+              <a:buNone/>
+              <a:defRPr sz="1800">
+                <a:solidFill>
+                  <a:schemeClr val="tx1">
+                    <a:tint val="75000"/>
+                  </a:schemeClr>
+                </a:solidFill>
+              </a:defRPr>
+            </a:lvl2pPr>
+            <a:lvl3pPr marL="914400" indent="0">
+              <a:buNone/>
+              <a:defRPr sz="1600">
+                <a:solidFill>
+                  <a:schemeClr val="tx1">
+                    <a:tint val="75000"/>
+                  </a:schemeClr>
+                </a:solidFill>
+              </a:defRPr>
+            </a:lvl3pPr>
+            <a:lvl4pPr marL="1371600" indent="0">
+              <a:buNone/>
+              <a:defRPr sz="1400">
+                <a:solidFill>
+                  <a:schemeClr val="tx1">
+                    <a:tint val="75000"/>
+                  </a:schemeClr>
+                </a:solidFill>
+              </a:defRPr>
+            </a:lvl4pPr>
+            <a:lvl5pPr marL="1828800" indent="0">
+              <a:buNone/>
+              <a:defRPr sz="1400">
+                <a:solidFill>
+                  <a:schemeClr val="tx1">
+                    <a:tint val="75000"/>
+                  </a:schemeClr>
+                </a:solidFill>
+              </a:defRPr>
+            </a:lvl5pPr>
+            <a:lvl6pPr marL="2286000" indent="0">
+              <a:buNone/>
+              <a:defRPr sz="1400">
+                <a:solidFill>
+                  <a:schemeClr val="tx1">
+                    <a:tint val="75000"/>
+                  </a:schemeClr>
+                </a:solidFill>
+              </a:defRPr>
+            </a:lvl6pPr>
+            <a:lvl7pPr marL="2743200" indent="0">
+              <a:buNone/>
+              <a:defRPr sz="1400">
+                <a:solidFill>
+                  <a:schemeClr val="tx1">
+                    <a:tint val="75000"/>
+                  </a:schemeClr>
+                </a:solidFill>
+              </a:defRPr>
+            </a:lvl7pPr>
+            <a:lvl8pPr marL="3200400" indent="0">
+              <a:buNone/>
+              <a:defRPr sz="1400">
+                <a:solidFill>
+                  <a:schemeClr val="tx1">
+                    <a:tint val="75000"/>
+                  </a:schemeClr>
+                </a:solidFill>
+              </a:defRPr>
+            </a:lvl8pPr>
+            <a:lvl9pPr marL="3657600" indent="0">
+              <a:buNone/>
+              <a:defRPr sz="1400">
+                <a:solidFill>
+                  <a:schemeClr val="tx1">
+                    <a:tint val="75000"/>
+                  </a:schemeClr>
+                </a:solidFill>
+              </a:defRPr>
+            </a:lvl9pPr>
+          </a:lstStyle>
+          <a:p>
+            <a:pPr lvl="0"/>
+            <a:r>
+              <a:rPr lang="en-US"/>
+              <a:t>Edit Master text styles</a:t>
+            </a:r>
+          </a:p>
+        </p:txBody>
+      </p:sp>
+      <p:sp>
+        <p:nvSpPr>
+          <p:cNvPr id="9" name="Date Placeholder 3">
+            <a:extLst>
+              <a:ext uri="{FF2B5EF4-FFF2-40B4-BE49-F238E27FC236}">
+                <a16:creationId xmlns:a16="http://schemas.microsoft.com/office/drawing/2014/main" id="{52362C45-CC3C-1C41-89EF-9E39AB823873}"/>
+              </a:ext>
+            </a:extLst>
+          </p:cNvPr>
+          <p:cNvSpPr txBox="1">
+            <a:spLocks/>
+          </p:cNvSpPr>
+          <p:nvPr/>
+        </p:nvSpPr>
+        <p:spPr>
+          <a:xfrm>
+            <a:off x="5559327" y="6392242"/>
+            <a:ext cx="2133600" cy="365125"/>
+          </a:xfrm>
+          <a:prstGeom prst="rect">
+            <a:avLst/>
+          </a:prstGeom>
+        </p:spPr>
+        <p:txBody>
+          <a:bodyPr vert="horz" lIns="91440" tIns="45720" rIns="91440" bIns="45720" rtlCol="0" anchor="ctr"/>
+          <a:lstStyle>
+            <a:defPPr>
+              <a:defRPr lang="en-US"/>
+            </a:defPPr>
+            <a:lvl1pPr marL="0" algn="r" defTabSz="457200" rtl="0" eaLnBrk="1" latinLnBrk="0" hangingPunct="1">
+              <a:defRPr sz="900" kern="1200">
+                <a:solidFill>
+                  <a:schemeClr val="accent1">
+                    <a:lumMod val="75000"/>
+                    <a:lumOff val="25000"/>
+                  </a:schemeClr>
+                </a:solidFill>
+                <a:latin typeface="+mn-lt"/>
+                <a:ea typeface="+mn-ea"/>
+                <a:cs typeface="+mn-cs"/>
+              </a:defRPr>
+            </a:lvl1pPr>
+            <a:lvl2pPr marL="457200" algn="l" defTabSz="457200" rtl="0" eaLnBrk="1" latinLnBrk="0" hangingPunct="1">
+              <a:defRPr sz="1800" kern="1200">
+                <a:solidFill>
+                  <a:schemeClr val="tx1"/>
+                </a:solidFill>
+                <a:latin typeface="+mn-lt"/>
+                <a:ea typeface="+mn-ea"/>
+                <a:cs typeface="+mn-cs"/>
+              </a:defRPr>
+            </a:lvl2pPr>
+            <a:lvl3pPr marL="914400" algn="l" defTabSz="457200" rtl="0" eaLnBrk="1" latinLnBrk="0" hangingPunct="1">
+              <a:defRPr sz="1800" kern="1200">
+                <a:solidFill>
+                  <a:schemeClr val="tx1"/>
+                </a:solidFill>
+                <a:latin typeface="+mn-lt"/>
+                <a:ea typeface="+mn-ea"/>
+                <a:cs typeface="+mn-cs"/>
+              </a:defRPr>
+            </a:lvl3pPr>
+            <a:lvl4pPr marL="1371600" algn="l" defTabSz="457200" rtl="0" eaLnBrk="1" latinLnBrk="0" hangingPunct="1">
+              <a:defRPr sz="1800" kern="1200">
+                <a:solidFill>
+                  <a:schemeClr val="tx1"/>
+                </a:solidFill>
+                <a:latin typeface="+mn-lt"/>
+                <a:ea typeface="+mn-ea"/>
+                <a:cs typeface="+mn-cs"/>
+              </a:defRPr>
+            </a:lvl4pPr>
+            <a:lvl5pPr marL="1828800" algn="l" defTabSz="457200" rtl="0" eaLnBrk="1" latinLnBrk="0" hangingPunct="1">
+              <a:defRPr sz="1800" kern="1200">
+                <a:solidFill>
+                  <a:schemeClr val="tx1"/>
+                </a:solidFill>
+                <a:latin typeface="+mn-lt"/>
+                <a:ea typeface="+mn-ea"/>
+                <a:cs typeface="+mn-cs"/>
+              </a:defRPr>
+            </a:lvl5pPr>
+            <a:lvl6pPr marL="2286000" algn="l" defTabSz="457200" rtl="0" eaLnBrk="1" latinLnBrk="0" hangingPunct="1">
+              <a:defRPr sz="1800" kern="1200">
+                <a:solidFill>
+                  <a:schemeClr val="tx1"/>
+                </a:solidFill>
+                <a:latin typeface="+mn-lt"/>
+                <a:ea typeface="+mn-ea"/>
+                <a:cs typeface="+mn-cs"/>
+              </a:defRPr>
+            </a:lvl6pPr>
+            <a:lvl7pPr marL="2743200" algn="l" defTabSz="457200" rtl="0" eaLnBrk="1" latinLnBrk="0" hangingPunct="1">
+              <a:defRPr sz="1800" kern="1200">
+                <a:solidFill>
+                  <a:schemeClr val="tx1"/>
+                </a:solidFill>
+                <a:latin typeface="+mn-lt"/>
+                <a:ea typeface="+mn-ea"/>
+                <a:cs typeface="+mn-cs"/>
+              </a:defRPr>
+            </a:lvl7pPr>
+            <a:lvl8pPr marL="3200400" algn="l" defTabSz="457200" rtl="0" eaLnBrk="1" latinLnBrk="0" hangingPunct="1">
+              <a:defRPr sz="1800" kern="1200">
+                <a:solidFill>
+                  <a:schemeClr val="tx1"/>
+                </a:solidFill>
+                <a:latin typeface="+mn-lt"/>
+                <a:ea typeface="+mn-ea"/>
+                <a:cs typeface="+mn-cs"/>
+              </a:defRPr>
+            </a:lvl8pPr>
+            <a:lvl9pPr marL="3657600" algn="l" defTabSz="457200" rtl="0" eaLnBrk="1" latinLnBrk="0" hangingPunct="1">
+              <a:defRPr sz="1800" kern="1200">
+                <a:solidFill>
+                  <a:schemeClr val="tx1"/>
+                </a:solidFill>
+                <a:latin typeface="+mn-lt"/>
+                <a:ea typeface="+mn-ea"/>
+                <a:cs typeface="+mn-cs"/>
+              </a:defRPr>
+            </a:lvl9pPr>
+          </a:lstStyle>
+          <a:p>
+            <a:r>
+              <a:rPr lang="en-US"/>
+              <a:t>Last Edit: </a:t>
+            </a:r>
+            <a:fld id="{B61BEF0D-F0BB-DE4B-95CE-6DB70DBA9567}" type="datetimeFigureOut">
+              <a:rPr lang="en-US" smtClean="0"/>
+              <a:pPr/>
+              <a:t>6/11/18</a:t>
+            </a:fld>
+            <a:endParaRPr lang="en-US" dirty="0"/>
+          </a:p>
+        </p:txBody>
+      </p:sp>
+      <p:sp>
+        <p:nvSpPr>
+          <p:cNvPr id="10" name="Footer Placeholder 4">
+            <a:extLst>
+              <a:ext uri="{FF2B5EF4-FFF2-40B4-BE49-F238E27FC236}">
+                <a16:creationId xmlns:a16="http://schemas.microsoft.com/office/drawing/2014/main" id="{99E8FBED-B055-2A4A-8E32-9CB6B48C25B3}"/>
+              </a:ext>
+            </a:extLst>
+          </p:cNvPr>
+          <p:cNvSpPr txBox="1">
+            <a:spLocks/>
+          </p:cNvSpPr>
+          <p:nvPr/>
+        </p:nvSpPr>
+        <p:spPr>
+          <a:xfrm>
+            <a:off x="581192" y="6387916"/>
+            <a:ext cx="4870585" cy="365125"/>
+          </a:xfrm>
+          <a:prstGeom prst="rect">
+            <a:avLst/>
+          </a:prstGeom>
+        </p:spPr>
+        <p:txBody>
+          <a:bodyPr vert="horz" lIns="91440" tIns="45720" rIns="91440" bIns="45720" rtlCol="0" anchor="ctr"/>
+          <a:lstStyle>
+            <a:defPPr>
+              <a:defRPr lang="en-US"/>
+            </a:defPPr>
+            <a:lvl1pPr marL="0" algn="l" defTabSz="457200" rtl="0" eaLnBrk="1" latinLnBrk="0" hangingPunct="1">
+              <a:defRPr sz="900" kern="1200" cap="all">
+                <a:solidFill>
+                  <a:schemeClr val="accent1">
+                    <a:lumMod val="75000"/>
+                    <a:lumOff val="25000"/>
+                  </a:schemeClr>
+                </a:solidFill>
+                <a:latin typeface="+mn-lt"/>
+                <a:ea typeface="+mn-ea"/>
+                <a:cs typeface="+mn-cs"/>
+              </a:defRPr>
+            </a:lvl1pPr>
+            <a:lvl2pPr marL="457200" algn="l" defTabSz="457200" rtl="0" eaLnBrk="1" latinLnBrk="0" hangingPunct="1">
+              <a:defRPr sz="1800" kern="1200">
+                <a:solidFill>
+                  <a:schemeClr val="tx1"/>
+                </a:solidFill>
+                <a:latin typeface="+mn-lt"/>
+                <a:ea typeface="+mn-ea"/>
+                <a:cs typeface="+mn-cs"/>
+              </a:defRPr>
+            </a:lvl2pPr>
+            <a:lvl3pPr marL="914400" algn="l" defTabSz="457200" rtl="0" eaLnBrk="1" latinLnBrk="0" hangingPunct="1">
+              <a:defRPr sz="1800" kern="1200">
+                <a:solidFill>
+                  <a:schemeClr val="tx1"/>
+                </a:solidFill>
+                <a:latin typeface="+mn-lt"/>
+                <a:ea typeface="+mn-ea"/>
+                <a:cs typeface="+mn-cs"/>
+              </a:defRPr>
+            </a:lvl3pPr>
+            <a:lvl4pPr marL="1371600" algn="l" defTabSz="457200" rtl="0" eaLnBrk="1" latinLnBrk="0" hangingPunct="1">
+              <a:defRPr sz="1800" kern="1200">
+                <a:solidFill>
+                  <a:schemeClr val="tx1"/>
+                </a:solidFill>
+                <a:latin typeface="+mn-lt"/>
+                <a:ea typeface="+mn-ea"/>
+                <a:cs typeface="+mn-cs"/>
+              </a:defRPr>
+            </a:lvl4pPr>
+            <a:lvl5pPr marL="1828800" algn="l" defTabSz="457200" rtl="0" eaLnBrk="1" latinLnBrk="0" hangingPunct="1">
+              <a:defRPr sz="1800" kern="1200">
+                <a:solidFill>
+                  <a:schemeClr val="tx1"/>
+                </a:solidFill>
+                <a:latin typeface="+mn-lt"/>
+                <a:ea typeface="+mn-ea"/>
+                <a:cs typeface="+mn-cs"/>
+              </a:defRPr>
+            </a:lvl5pPr>
+            <a:lvl6pPr marL="2286000" algn="l" defTabSz="457200" rtl="0" eaLnBrk="1" latinLnBrk="0" hangingPunct="1">
+              <a:defRPr sz="1800" kern="1200">
+                <a:solidFill>
+                  <a:schemeClr val="tx1"/>
+                </a:solidFill>
+                <a:latin typeface="+mn-lt"/>
+                <a:ea typeface="+mn-ea"/>
+                <a:cs typeface="+mn-cs"/>
+              </a:defRPr>
+            </a:lvl6pPr>
+            <a:lvl7pPr marL="2743200" algn="l" defTabSz="457200" rtl="0" eaLnBrk="1" latinLnBrk="0" hangingPunct="1">
+              <a:defRPr sz="1800" kern="1200">
+                <a:solidFill>
+                  <a:schemeClr val="tx1"/>
+                </a:solidFill>
+                <a:latin typeface="+mn-lt"/>
+                <a:ea typeface="+mn-ea"/>
+                <a:cs typeface="+mn-cs"/>
+              </a:defRPr>
+            </a:lvl7pPr>
+            <a:lvl8pPr marL="3200400" algn="l" defTabSz="457200" rtl="0" eaLnBrk="1" latinLnBrk="0" hangingPunct="1">
+              <a:defRPr sz="1800" kern="1200">
+                <a:solidFill>
+                  <a:schemeClr val="tx1"/>
+                </a:solidFill>
+                <a:latin typeface="+mn-lt"/>
+                <a:ea typeface="+mn-ea"/>
+                <a:cs typeface="+mn-cs"/>
+              </a:defRPr>
+            </a:lvl8pPr>
+            <a:lvl9pPr marL="3657600" algn="l" defTabSz="457200" rtl="0" eaLnBrk="1" latinLnBrk="0" hangingPunct="1">
+              <a:defRPr sz="1800" kern="1200">
+                <a:solidFill>
+                  <a:schemeClr val="tx1"/>
+                </a:solidFill>
+                <a:latin typeface="+mn-lt"/>
+                <a:ea typeface="+mn-ea"/>
+                <a:cs typeface="+mn-cs"/>
+              </a:defRPr>
+            </a:lvl9pPr>
+          </a:lstStyle>
+          <a:p>
+            <a:r>
+              <a:rPr lang="en-US"/>
+              <a:t>Copyright 2018, FLL TUTORIALS</a:t>
+            </a:r>
+            <a:endParaRPr lang="en-US" dirty="0"/>
+          </a:p>
+        </p:txBody>
+      </p:sp>
+      <p:sp>
+        <p:nvSpPr>
+          <p:cNvPr id="11" name="Slide Number Placeholder 5">
+            <a:extLst>
+              <a:ext uri="{FF2B5EF4-FFF2-40B4-BE49-F238E27FC236}">
+                <a16:creationId xmlns:a16="http://schemas.microsoft.com/office/drawing/2014/main" id="{AA884034-3EBB-704E-AFCD-9611BBBEBA37}"/>
+              </a:ext>
+            </a:extLst>
+          </p:cNvPr>
+          <p:cNvSpPr txBox="1">
+            <a:spLocks/>
+          </p:cNvSpPr>
+          <p:nvPr/>
+        </p:nvSpPr>
+        <p:spPr>
+          <a:xfrm>
+            <a:off x="7800476" y="6392242"/>
+            <a:ext cx="770468" cy="365125"/>
+          </a:xfrm>
+          <a:prstGeom prst="rect">
+            <a:avLst/>
+          </a:prstGeom>
+        </p:spPr>
+        <p:txBody>
+          <a:bodyPr vert="horz" lIns="91440" tIns="45720" rIns="91440" bIns="45720" rtlCol="0" anchor="ctr"/>
+          <a:lstStyle>
+            <a:defPPr>
+              <a:defRPr lang="en-US"/>
+            </a:defPPr>
+            <a:lvl1pPr marL="0" algn="r" defTabSz="457200" rtl="0" eaLnBrk="1" latinLnBrk="0" hangingPunct="1">
+              <a:defRPr sz="900" kern="1200">
+                <a:solidFill>
+                  <a:schemeClr val="accent1">
+                    <a:lumMod val="75000"/>
+                    <a:lumOff val="25000"/>
+                  </a:schemeClr>
+                </a:solidFill>
+                <a:latin typeface="+mn-lt"/>
+                <a:ea typeface="+mn-ea"/>
+                <a:cs typeface="+mn-cs"/>
+              </a:defRPr>
+            </a:lvl1pPr>
+            <a:lvl2pPr marL="457200" algn="l" defTabSz="457200" rtl="0" eaLnBrk="1" latinLnBrk="0" hangingPunct="1">
+              <a:defRPr sz="1800" kern="1200">
+                <a:solidFill>
+                  <a:schemeClr val="tx1"/>
+                </a:solidFill>
+                <a:latin typeface="+mn-lt"/>
+                <a:ea typeface="+mn-ea"/>
+                <a:cs typeface="+mn-cs"/>
+              </a:defRPr>
+            </a:lvl2pPr>
+            <a:lvl3pPr marL="914400" algn="l" defTabSz="457200" rtl="0" eaLnBrk="1" latinLnBrk="0" hangingPunct="1">
+              <a:defRPr sz="1800" kern="1200">
+                <a:solidFill>
+                  <a:schemeClr val="tx1"/>
+                </a:solidFill>
+                <a:latin typeface="+mn-lt"/>
+                <a:ea typeface="+mn-ea"/>
+                <a:cs typeface="+mn-cs"/>
+              </a:defRPr>
+            </a:lvl3pPr>
+            <a:lvl4pPr marL="1371600" algn="l" defTabSz="457200" rtl="0" eaLnBrk="1" latinLnBrk="0" hangingPunct="1">
+              <a:defRPr sz="1800" kern="1200">
+                <a:solidFill>
+                  <a:schemeClr val="tx1"/>
+                </a:solidFill>
+                <a:latin typeface="+mn-lt"/>
+                <a:ea typeface="+mn-ea"/>
+                <a:cs typeface="+mn-cs"/>
+              </a:defRPr>
+            </a:lvl4pPr>
+            <a:lvl5pPr marL="1828800" algn="l" defTabSz="457200" rtl="0" eaLnBrk="1" latinLnBrk="0" hangingPunct="1">
+              <a:defRPr sz="1800" kern="1200">
+                <a:solidFill>
+                  <a:schemeClr val="tx1"/>
+                </a:solidFill>
+                <a:latin typeface="+mn-lt"/>
+                <a:ea typeface="+mn-ea"/>
+                <a:cs typeface="+mn-cs"/>
+              </a:defRPr>
+            </a:lvl5pPr>
+            <a:lvl6pPr marL="2286000" algn="l" defTabSz="457200" rtl="0" eaLnBrk="1" latinLnBrk="0" hangingPunct="1">
+              <a:defRPr sz="1800" kern="1200">
+                <a:solidFill>
+                  <a:schemeClr val="tx1"/>
+                </a:solidFill>
+                <a:latin typeface="+mn-lt"/>
+                <a:ea typeface="+mn-ea"/>
+                <a:cs typeface="+mn-cs"/>
+              </a:defRPr>
+            </a:lvl6pPr>
+            <a:lvl7pPr marL="2743200" algn="l" defTabSz="457200" rtl="0" eaLnBrk="1" latinLnBrk="0" hangingPunct="1">
+              <a:defRPr sz="1800" kern="1200">
+                <a:solidFill>
+                  <a:schemeClr val="tx1"/>
+                </a:solidFill>
+                <a:latin typeface="+mn-lt"/>
+                <a:ea typeface="+mn-ea"/>
+                <a:cs typeface="+mn-cs"/>
+              </a:defRPr>
+            </a:lvl7pPr>
+            <a:lvl8pPr marL="3200400" algn="l" defTabSz="457200" rtl="0" eaLnBrk="1" latinLnBrk="0" hangingPunct="1">
+              <a:defRPr sz="1800" kern="1200">
+                <a:solidFill>
+                  <a:schemeClr val="tx1"/>
+                </a:solidFill>
+                <a:latin typeface="+mn-lt"/>
+                <a:ea typeface="+mn-ea"/>
+                <a:cs typeface="+mn-cs"/>
+              </a:defRPr>
+            </a:lvl8pPr>
+            <a:lvl9pPr marL="3657600" algn="l" defTabSz="457200" rtl="0" eaLnBrk="1" latinLnBrk="0" hangingPunct="1">
+              <a:defRPr sz="1800" kern="1200">
+                <a:solidFill>
+                  <a:schemeClr val="tx1"/>
+                </a:solidFill>
+                <a:latin typeface="+mn-lt"/>
+                <a:ea typeface="+mn-ea"/>
+                <a:cs typeface="+mn-cs"/>
+              </a:defRPr>
+            </a:lvl9pPr>
+          </a:lstStyle>
+          <a:p>
+            <a:fld id="{D57F1E4F-1CFF-5643-939E-217C01CDF565}" type="slidenum">
+              <a:rPr lang="en-US" smtClean="0"/>
+              <a:pPr/>
+              <a:t>‹#›</a:t>
+            </a:fld>
+            <a:endParaRPr lang="en-US" dirty="0"/>
+          </a:p>
+        </p:txBody>
+      </p:sp>
+    </p:spTree>
+    <p:extLst>
+      <p:ext uri="{BB962C8B-B14F-4D97-AF65-F5344CB8AC3E}">
+        <p14:creationId xmlns:p14="http://schemas.microsoft.com/office/powerpoint/2010/main" val="3482084025"/>
       </p:ext>
     </p:extLst>
   </p:cSld>
@@ -18573,9 +19833,9 @@
           <a:bodyPr/>
           <a:lstStyle/>
           <a:p>
-            <a:fld id="{CE2E378B-6472-3C4F-A3E4-8DEF66D299DF}" type="datetime1">
+            <a:fld id="{7F490623-787E-45E5-B4A4-BA2147750D4B}" type="datetime1">
               <a:rPr lang="en-US" smtClean="0"/>
-              <a:t>6/7/18</a:t>
+              <a:t>6/11/18</a:t>
             </a:fld>
             <a:endParaRPr lang="en-US"/>
           </a:p>
@@ -18597,10 +19857,9 @@
           <a:lstStyle/>
           <a:p>
             <a:r>
-              <a:rPr lang="sk-SK"/>
-              <a:t>© 2016 EV3Lessons.com, Last Edit 7/07/2016</a:t>
-            </a:r>
-            <a:endParaRPr lang="en-US"/>
+              <a:rPr lang="en-US"/>
+              <a:t>© 2016 EV3Lessons.com, Last Edit 6/11/2018</a:t>
+            </a:r>
           </a:p>
         </p:txBody>
       </p:sp>
@@ -18631,6 +19890,2303 @@
     <p:extLst>
       <p:ext uri="{BB962C8B-B14F-4D97-AF65-F5344CB8AC3E}">
         <p14:creationId xmlns:p14="http://schemas.microsoft.com/office/powerpoint/2010/main" val="74027603"/>
+      </p:ext>
+    </p:extLst>
+  </p:cSld>
+  <p:clrMapOvr>
+    <a:masterClrMapping/>
+  </p:clrMapOvr>
+</p:sldLayout>
+</file>
+
+<file path=ppt/slideLayouts/slideLayout70.xml><?xml version="1.0" encoding="utf-8"?>
+<p:sldLayout xmlns:a="http://schemas.openxmlformats.org/drawingml/2006/main" xmlns:r="http://schemas.openxmlformats.org/officeDocument/2006/relationships" xmlns:p="http://schemas.openxmlformats.org/presentationml/2006/main" type="twoObj" preserve="1">
+  <p:cSld name="Two Content">
+    <p:spTree>
+      <p:nvGrpSpPr>
+        <p:cNvPr id="1" name=""/>
+        <p:cNvGrpSpPr/>
+        <p:nvPr/>
+      </p:nvGrpSpPr>
+      <p:grpSpPr>
+        <a:xfrm>
+          <a:off x="0" y="0"/>
+          <a:ext cx="0" cy="0"/>
+          <a:chOff x="0" y="0"/>
+          <a:chExt cx="0" cy="0"/>
+        </a:xfrm>
+      </p:grpSpPr>
+      <p:sp>
+        <p:nvSpPr>
+          <p:cNvPr id="8" name="Rectangle 7"/>
+          <p:cNvSpPr>
+            <a:spLocks noChangeAspect="1"/>
+          </p:cNvSpPr>
+          <p:nvPr/>
+        </p:nvSpPr>
+        <p:spPr>
+          <a:xfrm>
+            <a:off x="448092" y="599725"/>
+            <a:ext cx="8238707" cy="1258827"/>
+          </a:xfrm>
+          <a:prstGeom prst="rect">
+            <a:avLst/>
+          </a:prstGeom>
+          <a:solidFill>
+            <a:schemeClr val="accent1"/>
+          </a:solidFill>
+          <a:ln>
+            <a:noFill/>
+          </a:ln>
+          <a:effectLst/>
+        </p:spPr>
+        <p:style>
+          <a:lnRef idx="1">
+            <a:schemeClr val="accent1"/>
+          </a:lnRef>
+          <a:fillRef idx="3">
+            <a:schemeClr val="accent1"/>
+          </a:fillRef>
+          <a:effectRef idx="2">
+            <a:schemeClr val="accent1"/>
+          </a:effectRef>
+          <a:fontRef idx="minor">
+            <a:schemeClr val="lt1"/>
+          </a:fontRef>
+        </p:style>
+      </p:sp>
+      <p:sp>
+        <p:nvSpPr>
+          <p:cNvPr id="2" name="Title 1"/>
+          <p:cNvSpPr>
+            <a:spLocks noGrp="1"/>
+          </p:cNvSpPr>
+          <p:nvPr>
+            <p:ph type="title"/>
+          </p:nvPr>
+        </p:nvSpPr>
+        <p:spPr/>
+        <p:txBody>
+          <a:bodyPr/>
+          <a:lstStyle/>
+          <a:p>
+            <a:r>
+              <a:rPr lang="en-US"/>
+              <a:t>Click to edit Master title style</a:t>
+            </a:r>
+            <a:endParaRPr lang="en-US" dirty="0"/>
+          </a:p>
+        </p:txBody>
+      </p:sp>
+      <p:sp>
+        <p:nvSpPr>
+          <p:cNvPr id="3" name="Content Placeholder 2"/>
+          <p:cNvSpPr>
+            <a:spLocks noGrp="1"/>
+          </p:cNvSpPr>
+          <p:nvPr>
+            <p:ph sz="half" idx="1"/>
+          </p:nvPr>
+        </p:nvSpPr>
+        <p:spPr>
+          <a:xfrm>
+            <a:off x="581192" y="2228002"/>
+            <a:ext cx="3899527" cy="3633047"/>
+          </a:xfrm>
+        </p:spPr>
+        <p:txBody>
+          <a:bodyPr>
+            <a:normAutofit/>
+          </a:bodyPr>
+          <a:lstStyle/>
+          <a:p>
+            <a:pPr lvl="0"/>
+            <a:r>
+              <a:rPr lang="en-US"/>
+              <a:t>Edit Master text styles</a:t>
+            </a:r>
+          </a:p>
+          <a:p>
+            <a:pPr lvl="1"/>
+            <a:r>
+              <a:rPr lang="en-US"/>
+              <a:t>Second level</a:t>
+            </a:r>
+          </a:p>
+          <a:p>
+            <a:pPr lvl="2"/>
+            <a:r>
+              <a:rPr lang="en-US"/>
+              <a:t>Third level</a:t>
+            </a:r>
+          </a:p>
+          <a:p>
+            <a:pPr lvl="3"/>
+            <a:r>
+              <a:rPr lang="en-US"/>
+              <a:t>Fourth level</a:t>
+            </a:r>
+          </a:p>
+          <a:p>
+            <a:pPr lvl="4"/>
+            <a:r>
+              <a:rPr lang="en-US"/>
+              <a:t>Fifth level</a:t>
+            </a:r>
+            <a:endParaRPr lang="en-US" dirty="0"/>
+          </a:p>
+        </p:txBody>
+      </p:sp>
+      <p:sp>
+        <p:nvSpPr>
+          <p:cNvPr id="4" name="Content Placeholder 3"/>
+          <p:cNvSpPr>
+            <a:spLocks noGrp="1"/>
+          </p:cNvSpPr>
+          <p:nvPr>
+            <p:ph sz="half" idx="2"/>
+          </p:nvPr>
+        </p:nvSpPr>
+        <p:spPr>
+          <a:xfrm>
+            <a:off x="4663282" y="2228003"/>
+            <a:ext cx="3907662" cy="3633047"/>
+          </a:xfrm>
+        </p:spPr>
+        <p:txBody>
+          <a:bodyPr>
+            <a:normAutofit/>
+          </a:bodyPr>
+          <a:lstStyle/>
+          <a:p>
+            <a:pPr lvl="0"/>
+            <a:r>
+              <a:rPr lang="en-US"/>
+              <a:t>Edit Master text styles</a:t>
+            </a:r>
+          </a:p>
+          <a:p>
+            <a:pPr lvl="1"/>
+            <a:r>
+              <a:rPr lang="en-US"/>
+              <a:t>Second level</a:t>
+            </a:r>
+          </a:p>
+          <a:p>
+            <a:pPr lvl="2"/>
+            <a:r>
+              <a:rPr lang="en-US"/>
+              <a:t>Third level</a:t>
+            </a:r>
+          </a:p>
+          <a:p>
+            <a:pPr lvl="3"/>
+            <a:r>
+              <a:rPr lang="en-US"/>
+              <a:t>Fourth level</a:t>
+            </a:r>
+          </a:p>
+          <a:p>
+            <a:pPr lvl="4"/>
+            <a:r>
+              <a:rPr lang="en-US"/>
+              <a:t>Fifth level</a:t>
+            </a:r>
+            <a:endParaRPr lang="en-US" dirty="0"/>
+          </a:p>
+        </p:txBody>
+      </p:sp>
+      <p:sp>
+        <p:nvSpPr>
+          <p:cNvPr id="5" name="Date Placeholder 4"/>
+          <p:cNvSpPr>
+            <a:spLocks noGrp="1"/>
+          </p:cNvSpPr>
+          <p:nvPr>
+            <p:ph type="dt" sz="half" idx="10"/>
+          </p:nvPr>
+        </p:nvSpPr>
+        <p:spPr>
+          <a:xfrm>
+            <a:off x="5559327" y="5956136"/>
+            <a:ext cx="2133600" cy="365125"/>
+          </a:xfrm>
+          <a:prstGeom prst="rect">
+            <a:avLst/>
+          </a:prstGeom>
+        </p:spPr>
+        <p:txBody>
+          <a:bodyPr/>
+          <a:lstStyle/>
+          <a:p>
+            <a:fld id="{2B0D78B1-39D6-49B7-9220-CC8B45FED794}" type="datetime1">
+              <a:rPr lang="en-US" smtClean="0"/>
+              <a:t>6/11/18</a:t>
+            </a:fld>
+            <a:endParaRPr lang="en-US"/>
+          </a:p>
+        </p:txBody>
+      </p:sp>
+      <p:sp>
+        <p:nvSpPr>
+          <p:cNvPr id="6" name="Footer Placeholder 5"/>
+          <p:cNvSpPr>
+            <a:spLocks noGrp="1"/>
+          </p:cNvSpPr>
+          <p:nvPr>
+            <p:ph type="ftr" sz="quarter" idx="11"/>
+          </p:nvPr>
+        </p:nvSpPr>
+        <p:spPr>
+          <a:xfrm>
+            <a:off x="581192" y="5951810"/>
+            <a:ext cx="4870585" cy="365125"/>
+          </a:xfrm>
+          <a:prstGeom prst="rect">
+            <a:avLst/>
+          </a:prstGeom>
+        </p:spPr>
+        <p:txBody>
+          <a:bodyPr/>
+          <a:lstStyle/>
+          <a:p>
+            <a:r>
+              <a:rPr lang="en-US"/>
+              <a:t>© 2016 EV3Lessons.com, Last Edit 6/11/2018</a:t>
+            </a:r>
+          </a:p>
+        </p:txBody>
+      </p:sp>
+      <p:sp>
+        <p:nvSpPr>
+          <p:cNvPr id="7" name="Slide Number Placeholder 6"/>
+          <p:cNvSpPr>
+            <a:spLocks noGrp="1"/>
+          </p:cNvSpPr>
+          <p:nvPr>
+            <p:ph type="sldNum" sz="quarter" idx="12"/>
+          </p:nvPr>
+        </p:nvSpPr>
+        <p:spPr>
+          <a:xfrm>
+            <a:off x="7800476" y="5956136"/>
+            <a:ext cx="770468" cy="365125"/>
+          </a:xfrm>
+          <a:prstGeom prst="rect">
+            <a:avLst/>
+          </a:prstGeom>
+        </p:spPr>
+        <p:txBody>
+          <a:bodyPr/>
+          <a:lstStyle/>
+          <a:p>
+            <a:fld id="{4DBC7FC8-25FB-FC45-8177-2B991DA6778C}" type="slidenum">
+              <a:rPr lang="en-US" smtClean="0"/>
+              <a:t>‹#›</a:t>
+            </a:fld>
+            <a:endParaRPr lang="en-US"/>
+          </a:p>
+        </p:txBody>
+      </p:sp>
+    </p:spTree>
+    <p:extLst>
+      <p:ext uri="{BB962C8B-B14F-4D97-AF65-F5344CB8AC3E}">
+        <p14:creationId xmlns:p14="http://schemas.microsoft.com/office/powerpoint/2010/main" val="4229697476"/>
+      </p:ext>
+    </p:extLst>
+  </p:cSld>
+  <p:clrMapOvr>
+    <a:masterClrMapping/>
+  </p:clrMapOvr>
+</p:sldLayout>
+</file>
+
+<file path=ppt/slideLayouts/slideLayout71.xml><?xml version="1.0" encoding="utf-8"?>
+<p:sldLayout xmlns:a="http://schemas.openxmlformats.org/drawingml/2006/main" xmlns:r="http://schemas.openxmlformats.org/officeDocument/2006/relationships" xmlns:p="http://schemas.openxmlformats.org/presentationml/2006/main" type="twoTxTwoObj" preserve="1">
+  <p:cSld name="Comparison">
+    <p:spTree>
+      <p:nvGrpSpPr>
+        <p:cNvPr id="1" name=""/>
+        <p:cNvGrpSpPr/>
+        <p:nvPr/>
+      </p:nvGrpSpPr>
+      <p:grpSpPr>
+        <a:xfrm>
+          <a:off x="0" y="0"/>
+          <a:ext cx="0" cy="0"/>
+          <a:chOff x="0" y="0"/>
+          <a:chExt cx="0" cy="0"/>
+        </a:xfrm>
+      </p:grpSpPr>
+      <p:sp>
+        <p:nvSpPr>
+          <p:cNvPr id="10" name="Rectangle 9"/>
+          <p:cNvSpPr>
+            <a:spLocks noChangeAspect="1"/>
+          </p:cNvSpPr>
+          <p:nvPr/>
+        </p:nvSpPr>
+        <p:spPr>
+          <a:xfrm>
+            <a:off x="448092" y="599725"/>
+            <a:ext cx="8238707" cy="1258827"/>
+          </a:xfrm>
+          <a:prstGeom prst="rect">
+            <a:avLst/>
+          </a:prstGeom>
+          <a:solidFill>
+            <a:schemeClr val="accent1"/>
+          </a:solidFill>
+          <a:ln>
+            <a:noFill/>
+          </a:ln>
+          <a:effectLst/>
+        </p:spPr>
+        <p:style>
+          <a:lnRef idx="1">
+            <a:schemeClr val="accent1"/>
+          </a:lnRef>
+          <a:fillRef idx="3">
+            <a:schemeClr val="accent1"/>
+          </a:fillRef>
+          <a:effectRef idx="2">
+            <a:schemeClr val="accent1"/>
+          </a:effectRef>
+          <a:fontRef idx="minor">
+            <a:schemeClr val="lt1"/>
+          </a:fontRef>
+        </p:style>
+      </p:sp>
+      <p:sp>
+        <p:nvSpPr>
+          <p:cNvPr id="2" name="Title 1"/>
+          <p:cNvSpPr>
+            <a:spLocks noGrp="1"/>
+          </p:cNvSpPr>
+          <p:nvPr>
+            <p:ph type="title"/>
+          </p:nvPr>
+        </p:nvSpPr>
+        <p:spPr/>
+        <p:txBody>
+          <a:bodyPr/>
+          <a:lstStyle>
+            <a:lvl1pPr>
+              <a:defRPr/>
+            </a:lvl1pPr>
+          </a:lstStyle>
+          <a:p>
+            <a:r>
+              <a:rPr lang="en-US"/>
+              <a:t>Click to edit Master title style</a:t>
+            </a:r>
+            <a:endParaRPr lang="en-US" dirty="0"/>
+          </a:p>
+        </p:txBody>
+      </p:sp>
+      <p:sp>
+        <p:nvSpPr>
+          <p:cNvPr id="3" name="Text Placeholder 2"/>
+          <p:cNvSpPr>
+            <a:spLocks noGrp="1"/>
+          </p:cNvSpPr>
+          <p:nvPr>
+            <p:ph type="body" idx="1"/>
+          </p:nvPr>
+        </p:nvSpPr>
+        <p:spPr>
+          <a:xfrm>
+            <a:off x="887219" y="2228003"/>
+            <a:ext cx="3593500" cy="576262"/>
+          </a:xfrm>
+        </p:spPr>
+        <p:txBody>
+          <a:bodyPr anchor="b">
+            <a:noAutofit/>
+          </a:bodyPr>
+          <a:lstStyle>
+            <a:lvl1pPr marL="0" indent="0">
+              <a:buNone/>
+              <a:defRPr sz="2200" b="0">
+                <a:solidFill>
+                  <a:schemeClr val="accent2"/>
+                </a:solidFill>
+              </a:defRPr>
+            </a:lvl1pPr>
+            <a:lvl2pPr marL="457200" indent="0">
+              <a:buNone/>
+              <a:defRPr sz="2000" b="1"/>
+            </a:lvl2pPr>
+            <a:lvl3pPr marL="914400" indent="0">
+              <a:buNone/>
+              <a:defRPr sz="1800" b="1"/>
+            </a:lvl3pPr>
+            <a:lvl4pPr marL="1371600" indent="0">
+              <a:buNone/>
+              <a:defRPr sz="1600" b="1"/>
+            </a:lvl4pPr>
+            <a:lvl5pPr marL="1828800" indent="0">
+              <a:buNone/>
+              <a:defRPr sz="1600" b="1"/>
+            </a:lvl5pPr>
+            <a:lvl6pPr marL="2286000" indent="0">
+              <a:buNone/>
+              <a:defRPr sz="1600" b="1"/>
+            </a:lvl6pPr>
+            <a:lvl7pPr marL="2743200" indent="0">
+              <a:buNone/>
+              <a:defRPr sz="1600" b="1"/>
+            </a:lvl7pPr>
+            <a:lvl8pPr marL="3200400" indent="0">
+              <a:buNone/>
+              <a:defRPr sz="1600" b="1"/>
+            </a:lvl8pPr>
+            <a:lvl9pPr marL="3657600" indent="0">
+              <a:buNone/>
+              <a:defRPr sz="1600" b="1"/>
+            </a:lvl9pPr>
+          </a:lstStyle>
+          <a:p>
+            <a:pPr lvl="0"/>
+            <a:r>
+              <a:rPr lang="en-US"/>
+              <a:t>Edit Master text styles</a:t>
+            </a:r>
+          </a:p>
+        </p:txBody>
+      </p:sp>
+      <p:sp>
+        <p:nvSpPr>
+          <p:cNvPr id="4" name="Content Placeholder 3"/>
+          <p:cNvSpPr>
+            <a:spLocks noGrp="1"/>
+          </p:cNvSpPr>
+          <p:nvPr>
+            <p:ph sz="half" idx="2"/>
+          </p:nvPr>
+        </p:nvSpPr>
+        <p:spPr>
+          <a:xfrm>
+            <a:off x="581192" y="2926051"/>
+            <a:ext cx="3899527" cy="2934999"/>
+          </a:xfrm>
+        </p:spPr>
+        <p:txBody>
+          <a:bodyPr anchor="t">
+            <a:normAutofit/>
+          </a:bodyPr>
+          <a:lstStyle/>
+          <a:p>
+            <a:pPr lvl="0"/>
+            <a:r>
+              <a:rPr lang="en-US"/>
+              <a:t>Edit Master text styles</a:t>
+            </a:r>
+          </a:p>
+          <a:p>
+            <a:pPr lvl="1"/>
+            <a:r>
+              <a:rPr lang="en-US"/>
+              <a:t>Second level</a:t>
+            </a:r>
+          </a:p>
+          <a:p>
+            <a:pPr lvl="2"/>
+            <a:r>
+              <a:rPr lang="en-US"/>
+              <a:t>Third level</a:t>
+            </a:r>
+          </a:p>
+          <a:p>
+            <a:pPr lvl="3"/>
+            <a:r>
+              <a:rPr lang="en-US"/>
+              <a:t>Fourth level</a:t>
+            </a:r>
+          </a:p>
+          <a:p>
+            <a:pPr lvl="4"/>
+            <a:r>
+              <a:rPr lang="en-US"/>
+              <a:t>Fifth level</a:t>
+            </a:r>
+            <a:endParaRPr lang="en-US" dirty="0"/>
+          </a:p>
+        </p:txBody>
+      </p:sp>
+      <p:sp>
+        <p:nvSpPr>
+          <p:cNvPr id="5" name="Text Placeholder 4"/>
+          <p:cNvSpPr>
+            <a:spLocks noGrp="1"/>
+          </p:cNvSpPr>
+          <p:nvPr>
+            <p:ph type="body" sz="quarter" idx="3"/>
+          </p:nvPr>
+        </p:nvSpPr>
+        <p:spPr>
+          <a:xfrm>
+            <a:off x="4969308" y="2228003"/>
+            <a:ext cx="3601635" cy="576262"/>
+          </a:xfrm>
+        </p:spPr>
+        <p:txBody>
+          <a:bodyPr anchor="b">
+            <a:noAutofit/>
+          </a:bodyPr>
+          <a:lstStyle>
+            <a:lvl1pPr marL="0" indent="0">
+              <a:buNone/>
+              <a:defRPr sz="2200" b="0">
+                <a:solidFill>
+                  <a:schemeClr val="accent2"/>
+                </a:solidFill>
+              </a:defRPr>
+            </a:lvl1pPr>
+            <a:lvl2pPr marL="457200" indent="0">
+              <a:buNone/>
+              <a:defRPr sz="2000" b="1"/>
+            </a:lvl2pPr>
+            <a:lvl3pPr marL="914400" indent="0">
+              <a:buNone/>
+              <a:defRPr sz="1800" b="1"/>
+            </a:lvl3pPr>
+            <a:lvl4pPr marL="1371600" indent="0">
+              <a:buNone/>
+              <a:defRPr sz="1600" b="1"/>
+            </a:lvl4pPr>
+            <a:lvl5pPr marL="1828800" indent="0">
+              <a:buNone/>
+              <a:defRPr sz="1600" b="1"/>
+            </a:lvl5pPr>
+            <a:lvl6pPr marL="2286000" indent="0">
+              <a:buNone/>
+              <a:defRPr sz="1600" b="1"/>
+            </a:lvl6pPr>
+            <a:lvl7pPr marL="2743200" indent="0">
+              <a:buNone/>
+              <a:defRPr sz="1600" b="1"/>
+            </a:lvl7pPr>
+            <a:lvl8pPr marL="3200400" indent="0">
+              <a:buNone/>
+              <a:defRPr sz="1600" b="1"/>
+            </a:lvl8pPr>
+            <a:lvl9pPr marL="3657600" indent="0">
+              <a:buNone/>
+              <a:defRPr sz="1600" b="1"/>
+            </a:lvl9pPr>
+          </a:lstStyle>
+          <a:p>
+            <a:pPr lvl="0"/>
+            <a:r>
+              <a:rPr lang="en-US"/>
+              <a:t>Edit Master text styles</a:t>
+            </a:r>
+          </a:p>
+        </p:txBody>
+      </p:sp>
+      <p:sp>
+        <p:nvSpPr>
+          <p:cNvPr id="6" name="Content Placeholder 5"/>
+          <p:cNvSpPr>
+            <a:spLocks noGrp="1"/>
+          </p:cNvSpPr>
+          <p:nvPr>
+            <p:ph sz="quarter" idx="4"/>
+          </p:nvPr>
+        </p:nvSpPr>
+        <p:spPr>
+          <a:xfrm>
+            <a:off x="4663282" y="2926051"/>
+            <a:ext cx="3907662" cy="2934999"/>
+          </a:xfrm>
+        </p:spPr>
+        <p:txBody>
+          <a:bodyPr anchor="t">
+            <a:normAutofit/>
+          </a:bodyPr>
+          <a:lstStyle/>
+          <a:p>
+            <a:pPr lvl="0"/>
+            <a:r>
+              <a:rPr lang="en-US"/>
+              <a:t>Edit Master text styles</a:t>
+            </a:r>
+          </a:p>
+          <a:p>
+            <a:pPr lvl="1"/>
+            <a:r>
+              <a:rPr lang="en-US"/>
+              <a:t>Second level</a:t>
+            </a:r>
+          </a:p>
+          <a:p>
+            <a:pPr lvl="2"/>
+            <a:r>
+              <a:rPr lang="en-US"/>
+              <a:t>Third level</a:t>
+            </a:r>
+          </a:p>
+          <a:p>
+            <a:pPr lvl="3"/>
+            <a:r>
+              <a:rPr lang="en-US"/>
+              <a:t>Fourth level</a:t>
+            </a:r>
+          </a:p>
+          <a:p>
+            <a:pPr lvl="4"/>
+            <a:r>
+              <a:rPr lang="en-US"/>
+              <a:t>Fifth level</a:t>
+            </a:r>
+            <a:endParaRPr lang="en-US" dirty="0"/>
+          </a:p>
+        </p:txBody>
+      </p:sp>
+      <p:sp>
+        <p:nvSpPr>
+          <p:cNvPr id="7" name="Date Placeholder 6"/>
+          <p:cNvSpPr>
+            <a:spLocks noGrp="1"/>
+          </p:cNvSpPr>
+          <p:nvPr>
+            <p:ph type="dt" sz="half" idx="10"/>
+          </p:nvPr>
+        </p:nvSpPr>
+        <p:spPr>
+          <a:xfrm>
+            <a:off x="5559327" y="5956136"/>
+            <a:ext cx="2133600" cy="365125"/>
+          </a:xfrm>
+          <a:prstGeom prst="rect">
+            <a:avLst/>
+          </a:prstGeom>
+        </p:spPr>
+        <p:txBody>
+          <a:bodyPr/>
+          <a:lstStyle/>
+          <a:p>
+            <a:fld id="{DEFC47B4-340A-473C-9C8F-AF1AB615FF06}" type="datetime1">
+              <a:rPr lang="en-US" smtClean="0"/>
+              <a:t>6/11/18</a:t>
+            </a:fld>
+            <a:endParaRPr lang="en-US"/>
+          </a:p>
+        </p:txBody>
+      </p:sp>
+      <p:sp>
+        <p:nvSpPr>
+          <p:cNvPr id="8" name="Footer Placeholder 7"/>
+          <p:cNvSpPr>
+            <a:spLocks noGrp="1"/>
+          </p:cNvSpPr>
+          <p:nvPr>
+            <p:ph type="ftr" sz="quarter" idx="11"/>
+          </p:nvPr>
+        </p:nvSpPr>
+        <p:spPr>
+          <a:xfrm>
+            <a:off x="581192" y="5951810"/>
+            <a:ext cx="4870585" cy="365125"/>
+          </a:xfrm>
+          <a:prstGeom prst="rect">
+            <a:avLst/>
+          </a:prstGeom>
+        </p:spPr>
+        <p:txBody>
+          <a:bodyPr/>
+          <a:lstStyle/>
+          <a:p>
+            <a:r>
+              <a:rPr lang="en-US"/>
+              <a:t>© 2016 EV3Lessons.com, Last Edit 6/11/2018</a:t>
+            </a:r>
+          </a:p>
+        </p:txBody>
+      </p:sp>
+      <p:sp>
+        <p:nvSpPr>
+          <p:cNvPr id="9" name="Slide Number Placeholder 8"/>
+          <p:cNvSpPr>
+            <a:spLocks noGrp="1"/>
+          </p:cNvSpPr>
+          <p:nvPr>
+            <p:ph type="sldNum" sz="quarter" idx="12"/>
+          </p:nvPr>
+        </p:nvSpPr>
+        <p:spPr>
+          <a:xfrm>
+            <a:off x="7800476" y="5956136"/>
+            <a:ext cx="770468" cy="365125"/>
+          </a:xfrm>
+          <a:prstGeom prst="rect">
+            <a:avLst/>
+          </a:prstGeom>
+        </p:spPr>
+        <p:txBody>
+          <a:bodyPr/>
+          <a:lstStyle/>
+          <a:p>
+            <a:fld id="{4DBC7FC8-25FB-FC45-8177-2B991DA6778C}" type="slidenum">
+              <a:rPr lang="en-US" smtClean="0"/>
+              <a:t>‹#›</a:t>
+            </a:fld>
+            <a:endParaRPr lang="en-US"/>
+          </a:p>
+        </p:txBody>
+      </p:sp>
+    </p:spTree>
+    <p:extLst>
+      <p:ext uri="{BB962C8B-B14F-4D97-AF65-F5344CB8AC3E}">
+        <p14:creationId xmlns:p14="http://schemas.microsoft.com/office/powerpoint/2010/main" val="4287794703"/>
+      </p:ext>
+    </p:extLst>
+  </p:cSld>
+  <p:clrMapOvr>
+    <a:masterClrMapping/>
+  </p:clrMapOvr>
+</p:sldLayout>
+</file>
+
+<file path=ppt/slideLayouts/slideLayout72.xml><?xml version="1.0" encoding="utf-8"?>
+<p:sldLayout xmlns:a="http://schemas.openxmlformats.org/drawingml/2006/main" xmlns:r="http://schemas.openxmlformats.org/officeDocument/2006/relationships" xmlns:p="http://schemas.openxmlformats.org/presentationml/2006/main" type="titleOnly" preserve="1">
+  <p:cSld name="Title Only">
+    <p:spTree>
+      <p:nvGrpSpPr>
+        <p:cNvPr id="1" name=""/>
+        <p:cNvGrpSpPr/>
+        <p:nvPr/>
+      </p:nvGrpSpPr>
+      <p:grpSpPr>
+        <a:xfrm>
+          <a:off x="0" y="0"/>
+          <a:ext cx="0" cy="0"/>
+          <a:chOff x="0" y="0"/>
+          <a:chExt cx="0" cy="0"/>
+        </a:xfrm>
+      </p:grpSpPr>
+      <p:sp>
+        <p:nvSpPr>
+          <p:cNvPr id="6" name="Rectangle 5"/>
+          <p:cNvSpPr>
+            <a:spLocks noChangeAspect="1"/>
+          </p:cNvSpPr>
+          <p:nvPr/>
+        </p:nvSpPr>
+        <p:spPr>
+          <a:xfrm>
+            <a:off x="448092" y="599725"/>
+            <a:ext cx="8238707" cy="1258827"/>
+          </a:xfrm>
+          <a:prstGeom prst="rect">
+            <a:avLst/>
+          </a:prstGeom>
+          <a:solidFill>
+            <a:schemeClr val="accent1"/>
+          </a:solidFill>
+          <a:ln>
+            <a:noFill/>
+          </a:ln>
+          <a:effectLst/>
+        </p:spPr>
+        <p:style>
+          <a:lnRef idx="1">
+            <a:schemeClr val="accent1"/>
+          </a:lnRef>
+          <a:fillRef idx="3">
+            <a:schemeClr val="accent1"/>
+          </a:fillRef>
+          <a:effectRef idx="2">
+            <a:schemeClr val="accent1"/>
+          </a:effectRef>
+          <a:fontRef idx="minor">
+            <a:schemeClr val="lt1"/>
+          </a:fontRef>
+        </p:style>
+      </p:sp>
+      <p:sp>
+        <p:nvSpPr>
+          <p:cNvPr id="2" name="Title 1"/>
+          <p:cNvSpPr>
+            <a:spLocks noGrp="1"/>
+          </p:cNvSpPr>
+          <p:nvPr>
+            <p:ph type="title"/>
+          </p:nvPr>
+        </p:nvSpPr>
+        <p:spPr/>
+        <p:txBody>
+          <a:bodyPr/>
+          <a:lstStyle/>
+          <a:p>
+            <a:r>
+              <a:rPr lang="en-US"/>
+              <a:t>Click to edit Master title style</a:t>
+            </a:r>
+            <a:endParaRPr lang="en-US" dirty="0"/>
+          </a:p>
+        </p:txBody>
+      </p:sp>
+      <p:sp>
+        <p:nvSpPr>
+          <p:cNvPr id="3" name="Date Placeholder 2"/>
+          <p:cNvSpPr>
+            <a:spLocks noGrp="1"/>
+          </p:cNvSpPr>
+          <p:nvPr>
+            <p:ph type="dt" sz="half" idx="10"/>
+          </p:nvPr>
+        </p:nvSpPr>
+        <p:spPr>
+          <a:xfrm>
+            <a:off x="5559327" y="5956136"/>
+            <a:ext cx="2133600" cy="365125"/>
+          </a:xfrm>
+          <a:prstGeom prst="rect">
+            <a:avLst/>
+          </a:prstGeom>
+        </p:spPr>
+        <p:txBody>
+          <a:bodyPr/>
+          <a:lstStyle/>
+          <a:p>
+            <a:fld id="{45B822F0-4EFC-4F80-A8D0-D087BECDAD3D}" type="datetime1">
+              <a:rPr lang="en-US" smtClean="0"/>
+              <a:t>6/11/18</a:t>
+            </a:fld>
+            <a:endParaRPr lang="en-US"/>
+          </a:p>
+        </p:txBody>
+      </p:sp>
+      <p:sp>
+        <p:nvSpPr>
+          <p:cNvPr id="4" name="Footer Placeholder 3"/>
+          <p:cNvSpPr>
+            <a:spLocks noGrp="1"/>
+          </p:cNvSpPr>
+          <p:nvPr>
+            <p:ph type="ftr" sz="quarter" idx="11"/>
+          </p:nvPr>
+        </p:nvSpPr>
+        <p:spPr>
+          <a:xfrm>
+            <a:off x="581192" y="5951810"/>
+            <a:ext cx="4870585" cy="365125"/>
+          </a:xfrm>
+          <a:prstGeom prst="rect">
+            <a:avLst/>
+          </a:prstGeom>
+        </p:spPr>
+        <p:txBody>
+          <a:bodyPr/>
+          <a:lstStyle/>
+          <a:p>
+            <a:r>
+              <a:rPr lang="en-US"/>
+              <a:t>© 2016 EV3Lessons.com, Last Edit 6/11/2018</a:t>
+            </a:r>
+          </a:p>
+        </p:txBody>
+      </p:sp>
+      <p:sp>
+        <p:nvSpPr>
+          <p:cNvPr id="5" name="Slide Number Placeholder 4"/>
+          <p:cNvSpPr>
+            <a:spLocks noGrp="1"/>
+          </p:cNvSpPr>
+          <p:nvPr>
+            <p:ph type="sldNum" sz="quarter" idx="12"/>
+          </p:nvPr>
+        </p:nvSpPr>
+        <p:spPr>
+          <a:xfrm>
+            <a:off x="7800476" y="5956136"/>
+            <a:ext cx="770468" cy="365125"/>
+          </a:xfrm>
+          <a:prstGeom prst="rect">
+            <a:avLst/>
+          </a:prstGeom>
+        </p:spPr>
+        <p:txBody>
+          <a:bodyPr/>
+          <a:lstStyle/>
+          <a:p>
+            <a:fld id="{4DBC7FC8-25FB-FC45-8177-2B991DA6778C}" type="slidenum">
+              <a:rPr lang="en-US" smtClean="0"/>
+              <a:t>‹#›</a:t>
+            </a:fld>
+            <a:endParaRPr lang="en-US"/>
+          </a:p>
+        </p:txBody>
+      </p:sp>
+    </p:spTree>
+    <p:extLst>
+      <p:ext uri="{BB962C8B-B14F-4D97-AF65-F5344CB8AC3E}">
+        <p14:creationId xmlns:p14="http://schemas.microsoft.com/office/powerpoint/2010/main" val="3891059302"/>
+      </p:ext>
+    </p:extLst>
+  </p:cSld>
+  <p:clrMapOvr>
+    <a:masterClrMapping/>
+  </p:clrMapOvr>
+</p:sldLayout>
+</file>
+
+<file path=ppt/slideLayouts/slideLayout73.xml><?xml version="1.0" encoding="utf-8"?>
+<p:sldLayout xmlns:a="http://schemas.openxmlformats.org/drawingml/2006/main" xmlns:r="http://schemas.openxmlformats.org/officeDocument/2006/relationships" xmlns:p="http://schemas.openxmlformats.org/presentationml/2006/main" type="blank" preserve="1">
+  <p:cSld name="Blank">
+    <p:spTree>
+      <p:nvGrpSpPr>
+        <p:cNvPr id="1" name=""/>
+        <p:cNvGrpSpPr/>
+        <p:nvPr/>
+      </p:nvGrpSpPr>
+      <p:grpSpPr>
+        <a:xfrm>
+          <a:off x="0" y="0"/>
+          <a:ext cx="0" cy="0"/>
+          <a:chOff x="0" y="0"/>
+          <a:chExt cx="0" cy="0"/>
+        </a:xfrm>
+      </p:grpSpPr>
+      <p:sp>
+        <p:nvSpPr>
+          <p:cNvPr id="2" name="Date Placeholder 1"/>
+          <p:cNvSpPr>
+            <a:spLocks noGrp="1"/>
+          </p:cNvSpPr>
+          <p:nvPr>
+            <p:ph type="dt" sz="half" idx="10"/>
+          </p:nvPr>
+        </p:nvSpPr>
+        <p:spPr>
+          <a:xfrm>
+            <a:off x="5559327" y="5956136"/>
+            <a:ext cx="2133600" cy="365125"/>
+          </a:xfrm>
+          <a:prstGeom prst="rect">
+            <a:avLst/>
+          </a:prstGeom>
+        </p:spPr>
+        <p:txBody>
+          <a:bodyPr/>
+          <a:lstStyle/>
+          <a:p>
+            <a:fld id="{D9626082-28B2-41FD-82BA-BCD3BAFDAB88}" type="datetime1">
+              <a:rPr lang="en-US" smtClean="0"/>
+              <a:t>6/11/18</a:t>
+            </a:fld>
+            <a:endParaRPr lang="en-US"/>
+          </a:p>
+        </p:txBody>
+      </p:sp>
+      <p:sp>
+        <p:nvSpPr>
+          <p:cNvPr id="3" name="Footer Placeholder 2"/>
+          <p:cNvSpPr>
+            <a:spLocks noGrp="1"/>
+          </p:cNvSpPr>
+          <p:nvPr>
+            <p:ph type="ftr" sz="quarter" idx="11"/>
+          </p:nvPr>
+        </p:nvSpPr>
+        <p:spPr>
+          <a:xfrm>
+            <a:off x="581192" y="5951810"/>
+            <a:ext cx="4870585" cy="365125"/>
+          </a:xfrm>
+          <a:prstGeom prst="rect">
+            <a:avLst/>
+          </a:prstGeom>
+        </p:spPr>
+        <p:txBody>
+          <a:bodyPr/>
+          <a:lstStyle/>
+          <a:p>
+            <a:r>
+              <a:rPr lang="en-US"/>
+              <a:t>© 2016 EV3Lessons.com, Last Edit 6/11/2018</a:t>
+            </a:r>
+          </a:p>
+        </p:txBody>
+      </p:sp>
+      <p:sp>
+        <p:nvSpPr>
+          <p:cNvPr id="4" name="Slide Number Placeholder 3"/>
+          <p:cNvSpPr>
+            <a:spLocks noGrp="1"/>
+          </p:cNvSpPr>
+          <p:nvPr>
+            <p:ph type="sldNum" sz="quarter" idx="12"/>
+          </p:nvPr>
+        </p:nvSpPr>
+        <p:spPr>
+          <a:xfrm>
+            <a:off x="7800476" y="5956136"/>
+            <a:ext cx="770468" cy="365125"/>
+          </a:xfrm>
+          <a:prstGeom prst="rect">
+            <a:avLst/>
+          </a:prstGeom>
+        </p:spPr>
+        <p:txBody>
+          <a:bodyPr/>
+          <a:lstStyle/>
+          <a:p>
+            <a:fld id="{4DBC7FC8-25FB-FC45-8177-2B991DA6778C}" type="slidenum">
+              <a:rPr lang="en-US" smtClean="0"/>
+              <a:t>‹#›</a:t>
+            </a:fld>
+            <a:endParaRPr lang="en-US"/>
+          </a:p>
+        </p:txBody>
+      </p:sp>
+    </p:spTree>
+    <p:extLst>
+      <p:ext uri="{BB962C8B-B14F-4D97-AF65-F5344CB8AC3E}">
+        <p14:creationId xmlns:p14="http://schemas.microsoft.com/office/powerpoint/2010/main" val="2317751509"/>
+      </p:ext>
+    </p:extLst>
+  </p:cSld>
+  <p:clrMapOvr>
+    <a:masterClrMapping/>
+  </p:clrMapOvr>
+</p:sldLayout>
+</file>
+
+<file path=ppt/slideLayouts/slideLayout74.xml><?xml version="1.0" encoding="utf-8"?>
+<p:sldLayout xmlns:a="http://schemas.openxmlformats.org/drawingml/2006/main" xmlns:r="http://schemas.openxmlformats.org/officeDocument/2006/relationships" xmlns:p="http://schemas.openxmlformats.org/presentationml/2006/main" type="objTx" preserve="1">
+  <p:cSld name="Content with Caption">
+    <p:spTree>
+      <p:nvGrpSpPr>
+        <p:cNvPr id="1" name=""/>
+        <p:cNvGrpSpPr/>
+        <p:nvPr/>
+      </p:nvGrpSpPr>
+      <p:grpSpPr>
+        <a:xfrm>
+          <a:off x="0" y="0"/>
+          <a:ext cx="0" cy="0"/>
+          <a:chOff x="0" y="0"/>
+          <a:chExt cx="0" cy="0"/>
+        </a:xfrm>
+      </p:grpSpPr>
+      <p:sp>
+        <p:nvSpPr>
+          <p:cNvPr id="9" name="Rectangle 8"/>
+          <p:cNvSpPr>
+            <a:spLocks noChangeAspect="1"/>
+          </p:cNvSpPr>
+          <p:nvPr/>
+        </p:nvSpPr>
+        <p:spPr>
+          <a:xfrm>
+            <a:off x="452646" y="5141973"/>
+            <a:ext cx="8238707" cy="1274702"/>
+          </a:xfrm>
+          <a:prstGeom prst="rect">
+            <a:avLst/>
+          </a:prstGeom>
+          <a:solidFill>
+            <a:schemeClr val="accent1"/>
+          </a:solidFill>
+          <a:ln>
+            <a:noFill/>
+          </a:ln>
+          <a:effectLst/>
+        </p:spPr>
+        <p:style>
+          <a:lnRef idx="1">
+            <a:schemeClr val="accent1"/>
+          </a:lnRef>
+          <a:fillRef idx="3">
+            <a:schemeClr val="accent1"/>
+          </a:fillRef>
+          <a:effectRef idx="2">
+            <a:schemeClr val="accent1"/>
+          </a:effectRef>
+          <a:fontRef idx="minor">
+            <a:schemeClr val="lt1"/>
+          </a:fontRef>
+        </p:style>
+      </p:sp>
+      <p:sp>
+        <p:nvSpPr>
+          <p:cNvPr id="2" name="Title 1"/>
+          <p:cNvSpPr>
+            <a:spLocks noGrp="1"/>
+          </p:cNvSpPr>
+          <p:nvPr>
+            <p:ph type="title"/>
+          </p:nvPr>
+        </p:nvSpPr>
+        <p:spPr>
+          <a:xfrm>
+            <a:off x="581352" y="5262296"/>
+            <a:ext cx="3536625" cy="689514"/>
+          </a:xfrm>
+        </p:spPr>
+        <p:txBody>
+          <a:bodyPr anchor="ctr"/>
+          <a:lstStyle>
+            <a:lvl1pPr algn="l">
+              <a:defRPr sz="2000" b="0">
+                <a:solidFill>
+                  <a:schemeClr val="accent1">
+                    <a:lumMod val="75000"/>
+                    <a:lumOff val="25000"/>
+                  </a:schemeClr>
+                </a:solidFill>
+              </a:defRPr>
+            </a:lvl1pPr>
+          </a:lstStyle>
+          <a:p>
+            <a:r>
+              <a:rPr lang="en-US"/>
+              <a:t>Click to edit Master title style</a:t>
+            </a:r>
+            <a:endParaRPr lang="en-US" dirty="0"/>
+          </a:p>
+        </p:txBody>
+      </p:sp>
+      <p:sp>
+        <p:nvSpPr>
+          <p:cNvPr id="3" name="Content Placeholder 2"/>
+          <p:cNvSpPr>
+            <a:spLocks noGrp="1"/>
+          </p:cNvSpPr>
+          <p:nvPr>
+            <p:ph idx="1"/>
+          </p:nvPr>
+        </p:nvSpPr>
+        <p:spPr>
+          <a:xfrm>
+            <a:off x="446399" y="601200"/>
+            <a:ext cx="8240400" cy="4204800"/>
+          </a:xfrm>
+        </p:spPr>
+        <p:txBody>
+          <a:bodyPr anchor="ctr">
+            <a:normAutofit/>
+          </a:bodyPr>
+          <a:lstStyle>
+            <a:lvl1pPr>
+              <a:defRPr sz="2000">
+                <a:solidFill>
+                  <a:schemeClr val="tx2"/>
+                </a:solidFill>
+              </a:defRPr>
+            </a:lvl1pPr>
+            <a:lvl2pPr>
+              <a:defRPr sz="1800">
+                <a:solidFill>
+                  <a:schemeClr val="tx2"/>
+                </a:solidFill>
+              </a:defRPr>
+            </a:lvl2pPr>
+            <a:lvl3pPr>
+              <a:defRPr sz="1600">
+                <a:solidFill>
+                  <a:schemeClr val="tx2"/>
+                </a:solidFill>
+              </a:defRPr>
+            </a:lvl3pPr>
+            <a:lvl4pPr>
+              <a:defRPr sz="1400">
+                <a:solidFill>
+                  <a:schemeClr val="tx2"/>
+                </a:solidFill>
+              </a:defRPr>
+            </a:lvl4pPr>
+            <a:lvl5pPr>
+              <a:defRPr sz="1400">
+                <a:solidFill>
+                  <a:schemeClr val="tx2"/>
+                </a:solidFill>
+              </a:defRPr>
+            </a:lvl5pPr>
+            <a:lvl6pPr>
+              <a:defRPr sz="1400">
+                <a:solidFill>
+                  <a:schemeClr val="tx2"/>
+                </a:solidFill>
+              </a:defRPr>
+            </a:lvl6pPr>
+            <a:lvl7pPr>
+              <a:defRPr sz="1400">
+                <a:solidFill>
+                  <a:schemeClr val="tx2"/>
+                </a:solidFill>
+              </a:defRPr>
+            </a:lvl7pPr>
+            <a:lvl8pPr>
+              <a:defRPr sz="1400">
+                <a:solidFill>
+                  <a:schemeClr val="tx2"/>
+                </a:solidFill>
+              </a:defRPr>
+            </a:lvl8pPr>
+            <a:lvl9pPr>
+              <a:defRPr sz="1400">
+                <a:solidFill>
+                  <a:schemeClr val="tx2"/>
+                </a:solidFill>
+              </a:defRPr>
+            </a:lvl9pPr>
+          </a:lstStyle>
+          <a:p>
+            <a:pPr lvl="0"/>
+            <a:r>
+              <a:rPr lang="en-US"/>
+              <a:t>Edit Master text styles</a:t>
+            </a:r>
+          </a:p>
+          <a:p>
+            <a:pPr lvl="1"/>
+            <a:r>
+              <a:rPr lang="en-US"/>
+              <a:t>Second level</a:t>
+            </a:r>
+          </a:p>
+          <a:p>
+            <a:pPr lvl="2"/>
+            <a:r>
+              <a:rPr lang="en-US"/>
+              <a:t>Third level</a:t>
+            </a:r>
+          </a:p>
+          <a:p>
+            <a:pPr lvl="3"/>
+            <a:r>
+              <a:rPr lang="en-US"/>
+              <a:t>Fourth level</a:t>
+            </a:r>
+          </a:p>
+          <a:p>
+            <a:pPr lvl="4"/>
+            <a:r>
+              <a:rPr lang="en-US"/>
+              <a:t>Fifth level</a:t>
+            </a:r>
+            <a:endParaRPr lang="en-US" dirty="0"/>
+          </a:p>
+        </p:txBody>
+      </p:sp>
+      <p:sp>
+        <p:nvSpPr>
+          <p:cNvPr id="4" name="Text Placeholder 3"/>
+          <p:cNvSpPr>
+            <a:spLocks noGrp="1"/>
+          </p:cNvSpPr>
+          <p:nvPr>
+            <p:ph type="body" sz="half" idx="2"/>
+          </p:nvPr>
+        </p:nvSpPr>
+        <p:spPr>
+          <a:xfrm>
+            <a:off x="4305617" y="5262295"/>
+            <a:ext cx="4265327" cy="689515"/>
+          </a:xfrm>
+        </p:spPr>
+        <p:txBody>
+          <a:bodyPr anchor="ctr">
+            <a:normAutofit/>
+          </a:bodyPr>
+          <a:lstStyle>
+            <a:lvl1pPr marL="0" indent="0" algn="r">
+              <a:buNone/>
+              <a:defRPr sz="1100">
+                <a:solidFill>
+                  <a:schemeClr val="bg1"/>
+                </a:solidFill>
+              </a:defRPr>
+            </a:lvl1pPr>
+            <a:lvl2pPr marL="457200" indent="0">
+              <a:buNone/>
+              <a:defRPr sz="1100"/>
+            </a:lvl2pPr>
+            <a:lvl3pPr marL="914400" indent="0">
+              <a:buNone/>
+              <a:defRPr sz="1000"/>
+            </a:lvl3pPr>
+            <a:lvl4pPr marL="1371600" indent="0">
+              <a:buNone/>
+              <a:defRPr sz="900"/>
+            </a:lvl4pPr>
+            <a:lvl5pPr marL="1828800" indent="0">
+              <a:buNone/>
+              <a:defRPr sz="900"/>
+            </a:lvl5pPr>
+            <a:lvl6pPr marL="2286000" indent="0">
+              <a:buNone/>
+              <a:defRPr sz="900"/>
+            </a:lvl6pPr>
+            <a:lvl7pPr marL="2743200" indent="0">
+              <a:buNone/>
+              <a:defRPr sz="900"/>
+            </a:lvl7pPr>
+            <a:lvl8pPr marL="3200400" indent="0">
+              <a:buNone/>
+              <a:defRPr sz="900"/>
+            </a:lvl8pPr>
+            <a:lvl9pPr marL="3657600" indent="0">
+              <a:buNone/>
+              <a:defRPr sz="900"/>
+            </a:lvl9pPr>
+          </a:lstStyle>
+          <a:p>
+            <a:pPr lvl="0"/>
+            <a:r>
+              <a:rPr lang="en-US"/>
+              <a:t>Edit Master text styles</a:t>
+            </a:r>
+          </a:p>
+        </p:txBody>
+      </p:sp>
+      <p:sp>
+        <p:nvSpPr>
+          <p:cNvPr id="5" name="Date Placeholder 4"/>
+          <p:cNvSpPr>
+            <a:spLocks noGrp="1"/>
+          </p:cNvSpPr>
+          <p:nvPr>
+            <p:ph type="dt" sz="half" idx="10"/>
+          </p:nvPr>
+        </p:nvSpPr>
+        <p:spPr>
+          <a:xfrm>
+            <a:off x="5559327" y="5956136"/>
+            <a:ext cx="2133600" cy="365125"/>
+          </a:xfrm>
+          <a:prstGeom prst="rect">
+            <a:avLst/>
+          </a:prstGeom>
+        </p:spPr>
+        <p:txBody>
+          <a:bodyPr/>
+          <a:lstStyle>
+            <a:lvl1pPr>
+              <a:defRPr>
+                <a:solidFill>
+                  <a:schemeClr val="accent1">
+                    <a:lumMod val="75000"/>
+                    <a:lumOff val="25000"/>
+                  </a:schemeClr>
+                </a:solidFill>
+              </a:defRPr>
+            </a:lvl1pPr>
+          </a:lstStyle>
+          <a:p>
+            <a:fld id="{021251E7-8CC3-4635-8339-8A4FC01C9DD0}" type="datetime1">
+              <a:rPr lang="en-US" smtClean="0"/>
+              <a:t>6/11/18</a:t>
+            </a:fld>
+            <a:endParaRPr lang="en-US"/>
+          </a:p>
+        </p:txBody>
+      </p:sp>
+      <p:sp>
+        <p:nvSpPr>
+          <p:cNvPr id="6" name="Footer Placeholder 5"/>
+          <p:cNvSpPr>
+            <a:spLocks noGrp="1"/>
+          </p:cNvSpPr>
+          <p:nvPr>
+            <p:ph type="ftr" sz="quarter" idx="11"/>
+          </p:nvPr>
+        </p:nvSpPr>
+        <p:spPr>
+          <a:xfrm>
+            <a:off x="581192" y="5951810"/>
+            <a:ext cx="4870585" cy="365125"/>
+          </a:xfrm>
+          <a:prstGeom prst="rect">
+            <a:avLst/>
+          </a:prstGeom>
+        </p:spPr>
+        <p:txBody>
+          <a:bodyPr/>
+          <a:lstStyle>
+            <a:lvl1pPr>
+              <a:defRPr>
+                <a:solidFill>
+                  <a:schemeClr val="accent1">
+                    <a:lumMod val="75000"/>
+                    <a:lumOff val="25000"/>
+                  </a:schemeClr>
+                </a:solidFill>
+              </a:defRPr>
+            </a:lvl1pPr>
+          </a:lstStyle>
+          <a:p>
+            <a:r>
+              <a:rPr lang="en-US"/>
+              <a:t>© 2016 EV3Lessons.com, Last Edit 6/11/2018</a:t>
+            </a:r>
+          </a:p>
+        </p:txBody>
+      </p:sp>
+      <p:sp>
+        <p:nvSpPr>
+          <p:cNvPr id="7" name="Slide Number Placeholder 6"/>
+          <p:cNvSpPr>
+            <a:spLocks noGrp="1"/>
+          </p:cNvSpPr>
+          <p:nvPr>
+            <p:ph type="sldNum" sz="quarter" idx="12"/>
+          </p:nvPr>
+        </p:nvSpPr>
+        <p:spPr>
+          <a:xfrm>
+            <a:off x="7800476" y="5956136"/>
+            <a:ext cx="770468" cy="365125"/>
+          </a:xfrm>
+          <a:prstGeom prst="rect">
+            <a:avLst/>
+          </a:prstGeom>
+        </p:spPr>
+        <p:txBody>
+          <a:bodyPr/>
+          <a:lstStyle>
+            <a:lvl1pPr>
+              <a:defRPr>
+                <a:solidFill>
+                  <a:schemeClr val="accent1">
+                    <a:lumMod val="75000"/>
+                    <a:lumOff val="25000"/>
+                  </a:schemeClr>
+                </a:solidFill>
+              </a:defRPr>
+            </a:lvl1pPr>
+          </a:lstStyle>
+          <a:p>
+            <a:fld id="{4DBC7FC8-25FB-FC45-8177-2B991DA6778C}" type="slidenum">
+              <a:rPr lang="en-US" smtClean="0"/>
+              <a:t>‹#›</a:t>
+            </a:fld>
+            <a:endParaRPr lang="en-US"/>
+          </a:p>
+        </p:txBody>
+      </p:sp>
+    </p:spTree>
+    <p:extLst>
+      <p:ext uri="{BB962C8B-B14F-4D97-AF65-F5344CB8AC3E}">
+        <p14:creationId xmlns:p14="http://schemas.microsoft.com/office/powerpoint/2010/main" val="3554870534"/>
+      </p:ext>
+    </p:extLst>
+  </p:cSld>
+  <p:clrMapOvr>
+    <a:masterClrMapping/>
+  </p:clrMapOvr>
+</p:sldLayout>
+</file>
+
+<file path=ppt/slideLayouts/slideLayout75.xml><?xml version="1.0" encoding="utf-8"?>
+<p:sldLayout xmlns:a="http://schemas.openxmlformats.org/drawingml/2006/main" xmlns:r="http://schemas.openxmlformats.org/officeDocument/2006/relationships" xmlns:p="http://schemas.openxmlformats.org/presentationml/2006/main" type="picTx" preserve="1">
+  <p:cSld name="Picture with Caption">
+    <p:spTree>
+      <p:nvGrpSpPr>
+        <p:cNvPr id="1" name=""/>
+        <p:cNvGrpSpPr/>
+        <p:nvPr/>
+      </p:nvGrpSpPr>
+      <p:grpSpPr>
+        <a:xfrm>
+          <a:off x="0" y="0"/>
+          <a:ext cx="0" cy="0"/>
+          <a:chOff x="0" y="0"/>
+          <a:chExt cx="0" cy="0"/>
+        </a:xfrm>
+      </p:grpSpPr>
+      <p:sp>
+        <p:nvSpPr>
+          <p:cNvPr id="2" name="Title 1"/>
+          <p:cNvSpPr>
+            <a:spLocks noGrp="1"/>
+          </p:cNvSpPr>
+          <p:nvPr>
+            <p:ph type="title"/>
+          </p:nvPr>
+        </p:nvSpPr>
+        <p:spPr>
+          <a:xfrm>
+            <a:off x="581192" y="4693389"/>
+            <a:ext cx="7989752" cy="566738"/>
+          </a:xfrm>
+        </p:spPr>
+        <p:txBody>
+          <a:bodyPr anchor="b">
+            <a:normAutofit/>
+          </a:bodyPr>
+          <a:lstStyle>
+            <a:lvl1pPr algn="l">
+              <a:defRPr sz="2400" b="0">
+                <a:solidFill>
+                  <a:schemeClr val="accent1"/>
+                </a:solidFill>
+              </a:defRPr>
+            </a:lvl1pPr>
+          </a:lstStyle>
+          <a:p>
+            <a:r>
+              <a:rPr lang="en-US"/>
+              <a:t>Click to edit Master title style</a:t>
+            </a:r>
+            <a:endParaRPr lang="en-US" dirty="0"/>
+          </a:p>
+        </p:txBody>
+      </p:sp>
+      <p:sp>
+        <p:nvSpPr>
+          <p:cNvPr id="3" name="Picture Placeholder 2"/>
+          <p:cNvSpPr>
+            <a:spLocks noGrp="1" noChangeAspect="1"/>
+          </p:cNvSpPr>
+          <p:nvPr>
+            <p:ph type="pic" idx="1"/>
+          </p:nvPr>
+        </p:nvSpPr>
+        <p:spPr>
+          <a:xfrm>
+            <a:off x="448093" y="599725"/>
+            <a:ext cx="8238706" cy="3557252"/>
+          </a:xfrm>
+        </p:spPr>
+        <p:txBody>
+          <a:bodyPr anchor="t">
+            <a:normAutofit/>
+          </a:bodyPr>
+          <a:lstStyle>
+            <a:lvl1pPr marL="0" indent="0" algn="ctr">
+              <a:buNone/>
+              <a:defRPr sz="1600"/>
+            </a:lvl1pPr>
+            <a:lvl2pPr marL="457200" indent="0">
+              <a:buNone/>
+              <a:defRPr sz="1600"/>
+            </a:lvl2pPr>
+            <a:lvl3pPr marL="914400" indent="0">
+              <a:buNone/>
+              <a:defRPr sz="1600"/>
+            </a:lvl3pPr>
+            <a:lvl4pPr marL="1371600" indent="0">
+              <a:buNone/>
+              <a:defRPr sz="1600"/>
+            </a:lvl4pPr>
+            <a:lvl5pPr marL="1828800" indent="0">
+              <a:buNone/>
+              <a:defRPr sz="1600"/>
+            </a:lvl5pPr>
+            <a:lvl6pPr marL="2286000" indent="0">
+              <a:buNone/>
+              <a:defRPr sz="1600"/>
+            </a:lvl6pPr>
+            <a:lvl7pPr marL="2743200" indent="0">
+              <a:buNone/>
+              <a:defRPr sz="1600"/>
+            </a:lvl7pPr>
+            <a:lvl8pPr marL="3200400" indent="0">
+              <a:buNone/>
+              <a:defRPr sz="1600"/>
+            </a:lvl8pPr>
+            <a:lvl9pPr marL="3657600" indent="0">
+              <a:buNone/>
+              <a:defRPr sz="1600"/>
+            </a:lvl9pPr>
+          </a:lstStyle>
+          <a:p>
+            <a:r>
+              <a:rPr lang="en-US"/>
+              <a:t>Click icon to add picture</a:t>
+            </a:r>
+            <a:endParaRPr lang="en-US" dirty="0"/>
+          </a:p>
+        </p:txBody>
+      </p:sp>
+      <p:sp>
+        <p:nvSpPr>
+          <p:cNvPr id="4" name="Text Placeholder 3"/>
+          <p:cNvSpPr>
+            <a:spLocks noGrp="1"/>
+          </p:cNvSpPr>
+          <p:nvPr>
+            <p:ph type="body" sz="half" idx="2"/>
+          </p:nvPr>
+        </p:nvSpPr>
+        <p:spPr>
+          <a:xfrm>
+            <a:off x="581192" y="5260126"/>
+            <a:ext cx="7989752" cy="598671"/>
+          </a:xfrm>
+        </p:spPr>
+        <p:txBody>
+          <a:bodyPr>
+            <a:normAutofit/>
+          </a:bodyPr>
+          <a:lstStyle>
+            <a:lvl1pPr marL="0" indent="0">
+              <a:buNone/>
+              <a:defRPr sz="1200"/>
+            </a:lvl1pPr>
+            <a:lvl2pPr marL="457200" indent="0">
+              <a:buNone/>
+              <a:defRPr sz="1200"/>
+            </a:lvl2pPr>
+            <a:lvl3pPr marL="914400" indent="0">
+              <a:buNone/>
+              <a:defRPr sz="1000"/>
+            </a:lvl3pPr>
+            <a:lvl4pPr marL="1371600" indent="0">
+              <a:buNone/>
+              <a:defRPr sz="900"/>
+            </a:lvl4pPr>
+            <a:lvl5pPr marL="1828800" indent="0">
+              <a:buNone/>
+              <a:defRPr sz="900"/>
+            </a:lvl5pPr>
+            <a:lvl6pPr marL="2286000" indent="0">
+              <a:buNone/>
+              <a:defRPr sz="900"/>
+            </a:lvl6pPr>
+            <a:lvl7pPr marL="2743200" indent="0">
+              <a:buNone/>
+              <a:defRPr sz="900"/>
+            </a:lvl7pPr>
+            <a:lvl8pPr marL="3200400" indent="0">
+              <a:buNone/>
+              <a:defRPr sz="900"/>
+            </a:lvl8pPr>
+            <a:lvl9pPr marL="3657600" indent="0">
+              <a:buNone/>
+              <a:defRPr sz="900"/>
+            </a:lvl9pPr>
+          </a:lstStyle>
+          <a:p>
+            <a:pPr lvl="0"/>
+            <a:r>
+              <a:rPr lang="en-US"/>
+              <a:t>Edit Master text styles</a:t>
+            </a:r>
+          </a:p>
+        </p:txBody>
+      </p:sp>
+      <p:sp>
+        <p:nvSpPr>
+          <p:cNvPr id="5" name="Date Placeholder 4"/>
+          <p:cNvSpPr>
+            <a:spLocks noGrp="1"/>
+          </p:cNvSpPr>
+          <p:nvPr>
+            <p:ph type="dt" sz="half" idx="10"/>
+          </p:nvPr>
+        </p:nvSpPr>
+        <p:spPr>
+          <a:xfrm>
+            <a:off x="5559327" y="5956136"/>
+            <a:ext cx="2133600" cy="365125"/>
+          </a:xfrm>
+          <a:prstGeom prst="rect">
+            <a:avLst/>
+          </a:prstGeom>
+        </p:spPr>
+        <p:txBody>
+          <a:bodyPr/>
+          <a:lstStyle/>
+          <a:p>
+            <a:fld id="{3CE052CD-9118-47A2-9854-8A121C4E75A3}" type="datetime1">
+              <a:rPr lang="en-US" smtClean="0"/>
+              <a:t>6/11/18</a:t>
+            </a:fld>
+            <a:endParaRPr lang="en-US"/>
+          </a:p>
+        </p:txBody>
+      </p:sp>
+      <p:sp>
+        <p:nvSpPr>
+          <p:cNvPr id="6" name="Footer Placeholder 5"/>
+          <p:cNvSpPr>
+            <a:spLocks noGrp="1"/>
+          </p:cNvSpPr>
+          <p:nvPr>
+            <p:ph type="ftr" sz="quarter" idx="11"/>
+          </p:nvPr>
+        </p:nvSpPr>
+        <p:spPr>
+          <a:xfrm>
+            <a:off x="581192" y="5951810"/>
+            <a:ext cx="4870585" cy="365125"/>
+          </a:xfrm>
+          <a:prstGeom prst="rect">
+            <a:avLst/>
+          </a:prstGeom>
+        </p:spPr>
+        <p:txBody>
+          <a:bodyPr/>
+          <a:lstStyle/>
+          <a:p>
+            <a:r>
+              <a:rPr lang="en-US"/>
+              <a:t>© 2016 EV3Lessons.com, Last Edit 6/11/2018</a:t>
+            </a:r>
+          </a:p>
+        </p:txBody>
+      </p:sp>
+      <p:sp>
+        <p:nvSpPr>
+          <p:cNvPr id="7" name="Slide Number Placeholder 6"/>
+          <p:cNvSpPr>
+            <a:spLocks noGrp="1"/>
+          </p:cNvSpPr>
+          <p:nvPr>
+            <p:ph type="sldNum" sz="quarter" idx="12"/>
+          </p:nvPr>
+        </p:nvSpPr>
+        <p:spPr>
+          <a:xfrm>
+            <a:off x="7800476" y="5956136"/>
+            <a:ext cx="770468" cy="365125"/>
+          </a:xfrm>
+          <a:prstGeom prst="rect">
+            <a:avLst/>
+          </a:prstGeom>
+        </p:spPr>
+        <p:txBody>
+          <a:bodyPr/>
+          <a:lstStyle/>
+          <a:p>
+            <a:fld id="{4DBC7FC8-25FB-FC45-8177-2B991DA6778C}" type="slidenum">
+              <a:rPr lang="en-US" smtClean="0"/>
+              <a:t>‹#›</a:t>
+            </a:fld>
+            <a:endParaRPr lang="en-US"/>
+          </a:p>
+        </p:txBody>
+      </p:sp>
+    </p:spTree>
+    <p:extLst>
+      <p:ext uri="{BB962C8B-B14F-4D97-AF65-F5344CB8AC3E}">
+        <p14:creationId xmlns:p14="http://schemas.microsoft.com/office/powerpoint/2010/main" val="2297587232"/>
+      </p:ext>
+    </p:extLst>
+  </p:cSld>
+  <p:clrMapOvr>
+    <a:masterClrMapping/>
+  </p:clrMapOvr>
+</p:sldLayout>
+</file>
+
+<file path=ppt/slideLayouts/slideLayout76.xml><?xml version="1.0" encoding="utf-8"?>
+<p:sldLayout xmlns:a="http://schemas.openxmlformats.org/drawingml/2006/main" xmlns:r="http://schemas.openxmlformats.org/officeDocument/2006/relationships" xmlns:p="http://schemas.openxmlformats.org/presentationml/2006/main" type="vertTx" preserve="1">
+  <p:cSld name="Title and Vertical Text">
+    <p:spTree>
+      <p:nvGrpSpPr>
+        <p:cNvPr id="1" name=""/>
+        <p:cNvGrpSpPr/>
+        <p:nvPr/>
+      </p:nvGrpSpPr>
+      <p:grpSpPr>
+        <a:xfrm>
+          <a:off x="0" y="0"/>
+          <a:ext cx="0" cy="0"/>
+          <a:chOff x="0" y="0"/>
+          <a:chExt cx="0" cy="0"/>
+        </a:xfrm>
+      </p:grpSpPr>
+      <p:sp>
+        <p:nvSpPr>
+          <p:cNvPr id="7" name="Rectangle 6"/>
+          <p:cNvSpPr>
+            <a:spLocks noChangeAspect="1"/>
+          </p:cNvSpPr>
+          <p:nvPr/>
+        </p:nvSpPr>
+        <p:spPr>
+          <a:xfrm>
+            <a:off x="448092" y="599725"/>
+            <a:ext cx="8238707" cy="1258827"/>
+          </a:xfrm>
+          <a:prstGeom prst="rect">
+            <a:avLst/>
+          </a:prstGeom>
+          <a:solidFill>
+            <a:schemeClr val="accent1"/>
+          </a:solidFill>
+          <a:ln>
+            <a:noFill/>
+          </a:ln>
+          <a:effectLst/>
+        </p:spPr>
+        <p:style>
+          <a:lnRef idx="1">
+            <a:schemeClr val="accent1"/>
+          </a:lnRef>
+          <a:fillRef idx="3">
+            <a:schemeClr val="accent1"/>
+          </a:fillRef>
+          <a:effectRef idx="2">
+            <a:schemeClr val="accent1"/>
+          </a:effectRef>
+          <a:fontRef idx="minor">
+            <a:schemeClr val="lt1"/>
+          </a:fontRef>
+        </p:style>
+      </p:sp>
+      <p:sp>
+        <p:nvSpPr>
+          <p:cNvPr id="2" name="Title 1"/>
+          <p:cNvSpPr>
+            <a:spLocks noGrp="1"/>
+          </p:cNvSpPr>
+          <p:nvPr>
+            <p:ph type="title"/>
+          </p:nvPr>
+        </p:nvSpPr>
+        <p:spPr/>
+        <p:txBody>
+          <a:bodyPr/>
+          <a:lstStyle/>
+          <a:p>
+            <a:r>
+              <a:rPr lang="en-US"/>
+              <a:t>Click to edit Master title style</a:t>
+            </a:r>
+            <a:endParaRPr lang="en-US" dirty="0"/>
+          </a:p>
+        </p:txBody>
+      </p:sp>
+      <p:sp>
+        <p:nvSpPr>
+          <p:cNvPr id="3" name="Vertical Text Placeholder 2"/>
+          <p:cNvSpPr>
+            <a:spLocks noGrp="1"/>
+          </p:cNvSpPr>
+          <p:nvPr>
+            <p:ph type="body" orient="vert" idx="1"/>
+          </p:nvPr>
+        </p:nvSpPr>
+        <p:spPr/>
+        <p:txBody>
+          <a:bodyPr vert="eaVert" anchor="t"/>
+          <a:lstStyle>
+            <a:lvl1pPr algn="l">
+              <a:defRPr/>
+            </a:lvl1pPr>
+            <a:lvl2pPr algn="l">
+              <a:defRPr/>
+            </a:lvl2pPr>
+            <a:lvl3pPr algn="l">
+              <a:defRPr/>
+            </a:lvl3pPr>
+            <a:lvl4pPr algn="l">
+              <a:defRPr/>
+            </a:lvl4pPr>
+            <a:lvl5pPr algn="l">
+              <a:defRPr/>
+            </a:lvl5pPr>
+          </a:lstStyle>
+          <a:p>
+            <a:pPr lvl="0"/>
+            <a:r>
+              <a:rPr lang="en-US"/>
+              <a:t>Edit Master text styles</a:t>
+            </a:r>
+          </a:p>
+          <a:p>
+            <a:pPr lvl="1"/>
+            <a:r>
+              <a:rPr lang="en-US"/>
+              <a:t>Second level</a:t>
+            </a:r>
+          </a:p>
+          <a:p>
+            <a:pPr lvl="2"/>
+            <a:r>
+              <a:rPr lang="en-US"/>
+              <a:t>Third level</a:t>
+            </a:r>
+          </a:p>
+          <a:p>
+            <a:pPr lvl="3"/>
+            <a:r>
+              <a:rPr lang="en-US"/>
+              <a:t>Fourth level</a:t>
+            </a:r>
+          </a:p>
+          <a:p>
+            <a:pPr lvl="4"/>
+            <a:r>
+              <a:rPr lang="en-US"/>
+              <a:t>Fifth level</a:t>
+            </a:r>
+            <a:endParaRPr lang="en-US" dirty="0"/>
+          </a:p>
+        </p:txBody>
+      </p:sp>
+      <p:sp>
+        <p:nvSpPr>
+          <p:cNvPr id="4" name="Date Placeholder 3"/>
+          <p:cNvSpPr>
+            <a:spLocks noGrp="1"/>
+          </p:cNvSpPr>
+          <p:nvPr>
+            <p:ph type="dt" sz="half" idx="10"/>
+          </p:nvPr>
+        </p:nvSpPr>
+        <p:spPr>
+          <a:xfrm>
+            <a:off x="5559327" y="5956136"/>
+            <a:ext cx="2133600" cy="365125"/>
+          </a:xfrm>
+          <a:prstGeom prst="rect">
+            <a:avLst/>
+          </a:prstGeom>
+        </p:spPr>
+        <p:txBody>
+          <a:bodyPr/>
+          <a:lstStyle/>
+          <a:p>
+            <a:fld id="{B17D69C3-2F5C-4BDE-90B1-B2226CE04944}" type="datetime1">
+              <a:rPr lang="en-US" smtClean="0"/>
+              <a:t>6/11/18</a:t>
+            </a:fld>
+            <a:endParaRPr lang="en-US"/>
+          </a:p>
+        </p:txBody>
+      </p:sp>
+      <p:sp>
+        <p:nvSpPr>
+          <p:cNvPr id="5" name="Footer Placeholder 4"/>
+          <p:cNvSpPr>
+            <a:spLocks noGrp="1"/>
+          </p:cNvSpPr>
+          <p:nvPr>
+            <p:ph type="ftr" sz="quarter" idx="11"/>
+          </p:nvPr>
+        </p:nvSpPr>
+        <p:spPr>
+          <a:xfrm>
+            <a:off x="581192" y="5951810"/>
+            <a:ext cx="4870585" cy="365125"/>
+          </a:xfrm>
+          <a:prstGeom prst="rect">
+            <a:avLst/>
+          </a:prstGeom>
+        </p:spPr>
+        <p:txBody>
+          <a:bodyPr/>
+          <a:lstStyle/>
+          <a:p>
+            <a:r>
+              <a:rPr lang="en-US"/>
+              <a:t>© 2016 EV3Lessons.com, Last Edit 6/11/2018</a:t>
+            </a:r>
+          </a:p>
+        </p:txBody>
+      </p:sp>
+      <p:sp>
+        <p:nvSpPr>
+          <p:cNvPr id="6" name="Slide Number Placeholder 5"/>
+          <p:cNvSpPr>
+            <a:spLocks noGrp="1"/>
+          </p:cNvSpPr>
+          <p:nvPr>
+            <p:ph type="sldNum" sz="quarter" idx="12"/>
+          </p:nvPr>
+        </p:nvSpPr>
+        <p:spPr>
+          <a:xfrm>
+            <a:off x="7800476" y="5956136"/>
+            <a:ext cx="770468" cy="365125"/>
+          </a:xfrm>
+          <a:prstGeom prst="rect">
+            <a:avLst/>
+          </a:prstGeom>
+        </p:spPr>
+        <p:txBody>
+          <a:bodyPr/>
+          <a:lstStyle/>
+          <a:p>
+            <a:fld id="{4DBC7FC8-25FB-FC45-8177-2B991DA6778C}" type="slidenum">
+              <a:rPr lang="en-US" smtClean="0"/>
+              <a:t>‹#›</a:t>
+            </a:fld>
+            <a:endParaRPr lang="en-US"/>
+          </a:p>
+        </p:txBody>
+      </p:sp>
+    </p:spTree>
+    <p:extLst>
+      <p:ext uri="{BB962C8B-B14F-4D97-AF65-F5344CB8AC3E}">
+        <p14:creationId xmlns:p14="http://schemas.microsoft.com/office/powerpoint/2010/main" val="1687024786"/>
+      </p:ext>
+    </p:extLst>
+  </p:cSld>
+  <p:clrMapOvr>
+    <a:masterClrMapping/>
+  </p:clrMapOvr>
+</p:sldLayout>
+</file>
+
+<file path=ppt/slideLayouts/slideLayout77.xml><?xml version="1.0" encoding="utf-8"?>
+<p:sldLayout xmlns:a="http://schemas.openxmlformats.org/drawingml/2006/main" xmlns:r="http://schemas.openxmlformats.org/officeDocument/2006/relationships" xmlns:p="http://schemas.openxmlformats.org/presentationml/2006/main" type="vertTitleAndTx" preserve="1">
+  <p:cSld name="Vertical Title and Text">
+    <p:spTree>
+      <p:nvGrpSpPr>
+        <p:cNvPr id="1" name=""/>
+        <p:cNvGrpSpPr/>
+        <p:nvPr/>
+      </p:nvGrpSpPr>
+      <p:grpSpPr>
+        <a:xfrm>
+          <a:off x="0" y="0"/>
+          <a:ext cx="0" cy="0"/>
+          <a:chOff x="0" y="0"/>
+          <a:chExt cx="0" cy="0"/>
+        </a:xfrm>
+      </p:grpSpPr>
+      <p:sp>
+        <p:nvSpPr>
+          <p:cNvPr id="7" name="Rectangle 6"/>
+          <p:cNvSpPr>
+            <a:spLocks noChangeAspect="1"/>
+          </p:cNvSpPr>
+          <p:nvPr/>
+        </p:nvSpPr>
+        <p:spPr>
+          <a:xfrm>
+            <a:off x="6629400" y="599725"/>
+            <a:ext cx="2057399" cy="5816950"/>
+          </a:xfrm>
+          <a:prstGeom prst="rect">
+            <a:avLst/>
+          </a:prstGeom>
+          <a:solidFill>
+            <a:schemeClr val="accent1"/>
+          </a:solidFill>
+          <a:ln>
+            <a:noFill/>
+          </a:ln>
+          <a:effectLst/>
+        </p:spPr>
+        <p:style>
+          <a:lnRef idx="1">
+            <a:schemeClr val="accent1"/>
+          </a:lnRef>
+          <a:fillRef idx="3">
+            <a:schemeClr val="accent1"/>
+          </a:fillRef>
+          <a:effectRef idx="2">
+            <a:schemeClr val="accent1"/>
+          </a:effectRef>
+          <a:fontRef idx="minor">
+            <a:schemeClr val="lt1"/>
+          </a:fontRef>
+        </p:style>
+      </p:sp>
+      <p:sp>
+        <p:nvSpPr>
+          <p:cNvPr id="2" name="Vertical Title 1"/>
+          <p:cNvSpPr>
+            <a:spLocks noGrp="1"/>
+          </p:cNvSpPr>
+          <p:nvPr>
+            <p:ph type="title" orient="vert"/>
+          </p:nvPr>
+        </p:nvSpPr>
+        <p:spPr>
+          <a:xfrm>
+            <a:off x="6629400" y="675725"/>
+            <a:ext cx="1503123" cy="5183073"/>
+          </a:xfrm>
+        </p:spPr>
+        <p:txBody>
+          <a:bodyPr vert="eaVert"/>
+          <a:lstStyle/>
+          <a:p>
+            <a:r>
+              <a:rPr lang="en-US"/>
+              <a:t>Click to edit Master title style</a:t>
+            </a:r>
+            <a:endParaRPr lang="en-US" dirty="0"/>
+          </a:p>
+        </p:txBody>
+      </p:sp>
+      <p:sp>
+        <p:nvSpPr>
+          <p:cNvPr id="3" name="Vertical Text Placeholder 2"/>
+          <p:cNvSpPr>
+            <a:spLocks noGrp="1"/>
+          </p:cNvSpPr>
+          <p:nvPr>
+            <p:ph type="body" orient="vert" idx="1"/>
+          </p:nvPr>
+        </p:nvSpPr>
+        <p:spPr>
+          <a:xfrm>
+            <a:off x="581192" y="675725"/>
+            <a:ext cx="5922209" cy="5183073"/>
+          </a:xfrm>
+        </p:spPr>
+        <p:txBody>
+          <a:bodyPr vert="eaVert" anchor="t"/>
+          <a:lstStyle/>
+          <a:p>
+            <a:pPr lvl="0"/>
+            <a:r>
+              <a:rPr lang="en-US"/>
+              <a:t>Edit Master text styles</a:t>
+            </a:r>
+          </a:p>
+          <a:p>
+            <a:pPr lvl="1"/>
+            <a:r>
+              <a:rPr lang="en-US"/>
+              <a:t>Second level</a:t>
+            </a:r>
+          </a:p>
+          <a:p>
+            <a:pPr lvl="2"/>
+            <a:r>
+              <a:rPr lang="en-US"/>
+              <a:t>Third level</a:t>
+            </a:r>
+          </a:p>
+          <a:p>
+            <a:pPr lvl="3"/>
+            <a:r>
+              <a:rPr lang="en-US"/>
+              <a:t>Fourth level</a:t>
+            </a:r>
+          </a:p>
+          <a:p>
+            <a:pPr lvl="4"/>
+            <a:r>
+              <a:rPr lang="en-US"/>
+              <a:t>Fifth level</a:t>
+            </a:r>
+            <a:endParaRPr lang="en-US" dirty="0"/>
+          </a:p>
+        </p:txBody>
+      </p:sp>
+      <p:sp>
+        <p:nvSpPr>
+          <p:cNvPr id="4" name="Date Placeholder 3"/>
+          <p:cNvSpPr>
+            <a:spLocks noGrp="1"/>
+          </p:cNvSpPr>
+          <p:nvPr>
+            <p:ph type="dt" sz="half" idx="10"/>
+          </p:nvPr>
+        </p:nvSpPr>
+        <p:spPr>
+          <a:xfrm>
+            <a:off x="6745255" y="5956136"/>
+            <a:ext cx="947672" cy="365125"/>
+          </a:xfrm>
+          <a:prstGeom prst="rect">
+            <a:avLst/>
+          </a:prstGeom>
+        </p:spPr>
+        <p:txBody>
+          <a:bodyPr/>
+          <a:lstStyle>
+            <a:lvl1pPr>
+              <a:defRPr>
+                <a:solidFill>
+                  <a:schemeClr val="accent1">
+                    <a:lumMod val="75000"/>
+                    <a:lumOff val="25000"/>
+                  </a:schemeClr>
+                </a:solidFill>
+              </a:defRPr>
+            </a:lvl1pPr>
+          </a:lstStyle>
+          <a:p>
+            <a:fld id="{D78C179A-0690-44AC-AFE8-78EB032401F9}" type="datetime1">
+              <a:rPr lang="en-US" smtClean="0"/>
+              <a:t>6/11/18</a:t>
+            </a:fld>
+            <a:endParaRPr lang="en-US"/>
+          </a:p>
+        </p:txBody>
+      </p:sp>
+      <p:sp>
+        <p:nvSpPr>
+          <p:cNvPr id="5" name="Footer Placeholder 4"/>
+          <p:cNvSpPr>
+            <a:spLocks noGrp="1"/>
+          </p:cNvSpPr>
+          <p:nvPr>
+            <p:ph type="ftr" sz="quarter" idx="11"/>
+          </p:nvPr>
+        </p:nvSpPr>
+        <p:spPr>
+          <a:xfrm>
+            <a:off x="581192" y="5951810"/>
+            <a:ext cx="5922209" cy="365125"/>
+          </a:xfrm>
+          <a:prstGeom prst="rect">
+            <a:avLst/>
+          </a:prstGeom>
+        </p:spPr>
+        <p:txBody>
+          <a:bodyPr/>
+          <a:lstStyle/>
+          <a:p>
+            <a:r>
+              <a:rPr lang="en-US"/>
+              <a:t>© 2016 EV3Lessons.com, Last Edit 6/11/2018</a:t>
+            </a:r>
+          </a:p>
+        </p:txBody>
+      </p:sp>
+      <p:sp>
+        <p:nvSpPr>
+          <p:cNvPr id="6" name="Slide Number Placeholder 5"/>
+          <p:cNvSpPr>
+            <a:spLocks noGrp="1"/>
+          </p:cNvSpPr>
+          <p:nvPr>
+            <p:ph type="sldNum" sz="quarter" idx="12"/>
+          </p:nvPr>
+        </p:nvSpPr>
+        <p:spPr>
+          <a:xfrm>
+            <a:off x="7800476" y="5956136"/>
+            <a:ext cx="770468" cy="365125"/>
+          </a:xfrm>
+          <a:prstGeom prst="rect">
+            <a:avLst/>
+          </a:prstGeom>
+        </p:spPr>
+        <p:txBody>
+          <a:bodyPr/>
+          <a:lstStyle>
+            <a:lvl1pPr>
+              <a:defRPr>
+                <a:solidFill>
+                  <a:schemeClr val="accent1">
+                    <a:lumMod val="75000"/>
+                    <a:lumOff val="25000"/>
+                  </a:schemeClr>
+                </a:solidFill>
+              </a:defRPr>
+            </a:lvl1pPr>
+          </a:lstStyle>
+          <a:p>
+            <a:fld id="{4DBC7FC8-25FB-FC45-8177-2B991DA6778C}" type="slidenum">
+              <a:rPr lang="en-US" smtClean="0"/>
+              <a:t>‹#›</a:t>
+            </a:fld>
+            <a:endParaRPr lang="en-US"/>
+          </a:p>
+        </p:txBody>
+      </p:sp>
+    </p:spTree>
+    <p:extLst>
+      <p:ext uri="{BB962C8B-B14F-4D97-AF65-F5344CB8AC3E}">
+        <p14:creationId xmlns:p14="http://schemas.microsoft.com/office/powerpoint/2010/main" val="3582439242"/>
       </p:ext>
     </p:extLst>
   </p:cSld>
@@ -18824,9 +22380,9 @@
           <a:bodyPr/>
           <a:lstStyle/>
           <a:p>
-            <a:fld id="{313F1149-FD70-CE44-8AEC-1E15995A886E}" type="datetime1">
+            <a:fld id="{8E367427-81A5-4D74-BFF9-5D14847F1064}" type="datetime1">
               <a:rPr lang="en-US" smtClean="0"/>
-              <a:t>6/7/18</a:t>
+              <a:t>6/11/18</a:t>
             </a:fld>
             <a:endParaRPr lang="en-US"/>
           </a:p>
@@ -18848,10 +22404,9 @@
           <a:lstStyle/>
           <a:p>
             <a:r>
-              <a:rPr lang="sk-SK"/>
-              <a:t>© 2016 EV3Lessons.com, Last Edit 7/07/2016</a:t>
-            </a:r>
-            <a:endParaRPr lang="en-US"/>
+              <a:rPr lang="en-US"/>
+              <a:t>© 2016 EV3Lessons.com, Last Edit 6/11/2018</a:t>
+            </a:r>
           </a:p>
         </p:txBody>
       </p:sp>
@@ -19125,9 +22680,9 @@
           <a:bodyPr/>
           <a:lstStyle/>
           <a:p>
-            <a:fld id="{CC711253-50FE-5048-BB09-9D4954F6AADE}" type="datetime1">
+            <a:fld id="{F414A4E3-1E59-4DBB-8C6F-97EAC885B5E4}" type="datetime1">
               <a:rPr lang="en-US" smtClean="0"/>
-              <a:t>6/7/18</a:t>
+              <a:t>6/11/18</a:t>
             </a:fld>
             <a:endParaRPr lang="en-US"/>
           </a:p>
@@ -19149,10 +22704,9 @@
           <a:lstStyle/>
           <a:p>
             <a:r>
-              <a:rPr lang="sk-SK"/>
-              <a:t>© 2016 EV3Lessons.com, Last Edit 7/07/2016</a:t>
-            </a:r>
-            <a:endParaRPr lang="en-US"/>
+              <a:rPr lang="en-US"/>
+              <a:t>© 2016 EV3Lessons.com, Last Edit 6/11/2018</a:t>
+            </a:r>
           </a:p>
         </p:txBody>
       </p:sp>
@@ -19427,9 +22981,9 @@
             </a:lvl1pPr>
           </a:lstStyle>
           <a:p>
-            <a:fld id="{ACCB4EE3-CD4C-9249-AB94-8D46119A201F}" type="datetime1">
+            <a:fld id="{A3BA6DEA-5B88-49A9-BC65-11A6DD167CFB}" type="datetime1">
               <a:rPr lang="en-US" smtClean="0"/>
-              <a:t>6/7/18</a:t>
+              <a:t>6/11/18</a:t>
             </a:fld>
             <a:endParaRPr lang="en-US"/>
           </a:p>
@@ -19467,10 +23021,9 @@
           </a:lstStyle>
           <a:p>
             <a:r>
-              <a:rPr lang="sk-SK"/>
-              <a:t>© 2016 EV3Lessons.com, Last Edit 7/07/2016</a:t>
-            </a:r>
-            <a:endParaRPr lang="en-US"/>
+              <a:rPr lang="en-US"/>
+              <a:t>© 2016 EV3Lessons.com, Last Edit 6/11/2018</a:t>
+            </a:r>
           </a:p>
         </p:txBody>
       </p:sp>
@@ -19951,7 +23504,7 @@
     <p:sldLayoutId id="2147483845" r:id="rId10"/>
     <p:sldLayoutId id="2147483846" r:id="rId11"/>
   </p:sldLayoutIdLst>
-  <p:hf hdr="0" dt="0"/>
+  <p:hf sldNum="0" hdr="0" dt="0"/>
   <p:txStyles>
     <p:titleStyle>
       <a:lvl1pPr algn="l" defTabSz="914400" rtl="0" eaLnBrk="1" latinLnBrk="0" hangingPunct="1">
@@ -20380,9 +23933,9 @@
             </a:lvl1pPr>
           </a:lstStyle>
           <a:p>
-            <a:fld id="{81104935-F55F-CE4E-A921-3FDDE24CE656}" type="datetime1">
+            <a:fld id="{7C4A8C9B-C7A3-41AE-95AE-BEDE1F588A10}" type="datetime1">
               <a:rPr lang="en-US" smtClean="0"/>
-              <a:t>6/7/18</a:t>
+              <a:t>6/11/18</a:t>
             </a:fld>
             <a:endParaRPr lang="en-US"/>
           </a:p>
@@ -20420,10 +23973,9 @@
           </a:lstStyle>
           <a:p>
             <a:r>
-              <a:rPr lang="sk-SK"/>
-              <a:t>© 2016 EV3Lessons.com, Last Edit 7/07/2016</a:t>
-            </a:r>
-            <a:endParaRPr lang="en-US"/>
+              <a:rPr lang="en-US"/>
+              <a:t>© 2016 EV3Lessons.com, Last Edit 6/11/2018</a:t>
+            </a:r>
           </a:p>
         </p:txBody>
       </p:sp>
@@ -21010,7 +24562,7 @@
     <p:sldLayoutId id="2147483857" r:id="rId10"/>
     <p:sldLayoutId id="2147483858" r:id="rId11"/>
   </p:sldLayoutIdLst>
-  <p:hf hdr="0" dt="0"/>
+  <p:hf sldNum="0" hdr="0" dt="0"/>
   <p:txStyles>
     <p:titleStyle>
       <a:lvl1pPr algn="l" defTabSz="914400" rtl="0" eaLnBrk="1" latinLnBrk="0" hangingPunct="1">
@@ -21439,9 +24991,9 @@
             </a:lvl1pPr>
           </a:lstStyle>
           <a:p>
-            <a:fld id="{E9F6874A-22B4-0A4D-8B6E-1D004B977C96}" type="datetime1">
+            <a:fld id="{9E9B29AF-DD03-4654-8CC5-F69A8E5F3153}" type="datetime1">
               <a:rPr lang="en-US" smtClean="0"/>
-              <a:t>6/7/18</a:t>
+              <a:t>6/11/18</a:t>
             </a:fld>
             <a:endParaRPr lang="en-US"/>
           </a:p>
@@ -21481,10 +25033,9 @@
           </a:lstStyle>
           <a:p>
             <a:r>
-              <a:rPr lang="sk-SK"/>
-              <a:t>© 2016 EV3Lessons.com, Last Edit 7/07/2016</a:t>
-            </a:r>
-            <a:endParaRPr lang="en-US"/>
+              <a:rPr lang="en-US"/>
+              <a:t>© 2016 EV3Lessons.com, Last Edit 6/11/2018</a:t>
+            </a:r>
           </a:p>
         </p:txBody>
       </p:sp>
@@ -21550,7 +25101,7 @@
     <p:sldLayoutId id="2147483869" r:id="rId10"/>
     <p:sldLayoutId id="2147483870" r:id="rId11"/>
   </p:sldLayoutIdLst>
-  <p:hf hdr="0" dt="0"/>
+  <p:hf sldNum="0" hdr="0" dt="0"/>
   <p:txStyles>
     <p:titleStyle>
       <a:lvl1pPr algn="l" defTabSz="914400" rtl="0" eaLnBrk="1" latinLnBrk="0" hangingPunct="1">
@@ -21982,9 +25533,9 @@
             </a:lvl1pPr>
           </a:lstStyle>
           <a:p>
-            <a:fld id="{CC0C632A-E43A-9546-80CC-3733B685EFF6}" type="datetime1">
+            <a:fld id="{916D8A75-01B7-4DE1-8CA9-333BC726F04B}" type="datetime1">
               <a:rPr lang="en-US" smtClean="0"/>
-              <a:t>6/7/18</a:t>
+              <a:t>6/11/18</a:t>
             </a:fld>
             <a:endParaRPr lang="en-US"/>
           </a:p>
@@ -22022,10 +25573,9 @@
           </a:lstStyle>
           <a:p>
             <a:r>
-              <a:rPr lang="sk-SK"/>
-              <a:t>© 2016 EV3Lessons.com, Last Edit 7/07/2016</a:t>
-            </a:r>
-            <a:endParaRPr lang="en-US"/>
+              <a:rPr lang="en-US"/>
+              <a:t>© 2016 EV3Lessons.com, Last Edit 6/11/2018</a:t>
+            </a:r>
           </a:p>
         </p:txBody>
       </p:sp>
@@ -22923,7 +26473,7 @@
     <p:sldLayoutId id="2147483881" r:id="rId10"/>
     <p:sldLayoutId id="2147483882" r:id="rId11"/>
   </p:sldLayoutIdLst>
-  <p:hf hdr="0" dt="0"/>
+  <p:hf sldNum="0" hdr="0" dt="0"/>
   <p:txStyles>
     <p:titleStyle>
       <a:lvl1pPr algn="l" defTabSz="914400" rtl="0" eaLnBrk="1" latinLnBrk="0" hangingPunct="1">
@@ -23352,9 +26902,9 @@
             </a:lvl1pPr>
           </a:lstStyle>
           <a:p>
-            <a:fld id="{F78E4EF0-DF4C-ED4F-9C08-F87C016B7148}" type="datetime1">
+            <a:fld id="{BF8A700D-7EBF-492A-B35A-E9BCFFC10FA5}" type="datetime1">
               <a:rPr lang="en-US" smtClean="0"/>
-              <a:t>6/7/18</a:t>
+              <a:t>6/11/18</a:t>
             </a:fld>
             <a:endParaRPr lang="en-US"/>
           </a:p>
@@ -23392,10 +26942,9 @@
           </a:lstStyle>
           <a:p>
             <a:r>
-              <a:rPr lang="sk-SK"/>
-              <a:t>© 2016 EV3Lessons.com, Last Edit 7/07/2016</a:t>
-            </a:r>
-            <a:endParaRPr lang="en-US"/>
+              <a:rPr lang="en-US"/>
+              <a:t>© 2016 EV3Lessons.com, Last Edit 6/11/2018</a:t>
+            </a:r>
           </a:p>
         </p:txBody>
       </p:sp>
@@ -24002,7 +27551,7 @@
     <p:sldLayoutId id="2147483893" r:id="rId10"/>
     <p:sldLayoutId id="2147483894" r:id="rId11"/>
   </p:sldLayoutIdLst>
-  <p:hf hdr="0" dt="0"/>
+  <p:hf sldNum="0" hdr="0" dt="0"/>
   <p:txStyles>
     <p:titleStyle>
       <a:lvl1pPr algn="l" defTabSz="914400" rtl="0" eaLnBrk="1" latinLnBrk="0" hangingPunct="1">
@@ -24431,9 +27980,9 @@
             </a:lvl1pPr>
           </a:lstStyle>
           <a:p>
-            <a:fld id="{38D6B916-B43B-E145-8BD2-34FF9B3A8BE9}" type="datetime1">
+            <a:fld id="{AF5F0288-0DF0-47EE-B3B0-41E0E265F2E8}" type="datetime1">
               <a:rPr lang="en-US" smtClean="0"/>
-              <a:t>6/7/18</a:t>
+              <a:t>6/11/18</a:t>
             </a:fld>
             <a:endParaRPr lang="en-US"/>
           </a:p>
@@ -24473,10 +28022,9 @@
           </a:lstStyle>
           <a:p>
             <a:r>
-              <a:rPr lang="sk-SK"/>
-              <a:t>© 2016 EV3Lessons.com, Last Edit 7/07/2016</a:t>
-            </a:r>
-            <a:endParaRPr lang="en-US"/>
+              <a:rPr lang="en-US"/>
+              <a:t>© 2016 EV3Lessons.com, Last Edit 6/11/2018</a:t>
+            </a:r>
           </a:p>
         </p:txBody>
       </p:sp>
@@ -24542,7 +28090,7 @@
     <p:sldLayoutId id="2147483905" r:id="rId10"/>
     <p:sldLayoutId id="2147483906" r:id="rId11"/>
   </p:sldLayoutIdLst>
-  <p:hf hdr="0" dt="0"/>
+  <p:hf sldNum="0" hdr="0" dt="0"/>
   <p:txStyles>
     <p:titleStyle>
       <a:lvl1pPr algn="l" defTabSz="914400" rtl="0" eaLnBrk="1" latinLnBrk="0" hangingPunct="1">
@@ -24826,6 +28374,771 @@
 </p:sldMaster>
 </file>
 
+<file path=ppt/slideMasters/slideMaster7.xml><?xml version="1.0" encoding="utf-8"?>
+<p:sldMaster xmlns:a="http://schemas.openxmlformats.org/drawingml/2006/main" xmlns:r="http://schemas.openxmlformats.org/officeDocument/2006/relationships" xmlns:p="http://schemas.openxmlformats.org/presentationml/2006/main">
+  <p:cSld>
+    <p:bg>
+      <p:bgRef idx="1001">
+        <a:schemeClr val="bg1"/>
+      </p:bgRef>
+    </p:bg>
+    <p:spTree>
+      <p:nvGrpSpPr>
+        <p:cNvPr id="1" name=""/>
+        <p:cNvGrpSpPr/>
+        <p:nvPr/>
+      </p:nvGrpSpPr>
+      <p:grpSpPr>
+        <a:xfrm>
+          <a:off x="0" y="0"/>
+          <a:ext cx="0" cy="0"/>
+          <a:chOff x="0" y="0"/>
+          <a:chExt cx="0" cy="0"/>
+        </a:xfrm>
+      </p:grpSpPr>
+      <p:sp>
+        <p:nvSpPr>
+          <p:cNvPr id="2" name="Title Placeholder 1"/>
+          <p:cNvSpPr>
+            <a:spLocks noGrp="1"/>
+          </p:cNvSpPr>
+          <p:nvPr>
+            <p:ph type="title"/>
+          </p:nvPr>
+        </p:nvSpPr>
+        <p:spPr>
+          <a:xfrm>
+            <a:off x="581192" y="687474"/>
+            <a:ext cx="7989752" cy="1083329"/>
+          </a:xfrm>
+          <a:prstGeom prst="rect">
+            <a:avLst/>
+          </a:prstGeom>
+        </p:spPr>
+        <p:txBody>
+          <a:bodyPr vert="horz" lIns="91440" tIns="45720" rIns="91440" bIns="45720" rtlCol="0" anchor="b">
+            <a:normAutofit/>
+          </a:bodyPr>
+          <a:lstStyle/>
+          <a:p>
+            <a:r>
+              <a:rPr lang="en-US"/>
+              <a:t>Click to edit Master title style</a:t>
+            </a:r>
+            <a:endParaRPr lang="en-US" dirty="0"/>
+          </a:p>
+        </p:txBody>
+      </p:sp>
+      <p:sp>
+        <p:nvSpPr>
+          <p:cNvPr id="3" name="Text Placeholder 2"/>
+          <p:cNvSpPr>
+            <a:spLocks noGrp="1"/>
+          </p:cNvSpPr>
+          <p:nvPr>
+            <p:ph type="body" idx="1"/>
+          </p:nvPr>
+        </p:nvSpPr>
+        <p:spPr>
+          <a:xfrm>
+            <a:off x="581192" y="2228003"/>
+            <a:ext cx="7989752" cy="3630794"/>
+          </a:xfrm>
+          <a:prstGeom prst="rect">
+            <a:avLst/>
+          </a:prstGeom>
+        </p:spPr>
+        <p:txBody>
+          <a:bodyPr vert="horz" lIns="91440" tIns="45720" rIns="91440" bIns="45720" rtlCol="0" anchor="ctr">
+            <a:normAutofit/>
+          </a:bodyPr>
+          <a:lstStyle/>
+          <a:p>
+            <a:pPr lvl="0"/>
+            <a:r>
+              <a:rPr lang="en-US"/>
+              <a:t>Edit Master text styles</a:t>
+            </a:r>
+          </a:p>
+          <a:p>
+            <a:pPr lvl="1"/>
+            <a:r>
+              <a:rPr lang="en-US"/>
+              <a:t>Second level</a:t>
+            </a:r>
+          </a:p>
+          <a:p>
+            <a:pPr lvl="2"/>
+            <a:r>
+              <a:rPr lang="en-US"/>
+              <a:t>Third level</a:t>
+            </a:r>
+          </a:p>
+          <a:p>
+            <a:pPr lvl="3"/>
+            <a:r>
+              <a:rPr lang="en-US"/>
+              <a:t>Fourth level</a:t>
+            </a:r>
+          </a:p>
+          <a:p>
+            <a:pPr lvl="4"/>
+            <a:r>
+              <a:rPr lang="en-US"/>
+              <a:t>Fifth level</a:t>
+            </a:r>
+            <a:endParaRPr lang="en-US" dirty="0"/>
+          </a:p>
+        </p:txBody>
+      </p:sp>
+      <p:sp>
+        <p:nvSpPr>
+          <p:cNvPr id="9" name="Rectangle 8"/>
+          <p:cNvSpPr/>
+          <p:nvPr/>
+        </p:nvSpPr>
+        <p:spPr>
+          <a:xfrm>
+            <a:off x="448091" y="441325"/>
+            <a:ext cx="2719909" cy="108000"/>
+          </a:xfrm>
+          <a:prstGeom prst="rect">
+            <a:avLst/>
+          </a:prstGeom>
+          <a:solidFill>
+            <a:schemeClr val="accent1"/>
+          </a:solidFill>
+          <a:ln>
+            <a:noFill/>
+          </a:ln>
+          <a:effectLst/>
+        </p:spPr>
+        <p:style>
+          <a:lnRef idx="1">
+            <a:schemeClr val="accent1"/>
+          </a:lnRef>
+          <a:fillRef idx="3">
+            <a:schemeClr val="accent1"/>
+          </a:fillRef>
+          <a:effectRef idx="2">
+            <a:schemeClr val="accent1"/>
+          </a:effectRef>
+          <a:fontRef idx="minor">
+            <a:schemeClr val="lt1"/>
+          </a:fontRef>
+        </p:style>
+      </p:sp>
+      <p:sp>
+        <p:nvSpPr>
+          <p:cNvPr id="10" name="Rectangle 9"/>
+          <p:cNvSpPr/>
+          <p:nvPr/>
+        </p:nvSpPr>
+        <p:spPr>
+          <a:xfrm>
+            <a:off x="5976001" y="441325"/>
+            <a:ext cx="2710800" cy="108000"/>
+          </a:xfrm>
+          <a:prstGeom prst="rect">
+            <a:avLst/>
+          </a:prstGeom>
+          <a:solidFill>
+            <a:schemeClr val="accent4"/>
+          </a:solidFill>
+          <a:ln>
+            <a:noFill/>
+          </a:ln>
+          <a:effectLst/>
+        </p:spPr>
+        <p:style>
+          <a:lnRef idx="1">
+            <a:schemeClr val="accent1"/>
+          </a:lnRef>
+          <a:fillRef idx="3">
+            <a:schemeClr val="accent1"/>
+          </a:fillRef>
+          <a:effectRef idx="2">
+            <a:schemeClr val="accent1"/>
+          </a:effectRef>
+          <a:fontRef idx="minor">
+            <a:schemeClr val="lt1"/>
+          </a:fontRef>
+        </p:style>
+      </p:sp>
+      <p:sp>
+        <p:nvSpPr>
+          <p:cNvPr id="11" name="Rectangle 10"/>
+          <p:cNvSpPr/>
+          <p:nvPr/>
+        </p:nvSpPr>
+        <p:spPr>
+          <a:xfrm>
+            <a:off x="3216601" y="441325"/>
+            <a:ext cx="2710800" cy="108000"/>
+          </a:xfrm>
+          <a:prstGeom prst="rect">
+            <a:avLst/>
+          </a:prstGeom>
+          <a:solidFill>
+            <a:schemeClr val="accent2"/>
+          </a:solidFill>
+          <a:ln>
+            <a:noFill/>
+          </a:ln>
+          <a:effectLst/>
+        </p:spPr>
+        <p:style>
+          <a:lnRef idx="1">
+            <a:schemeClr val="accent1"/>
+          </a:lnRef>
+          <a:fillRef idx="3">
+            <a:schemeClr val="accent1"/>
+          </a:fillRef>
+          <a:effectRef idx="2">
+            <a:schemeClr val="accent1"/>
+          </a:effectRef>
+          <a:fontRef idx="minor">
+            <a:schemeClr val="lt1"/>
+          </a:fontRef>
+        </p:style>
+      </p:sp>
+      <p:sp>
+        <p:nvSpPr>
+          <p:cNvPr id="12" name="Date Placeholder 3">
+            <a:extLst>
+              <a:ext uri="{FF2B5EF4-FFF2-40B4-BE49-F238E27FC236}">
+                <a16:creationId xmlns:a16="http://schemas.microsoft.com/office/drawing/2014/main" id="{0AAE8D72-8133-BD4C-9ABB-B6CCBBAC2CA1}"/>
+              </a:ext>
+            </a:extLst>
+          </p:cNvPr>
+          <p:cNvSpPr>
+            <a:spLocks noGrp="1"/>
+          </p:cNvSpPr>
+          <p:nvPr>
+            <p:ph type="dt" sz="half" idx="2"/>
+          </p:nvPr>
+        </p:nvSpPr>
+        <p:spPr>
+          <a:xfrm>
+            <a:off x="5559327" y="6392242"/>
+            <a:ext cx="2133600" cy="365125"/>
+          </a:xfrm>
+          <a:prstGeom prst="rect">
+            <a:avLst/>
+          </a:prstGeom>
+        </p:spPr>
+        <p:txBody>
+          <a:bodyPr/>
+          <a:lstStyle>
+            <a:lvl1pPr>
+              <a:defRPr>
+                <a:solidFill>
+                  <a:schemeClr val="accent1">
+                    <a:lumMod val="75000"/>
+                    <a:lumOff val="25000"/>
+                  </a:schemeClr>
+                </a:solidFill>
+              </a:defRPr>
+            </a:lvl1pPr>
+          </a:lstStyle>
+          <a:p>
+            <a:fld id="{52B68E84-DFC0-4CE3-9986-D9D3225BB17D}" type="datetime1">
+              <a:rPr lang="en-US" smtClean="0"/>
+              <a:t>6/11/18</a:t>
+            </a:fld>
+            <a:endParaRPr lang="en-US"/>
+          </a:p>
+        </p:txBody>
+      </p:sp>
+      <p:sp>
+        <p:nvSpPr>
+          <p:cNvPr id="13" name="Footer Placeholder 4">
+            <a:extLst>
+              <a:ext uri="{FF2B5EF4-FFF2-40B4-BE49-F238E27FC236}">
+                <a16:creationId xmlns:a16="http://schemas.microsoft.com/office/drawing/2014/main" id="{CAB9BFBD-8489-AA40-9E3F-B3F63A8BD518}"/>
+              </a:ext>
+            </a:extLst>
+          </p:cNvPr>
+          <p:cNvSpPr>
+            <a:spLocks noGrp="1"/>
+          </p:cNvSpPr>
+          <p:nvPr>
+            <p:ph type="ftr" sz="quarter" idx="3"/>
+          </p:nvPr>
+        </p:nvSpPr>
+        <p:spPr>
+          <a:xfrm>
+            <a:off x="581192" y="6387916"/>
+            <a:ext cx="4870585" cy="365125"/>
+          </a:xfrm>
+          <a:prstGeom prst="rect">
+            <a:avLst/>
+          </a:prstGeom>
+        </p:spPr>
+        <p:txBody>
+          <a:bodyPr/>
+          <a:lstStyle>
+            <a:lvl1pPr>
+              <a:defRPr>
+                <a:solidFill>
+                  <a:schemeClr val="accent1">
+                    <a:lumMod val="75000"/>
+                    <a:lumOff val="25000"/>
+                  </a:schemeClr>
+                </a:solidFill>
+              </a:defRPr>
+            </a:lvl1pPr>
+          </a:lstStyle>
+          <a:p>
+            <a:r>
+              <a:rPr lang="en-US"/>
+              <a:t>© 2016 EV3Lessons.com, Last Edit 6/11/2018</a:t>
+            </a:r>
+          </a:p>
+        </p:txBody>
+      </p:sp>
+      <p:sp>
+        <p:nvSpPr>
+          <p:cNvPr id="14" name="Slide Number Placeholder 5">
+            <a:extLst>
+              <a:ext uri="{FF2B5EF4-FFF2-40B4-BE49-F238E27FC236}">
+                <a16:creationId xmlns:a16="http://schemas.microsoft.com/office/drawing/2014/main" id="{B04709EF-0344-434E-8D31-15D41ADEE43F}"/>
+              </a:ext>
+            </a:extLst>
+          </p:cNvPr>
+          <p:cNvSpPr>
+            <a:spLocks noGrp="1"/>
+          </p:cNvSpPr>
+          <p:nvPr>
+            <p:ph type="sldNum" sz="quarter" idx="4"/>
+          </p:nvPr>
+        </p:nvSpPr>
+        <p:spPr>
+          <a:xfrm>
+            <a:off x="7800476" y="6392242"/>
+            <a:ext cx="770468" cy="365125"/>
+          </a:xfrm>
+          <a:prstGeom prst="rect">
+            <a:avLst/>
+          </a:prstGeom>
+        </p:spPr>
+        <p:txBody>
+          <a:bodyPr/>
+          <a:lstStyle>
+            <a:lvl1pPr>
+              <a:defRPr>
+                <a:solidFill>
+                  <a:schemeClr val="accent1">
+                    <a:lumMod val="75000"/>
+                    <a:lumOff val="25000"/>
+                  </a:schemeClr>
+                </a:solidFill>
+              </a:defRPr>
+            </a:lvl1pPr>
+          </a:lstStyle>
+          <a:p>
+            <a:fld id="{4DBC7FC8-25FB-FC45-8177-2B991DA6778C}" type="slidenum">
+              <a:rPr lang="en-US" smtClean="0"/>
+              <a:t>‹#›</a:t>
+            </a:fld>
+            <a:endParaRPr lang="en-US"/>
+          </a:p>
+        </p:txBody>
+      </p:sp>
+    </p:spTree>
+    <p:extLst>
+      <p:ext uri="{BB962C8B-B14F-4D97-AF65-F5344CB8AC3E}">
+        <p14:creationId xmlns:p14="http://schemas.microsoft.com/office/powerpoint/2010/main" val="1259774157"/>
+      </p:ext>
+    </p:extLst>
+  </p:cSld>
+  <p:clrMap bg1="lt1" tx1="dk1" bg2="lt2" tx2="dk2" accent1="accent1" accent2="accent2" accent3="accent3" accent4="accent4" accent5="accent5" accent6="accent6" hlink="hlink" folHlink="folHlink"/>
+  <p:sldLayoutIdLst>
+    <p:sldLayoutId id="2147483908" r:id="rId1"/>
+    <p:sldLayoutId id="2147483909" r:id="rId2"/>
+    <p:sldLayoutId id="2147483910" r:id="rId3"/>
+    <p:sldLayoutId id="2147483911" r:id="rId4"/>
+    <p:sldLayoutId id="2147483912" r:id="rId5"/>
+    <p:sldLayoutId id="2147483913" r:id="rId6"/>
+    <p:sldLayoutId id="2147483914" r:id="rId7"/>
+    <p:sldLayoutId id="2147483915" r:id="rId8"/>
+    <p:sldLayoutId id="2147483916" r:id="rId9"/>
+    <p:sldLayoutId id="2147483917" r:id="rId10"/>
+    <p:sldLayoutId id="2147483918" r:id="rId11"/>
+  </p:sldLayoutIdLst>
+  <p:hf sldNum="0" hdr="0" dt="0"/>
+  <p:txStyles>
+    <p:titleStyle>
+      <a:lvl1pPr algn="l" defTabSz="457200" rtl="0" eaLnBrk="1" latinLnBrk="0" hangingPunct="1">
+        <a:spcBef>
+          <a:spcPct val="0"/>
+        </a:spcBef>
+        <a:buNone/>
+        <a:defRPr sz="2800" b="0" kern="1200" cap="all">
+          <a:solidFill>
+            <a:schemeClr val="bg1"/>
+          </a:solidFill>
+          <a:latin typeface="+mj-lt"/>
+          <a:ea typeface="+mj-ea"/>
+          <a:cs typeface="+mj-cs"/>
+        </a:defRPr>
+      </a:lvl1pPr>
+      <a:lvl2pPr eaLnBrk="1" hangingPunct="1">
+        <a:defRPr>
+          <a:solidFill>
+            <a:schemeClr val="tx2"/>
+          </a:solidFill>
+        </a:defRPr>
+      </a:lvl2pPr>
+      <a:lvl3pPr eaLnBrk="1" hangingPunct="1">
+        <a:defRPr>
+          <a:solidFill>
+            <a:schemeClr val="tx2"/>
+          </a:solidFill>
+        </a:defRPr>
+      </a:lvl3pPr>
+      <a:lvl4pPr eaLnBrk="1" hangingPunct="1">
+        <a:defRPr>
+          <a:solidFill>
+            <a:schemeClr val="tx2"/>
+          </a:solidFill>
+        </a:defRPr>
+      </a:lvl4pPr>
+      <a:lvl5pPr eaLnBrk="1" hangingPunct="1">
+        <a:defRPr>
+          <a:solidFill>
+            <a:schemeClr val="tx2"/>
+          </a:solidFill>
+        </a:defRPr>
+      </a:lvl5pPr>
+      <a:lvl6pPr eaLnBrk="1" hangingPunct="1">
+        <a:defRPr>
+          <a:solidFill>
+            <a:schemeClr val="tx2"/>
+          </a:solidFill>
+        </a:defRPr>
+      </a:lvl6pPr>
+      <a:lvl7pPr eaLnBrk="1" hangingPunct="1">
+        <a:defRPr>
+          <a:solidFill>
+            <a:schemeClr val="tx2"/>
+          </a:solidFill>
+        </a:defRPr>
+      </a:lvl7pPr>
+      <a:lvl8pPr eaLnBrk="1" hangingPunct="1">
+        <a:defRPr>
+          <a:solidFill>
+            <a:schemeClr val="tx2"/>
+          </a:solidFill>
+        </a:defRPr>
+      </a:lvl8pPr>
+      <a:lvl9pPr eaLnBrk="1" hangingPunct="1">
+        <a:defRPr>
+          <a:solidFill>
+            <a:schemeClr val="tx2"/>
+          </a:solidFill>
+        </a:defRPr>
+      </a:lvl9pPr>
+    </p:titleStyle>
+    <p:bodyStyle>
+      <a:lvl1pPr marL="306000" indent="-306000" algn="l" defTabSz="457200" rtl="0" eaLnBrk="1" latinLnBrk="0" hangingPunct="1">
+        <a:spcBef>
+          <a:spcPct val="20000"/>
+        </a:spcBef>
+        <a:spcAft>
+          <a:spcPts val="600"/>
+        </a:spcAft>
+        <a:buClr>
+          <a:schemeClr val="accent2"/>
+        </a:buClr>
+        <a:buSzPct val="92000"/>
+        <a:buFont typeface="Wingdings 2" panose="05020102010507070707" pitchFamily="18" charset="2"/>
+        <a:buChar char=""/>
+        <a:defRPr sz="1800" kern="1200">
+          <a:solidFill>
+            <a:schemeClr val="tx2"/>
+          </a:solidFill>
+          <a:latin typeface="+mn-lt"/>
+          <a:ea typeface="+mn-ea"/>
+          <a:cs typeface="+mn-cs"/>
+        </a:defRPr>
+      </a:lvl1pPr>
+      <a:lvl2pPr marL="630000" indent="-306000" algn="l" defTabSz="457200" rtl="0" eaLnBrk="1" latinLnBrk="0" hangingPunct="1">
+        <a:spcBef>
+          <a:spcPct val="20000"/>
+        </a:spcBef>
+        <a:spcAft>
+          <a:spcPts val="600"/>
+        </a:spcAft>
+        <a:buClr>
+          <a:schemeClr val="accent2"/>
+        </a:buClr>
+        <a:buSzPct val="92000"/>
+        <a:buFont typeface="Wingdings 2" panose="05020102010507070707" pitchFamily="18" charset="2"/>
+        <a:buChar char=""/>
+        <a:defRPr sz="1600" kern="1200">
+          <a:solidFill>
+            <a:schemeClr val="tx2"/>
+          </a:solidFill>
+          <a:latin typeface="+mn-lt"/>
+          <a:ea typeface="+mn-ea"/>
+          <a:cs typeface="+mn-cs"/>
+        </a:defRPr>
+      </a:lvl2pPr>
+      <a:lvl3pPr marL="900000" indent="-270000" algn="l" defTabSz="457200" rtl="0" eaLnBrk="1" latinLnBrk="0" hangingPunct="1">
+        <a:spcBef>
+          <a:spcPct val="20000"/>
+        </a:spcBef>
+        <a:spcAft>
+          <a:spcPts val="600"/>
+        </a:spcAft>
+        <a:buClr>
+          <a:schemeClr val="accent2"/>
+        </a:buClr>
+        <a:buSzPct val="92000"/>
+        <a:buFont typeface="Wingdings 2" panose="05020102010507070707" pitchFamily="18" charset="2"/>
+        <a:buChar char=""/>
+        <a:defRPr sz="1400" kern="1200">
+          <a:solidFill>
+            <a:schemeClr val="tx2"/>
+          </a:solidFill>
+          <a:latin typeface="+mn-lt"/>
+          <a:ea typeface="+mn-ea"/>
+          <a:cs typeface="+mn-cs"/>
+        </a:defRPr>
+      </a:lvl3pPr>
+      <a:lvl4pPr marL="1242000" indent="-234000" algn="l" defTabSz="457200" rtl="0" eaLnBrk="1" latinLnBrk="0" hangingPunct="1">
+        <a:spcBef>
+          <a:spcPct val="20000"/>
+        </a:spcBef>
+        <a:spcAft>
+          <a:spcPts val="600"/>
+        </a:spcAft>
+        <a:buClr>
+          <a:schemeClr val="accent2"/>
+        </a:buClr>
+        <a:buSzPct val="92000"/>
+        <a:buFont typeface="Wingdings 2" panose="05020102010507070707" pitchFamily="18" charset="2"/>
+        <a:buChar char=""/>
+        <a:defRPr sz="1200" kern="1200">
+          <a:solidFill>
+            <a:schemeClr val="tx2"/>
+          </a:solidFill>
+          <a:latin typeface="+mn-lt"/>
+          <a:ea typeface="+mn-ea"/>
+          <a:cs typeface="+mn-cs"/>
+        </a:defRPr>
+      </a:lvl4pPr>
+      <a:lvl5pPr marL="1602000" indent="-234000" algn="l" defTabSz="457200" rtl="0" eaLnBrk="1" latinLnBrk="0" hangingPunct="1">
+        <a:spcBef>
+          <a:spcPct val="20000"/>
+        </a:spcBef>
+        <a:spcAft>
+          <a:spcPts val="600"/>
+        </a:spcAft>
+        <a:buClr>
+          <a:schemeClr val="accent2"/>
+        </a:buClr>
+        <a:buSzPct val="92000"/>
+        <a:buFont typeface="Wingdings 2" panose="05020102010507070707" pitchFamily="18" charset="2"/>
+        <a:buChar char=""/>
+        <a:defRPr sz="1200" kern="1200">
+          <a:solidFill>
+            <a:schemeClr val="tx2"/>
+          </a:solidFill>
+          <a:latin typeface="+mn-lt"/>
+          <a:ea typeface="+mn-ea"/>
+          <a:cs typeface="+mn-cs"/>
+        </a:defRPr>
+      </a:lvl5pPr>
+      <a:lvl6pPr marL="1900000" indent="-228600" algn="l" defTabSz="457200" rtl="0" eaLnBrk="1" latinLnBrk="0" hangingPunct="1">
+        <a:spcBef>
+          <a:spcPct val="20000"/>
+        </a:spcBef>
+        <a:spcAft>
+          <a:spcPts val="600"/>
+        </a:spcAft>
+        <a:buClr>
+          <a:schemeClr val="accent2"/>
+        </a:buClr>
+        <a:buSzPct val="92000"/>
+        <a:buFont typeface="Wingdings 2" panose="05020102010507070707" pitchFamily="18" charset="2"/>
+        <a:buChar char=""/>
+        <a:defRPr sz="1200" kern="1200">
+          <a:solidFill>
+            <a:schemeClr val="tx2"/>
+          </a:solidFill>
+          <a:latin typeface="+mn-lt"/>
+          <a:ea typeface="+mn-ea"/>
+          <a:cs typeface="+mn-cs"/>
+        </a:defRPr>
+      </a:lvl6pPr>
+      <a:lvl7pPr marL="2200000" indent="-228600" algn="l" defTabSz="457200" rtl="0" eaLnBrk="1" latinLnBrk="0" hangingPunct="1">
+        <a:spcBef>
+          <a:spcPct val="20000"/>
+        </a:spcBef>
+        <a:spcAft>
+          <a:spcPts val="600"/>
+        </a:spcAft>
+        <a:buClr>
+          <a:schemeClr val="accent2"/>
+        </a:buClr>
+        <a:buSzPct val="92000"/>
+        <a:buFont typeface="Wingdings 2" panose="05020102010507070707" pitchFamily="18" charset="2"/>
+        <a:buChar char=""/>
+        <a:defRPr sz="1200" kern="1200">
+          <a:solidFill>
+            <a:schemeClr val="tx2"/>
+          </a:solidFill>
+          <a:latin typeface="+mn-lt"/>
+          <a:ea typeface="+mn-ea"/>
+          <a:cs typeface="+mn-cs"/>
+        </a:defRPr>
+      </a:lvl7pPr>
+      <a:lvl8pPr marL="2500000" indent="-228600" algn="l" defTabSz="457200" rtl="0" eaLnBrk="1" latinLnBrk="0" hangingPunct="1">
+        <a:spcBef>
+          <a:spcPct val="20000"/>
+        </a:spcBef>
+        <a:spcAft>
+          <a:spcPts val="600"/>
+        </a:spcAft>
+        <a:buClr>
+          <a:schemeClr val="accent2"/>
+        </a:buClr>
+        <a:buSzPct val="92000"/>
+        <a:buFont typeface="Wingdings 2" panose="05020102010507070707" pitchFamily="18" charset="2"/>
+        <a:buChar char=""/>
+        <a:defRPr sz="1200" kern="1200">
+          <a:solidFill>
+            <a:schemeClr val="tx2"/>
+          </a:solidFill>
+          <a:latin typeface="+mn-lt"/>
+          <a:ea typeface="+mn-ea"/>
+          <a:cs typeface="+mn-cs"/>
+        </a:defRPr>
+      </a:lvl8pPr>
+      <a:lvl9pPr marL="2800000" indent="-228600" algn="l" defTabSz="457200" rtl="0" eaLnBrk="1" latinLnBrk="0" hangingPunct="1">
+        <a:spcBef>
+          <a:spcPct val="20000"/>
+        </a:spcBef>
+        <a:spcAft>
+          <a:spcPts val="600"/>
+        </a:spcAft>
+        <a:buClr>
+          <a:schemeClr val="accent2"/>
+        </a:buClr>
+        <a:buSzPct val="92000"/>
+        <a:buFont typeface="Wingdings 2" panose="05020102010507070707" pitchFamily="18" charset="2"/>
+        <a:buChar char=""/>
+        <a:defRPr sz="1200" kern="1200">
+          <a:solidFill>
+            <a:schemeClr val="tx2"/>
+          </a:solidFill>
+          <a:latin typeface="+mn-lt"/>
+          <a:ea typeface="+mn-ea"/>
+          <a:cs typeface="+mn-cs"/>
+        </a:defRPr>
+      </a:lvl9pPr>
+    </p:bodyStyle>
+    <p:otherStyle>
+      <a:defPPr>
+        <a:defRPr lang="en-US"/>
+      </a:defPPr>
+      <a:lvl1pPr marL="0" algn="l" defTabSz="457200" rtl="0" eaLnBrk="1" latinLnBrk="0" hangingPunct="1">
+        <a:defRPr sz="1800" kern="1200">
+          <a:solidFill>
+            <a:schemeClr val="tx1"/>
+          </a:solidFill>
+          <a:latin typeface="+mn-lt"/>
+          <a:ea typeface="+mn-ea"/>
+          <a:cs typeface="+mn-cs"/>
+        </a:defRPr>
+      </a:lvl1pPr>
+      <a:lvl2pPr marL="457200" algn="l" defTabSz="457200" rtl="0" eaLnBrk="1" latinLnBrk="0" hangingPunct="1">
+        <a:defRPr sz="1800" kern="1200">
+          <a:solidFill>
+            <a:schemeClr val="tx1"/>
+          </a:solidFill>
+          <a:latin typeface="+mn-lt"/>
+          <a:ea typeface="+mn-ea"/>
+          <a:cs typeface="+mn-cs"/>
+        </a:defRPr>
+      </a:lvl2pPr>
+      <a:lvl3pPr marL="914400" algn="l" defTabSz="457200" rtl="0" eaLnBrk="1" latinLnBrk="0" hangingPunct="1">
+        <a:defRPr sz="1800" kern="1200">
+          <a:solidFill>
+            <a:schemeClr val="tx1"/>
+          </a:solidFill>
+          <a:latin typeface="+mn-lt"/>
+          <a:ea typeface="+mn-ea"/>
+          <a:cs typeface="+mn-cs"/>
+        </a:defRPr>
+      </a:lvl3pPr>
+      <a:lvl4pPr marL="1371600" algn="l" defTabSz="457200" rtl="0" eaLnBrk="1" latinLnBrk="0" hangingPunct="1">
+        <a:defRPr sz="1800" kern="1200">
+          <a:solidFill>
+            <a:schemeClr val="tx1"/>
+          </a:solidFill>
+          <a:latin typeface="+mn-lt"/>
+          <a:ea typeface="+mn-ea"/>
+          <a:cs typeface="+mn-cs"/>
+        </a:defRPr>
+      </a:lvl4pPr>
+      <a:lvl5pPr marL="1828800" algn="l" defTabSz="457200" rtl="0" eaLnBrk="1" latinLnBrk="0" hangingPunct="1">
+        <a:defRPr sz="1800" kern="1200">
+          <a:solidFill>
+            <a:schemeClr val="tx1"/>
+          </a:solidFill>
+          <a:latin typeface="+mn-lt"/>
+          <a:ea typeface="+mn-ea"/>
+          <a:cs typeface="+mn-cs"/>
+        </a:defRPr>
+      </a:lvl5pPr>
+      <a:lvl6pPr marL="2286000" algn="l" defTabSz="457200" rtl="0" eaLnBrk="1" latinLnBrk="0" hangingPunct="1">
+        <a:defRPr sz="1800" kern="1200">
+          <a:solidFill>
+            <a:schemeClr val="tx1"/>
+          </a:solidFill>
+          <a:latin typeface="+mn-lt"/>
+          <a:ea typeface="+mn-ea"/>
+          <a:cs typeface="+mn-cs"/>
+        </a:defRPr>
+      </a:lvl6pPr>
+      <a:lvl7pPr marL="2743200" algn="l" defTabSz="457200" rtl="0" eaLnBrk="1" latinLnBrk="0" hangingPunct="1">
+        <a:defRPr sz="1800" kern="1200">
+          <a:solidFill>
+            <a:schemeClr val="tx1"/>
+          </a:solidFill>
+          <a:latin typeface="+mn-lt"/>
+          <a:ea typeface="+mn-ea"/>
+          <a:cs typeface="+mn-cs"/>
+        </a:defRPr>
+      </a:lvl7pPr>
+      <a:lvl8pPr marL="3200400" algn="l" defTabSz="457200" rtl="0" eaLnBrk="1" latinLnBrk="0" hangingPunct="1">
+        <a:defRPr sz="1800" kern="1200">
+          <a:solidFill>
+            <a:schemeClr val="tx1"/>
+          </a:solidFill>
+          <a:latin typeface="+mn-lt"/>
+          <a:ea typeface="+mn-ea"/>
+          <a:cs typeface="+mn-cs"/>
+        </a:defRPr>
+      </a:lvl8pPr>
+      <a:lvl9pPr marL="3657600" algn="l" defTabSz="457200" rtl="0" eaLnBrk="1" latinLnBrk="0" hangingPunct="1">
+        <a:defRPr sz="1800" kern="1200">
+          <a:solidFill>
+            <a:schemeClr val="tx1"/>
+          </a:solidFill>
+          <a:latin typeface="+mn-lt"/>
+          <a:ea typeface="+mn-ea"/>
+          <a:cs typeface="+mn-cs"/>
+        </a:defRPr>
+      </a:lvl9pPr>
+    </p:otherStyle>
+  </p:txStyles>
+</p:sldMaster>
+</file>
+
 <file path=ppt/slides/slide1.xml><?xml version="1.0" encoding="utf-8"?>
 <p:sld xmlns:a="http://schemas.openxmlformats.org/drawingml/2006/main" xmlns:r="http://schemas.openxmlformats.org/officeDocument/2006/relationships" xmlns:p="http://schemas.openxmlformats.org/presentationml/2006/main">
   <p:cSld>
@@ -24845,6 +29158,29 @@
       </p:grpSpPr>
       <p:sp>
         <p:nvSpPr>
+          <p:cNvPr id="3" name="Title 2"/>
+          <p:cNvSpPr>
+            <a:spLocks noGrp="1"/>
+          </p:cNvSpPr>
+          <p:nvPr>
+            <p:ph type="ctrTitle"/>
+          </p:nvPr>
+        </p:nvSpPr>
+        <p:spPr/>
+        <p:txBody>
+          <a:bodyPr/>
+          <a:lstStyle/>
+          <a:p>
+            <a:pPr algn="ctr"/>
+            <a:r>
+              <a:rPr lang="en-US" dirty="0"/>
+              <a:t>Cable management</a:t>
+            </a:r>
+          </a:p>
+        </p:txBody>
+      </p:sp>
+      <p:sp>
+        <p:nvSpPr>
           <p:cNvPr id="2" name="Subtitle 1"/>
           <p:cNvSpPr>
             <a:spLocks noGrp="1"/>
@@ -24859,68 +29195,13 @@
           <a:lstStyle/>
           <a:p>
             <a:r>
-              <a:rPr lang="en-US" dirty="0"/>
-              <a:t>Cable Management</a:t>
-            </a:r>
-          </a:p>
-        </p:txBody>
-      </p:sp>
-      <p:sp>
-        <p:nvSpPr>
-          <p:cNvPr id="3" name="Title 2"/>
-          <p:cNvSpPr>
-            <a:spLocks noGrp="1"/>
-          </p:cNvSpPr>
-          <p:nvPr>
-            <p:ph type="ctrTitle"/>
-          </p:nvPr>
-        </p:nvSpPr>
-        <p:spPr/>
-        <p:txBody>
-          <a:bodyPr/>
-          <a:lstStyle/>
-          <a:p>
-            <a:pPr algn="ctr"/>
-            <a:r>
-              <a:rPr lang="en-US"/>
-              <a:t>ROBOT DESIGN </a:t>
-            </a:r>
-            <a:r>
-              <a:rPr lang="en-US" dirty="0"/>
-              <a:t>Lesson</a:t>
-            </a:r>
-          </a:p>
-        </p:txBody>
-      </p:sp>
-      <p:pic>
-        <p:nvPicPr>
-          <p:cNvPr id="4" name="Picture 3"/>
-          <p:cNvPicPr>
-            <a:picLocks noChangeAspect="1"/>
-          </p:cNvPicPr>
-          <p:nvPr/>
-        </p:nvPicPr>
-        <p:blipFill rotWithShape="1">
-          <a:blip r:embed="rId2" cstate="email">
-            <a:extLst>
-              <a:ext uri="{28A0092B-C50C-407E-A947-70E740481C1C}">
-                <a14:useLocalDpi xmlns:a14="http://schemas.microsoft.com/office/drawing/2010/main" val="0"/>
-              </a:ext>
-            </a:extLst>
-          </a:blip>
-          <a:srcRect l="4523" t="17619" r="3095" b="25000"/>
-          <a:stretch/>
-        </p:blipFill>
-        <p:spPr>
-          <a:xfrm>
-            <a:off x="3793356" y="4564606"/>
-            <a:ext cx="1536320" cy="954261"/>
-          </a:xfrm>
-          <a:prstGeom prst="rect">
-            <a:avLst/>
-          </a:prstGeom>
-        </p:spPr>
-      </p:pic>
+              <a:rPr lang="en-US"/>
+              <a:t>Seshan brothers</a:t>
+            </a:r>
+            <a:endParaRPr lang="en-US" dirty="0"/>
+          </a:p>
+        </p:txBody>
+      </p:sp>
     </p:spTree>
     <p:extLst>
       <p:ext uri="{BB962C8B-B14F-4D97-AF65-F5344CB8AC3E}">
@@ -24985,13 +29266,13 @@
         </p:nvSpPr>
         <p:spPr>
           <a:xfrm>
-            <a:off x="317945" y="1254029"/>
-            <a:ext cx="4550270" cy="4846146"/>
+            <a:off x="317945" y="1543049"/>
+            <a:ext cx="4550270" cy="4557125"/>
           </a:xfrm>
         </p:spPr>
         <p:txBody>
           <a:bodyPr>
-            <a:normAutofit/>
+            <a:normAutofit fontScale="62500" lnSpcReduction="20000"/>
           </a:bodyPr>
           <a:lstStyle/>
           <a:p>
@@ -25065,33 +29346,9 @@
           <a:lstStyle/>
           <a:p>
             <a:r>
-              <a:rPr lang="sk-SK"/>
-              <a:t>© 2016 EV3Lessons.com, Last Edit 7/07/2016</a:t>
-            </a:r>
-            <a:endParaRPr lang="en-US"/>
-          </a:p>
-        </p:txBody>
-      </p:sp>
-      <p:sp>
-        <p:nvSpPr>
-          <p:cNvPr id="3" name="Slide Number Placeholder 2"/>
-          <p:cNvSpPr>
-            <a:spLocks noGrp="1"/>
-          </p:cNvSpPr>
-          <p:nvPr>
-            <p:ph type="sldNum" sz="quarter" idx="12"/>
-          </p:nvPr>
-        </p:nvSpPr>
-        <p:spPr/>
-        <p:txBody>
-          <a:bodyPr/>
-          <a:lstStyle/>
-          <a:p>
-            <a:fld id="{7F5CE407-6216-4202-80E4-A30DC2F709B2}" type="slidenum">
-              <a:rPr lang="en-US" smtClean="0"/>
-              <a:t>2</a:t>
-            </a:fld>
-            <a:endParaRPr lang="en-US"/>
+              <a:rPr lang="en-US"/>
+              <a:t>© 2016 EV3Lessons.com, Last Edit 6/11/2018</a:t>
+            </a:r>
           </a:p>
         </p:txBody>
       </p:sp>
@@ -25116,7 +29373,7 @@
         </p:blipFill>
         <p:spPr>
           <a:xfrm>
-            <a:off x="5007469" y="1421288"/>
+            <a:off x="5076674" y="1707038"/>
             <a:ext cx="3494270" cy="4063778"/>
           </a:xfrm>
           <a:prstGeom prst="rect">
@@ -25146,7 +29403,7 @@
         </p:nvSpPr>
         <p:spPr>
           <a:xfrm>
-            <a:off x="5007469" y="5615189"/>
+            <a:off x="5076674" y="5900939"/>
             <a:ext cx="3494270" cy="369332"/>
           </a:xfrm>
           <a:prstGeom prst="rect">
@@ -25237,8 +29494,8 @@
         </p:nvSpPr>
         <p:spPr>
           <a:xfrm>
-            <a:off x="457200" y="1210083"/>
-            <a:ext cx="4782511" cy="5166373"/>
+            <a:off x="457200" y="1554480"/>
+            <a:ext cx="4782511" cy="4821976"/>
           </a:xfrm>
         </p:spPr>
         <p:txBody>
@@ -25266,92 +29523,6 @@
               <a:t>4 x 25 cm/10 in. cables, 2 x 35 cm/14 in. cables, and 1 x 50 cm/20 in. cables. </a:t>
             </a:r>
           </a:p>
-          <a:p>
-            <a:pPr marL="342900" indent="-342900">
-              <a:buFont typeface="Arial" charset="0"/>
-              <a:buChar char="•"/>
-            </a:pPr>
-            <a:r>
-              <a:rPr lang="en-US" sz="1800" dirty="0"/>
-              <a:t>If you are a casual robot designer </a:t>
-            </a:r>
-            <a:r>
-              <a:rPr lang="en-US" sz="1800" dirty="0">
-                <a:solidFill>
-                  <a:srgbClr val="FF0000"/>
-                </a:solidFill>
-              </a:rPr>
-              <a:t>(not for competition)</a:t>
-            </a:r>
-            <a:r>
-              <a:rPr lang="en-US" sz="1800" dirty="0"/>
-              <a:t> you can purchase custom length cables or even make your own</a:t>
-            </a:r>
-          </a:p>
-          <a:p>
-            <a:pPr marL="800100" lvl="1" indent="-342900">
-              <a:buFont typeface="Arial" charset="0"/>
-              <a:buChar char="•"/>
-            </a:pPr>
-            <a:r>
-              <a:rPr lang="en-US" sz="1600" dirty="0" err="1"/>
-              <a:t>Mindsensors</a:t>
-            </a:r>
-            <a:r>
-              <a:rPr lang="en-US" sz="1600" dirty="0"/>
-              <a:t> has compatible custom lengths</a:t>
-            </a:r>
-          </a:p>
-          <a:p>
-            <a:pPr marL="1485900" lvl="2" indent="-342900">
-              <a:buFont typeface="Arial" charset="0"/>
-              <a:buChar char="•"/>
-            </a:pPr>
-            <a:r>
-              <a:rPr lang="en-US" sz="1400" dirty="0"/>
-              <a:t>http://</a:t>
-            </a:r>
-            <a:r>
-              <a:rPr lang="en-US" sz="1400" dirty="0" err="1"/>
-              <a:t>www.mindsensors.com</a:t>
-            </a:r>
-            <a:r>
-              <a:rPr lang="en-US" sz="1400" dirty="0"/>
-              <a:t>/51-cables-connectors</a:t>
-            </a:r>
-          </a:p>
-          <a:p>
-            <a:pPr marL="800100" lvl="1" indent="-342900">
-              <a:buFont typeface="Arial" charset="0"/>
-              <a:buChar char="•"/>
-            </a:pPr>
-            <a:r>
-              <a:rPr lang="en-US" sz="1400" dirty="0" err="1"/>
-              <a:t>Mindsensors</a:t>
-            </a:r>
-            <a:r>
-              <a:rPr lang="en-US" sz="1400" dirty="0"/>
-              <a:t> also has parts to make-your-own cable </a:t>
-            </a:r>
-          </a:p>
-          <a:p>
-            <a:pPr marL="1485900" lvl="2" indent="-342900">
-              <a:buFont typeface="Arial" charset="0"/>
-              <a:buChar char="•"/>
-            </a:pPr>
-            <a:r>
-              <a:rPr lang="en-US" sz="1200" dirty="0"/>
-              <a:t>http://</a:t>
-            </a:r>
-            <a:r>
-              <a:rPr lang="en-US" sz="1200" dirty="0" err="1"/>
-              <a:t>www.mindsensors.com</a:t>
-            </a:r>
-            <a:r>
-              <a:rPr lang="en-US" sz="1200" dirty="0"/>
-              <a:t>/ev3-and-nxt/115-nxtev3-compatible-male-plugs-10-pack</a:t>
-            </a:r>
-          </a:p>
         </p:txBody>
       </p:sp>
       <p:sp>
@@ -25370,32 +29541,9 @@
           <a:lstStyle/>
           <a:p>
             <a:r>
-              <a:rPr lang="sk-SK"/>
-              <a:t>© 2016 EV3Lessons.com, Last Edit 7/07/2016</a:t>
-            </a:r>
-            <a:endParaRPr lang="en-US" dirty="0"/>
-          </a:p>
-        </p:txBody>
-      </p:sp>
-      <p:sp>
-        <p:nvSpPr>
-          <p:cNvPr id="5" name="Slide Number Placeholder 4"/>
-          <p:cNvSpPr>
-            <a:spLocks noGrp="1"/>
-          </p:cNvSpPr>
-          <p:nvPr>
-            <p:ph type="sldNum" sz="quarter" idx="12"/>
-          </p:nvPr>
-        </p:nvSpPr>
-        <p:spPr/>
-        <p:txBody>
-          <a:bodyPr/>
-          <a:lstStyle/>
-          <a:p>
-            <a:fld id="{4DBC7FC8-25FB-FC45-8177-2B991DA6778C}" type="slidenum">
-              <a:rPr lang="en-US" smtClean="0"/>
-              <a:t>3</a:t>
-            </a:fld>
+              <a:rPr lang="en-US"/>
+              <a:t>© 2016 EV3Lessons.com, Last Edit 6/11/2018</a:t>
+            </a:r>
             <a:endParaRPr lang="en-US" dirty="0"/>
           </a:p>
         </p:txBody>
@@ -25416,7 +29564,7 @@
         </p:blipFill>
         <p:spPr>
           <a:xfrm>
-            <a:off x="5428999" y="1344012"/>
+            <a:off x="5486557" y="1621334"/>
             <a:ext cx="3084387" cy="2344134"/>
           </a:xfrm>
           <a:prstGeom prst="rect">
@@ -25432,7 +29580,7 @@
         </p:nvSpPr>
         <p:spPr>
           <a:xfrm>
-            <a:off x="5138669" y="4004245"/>
+            <a:off x="5339259" y="4209985"/>
             <a:ext cx="3378982" cy="1754326"/>
           </a:xfrm>
           <a:prstGeom prst="rect">
@@ -25529,13 +29677,13 @@
         </p:nvSpPr>
         <p:spPr>
           <a:xfrm>
-            <a:off x="457199" y="1340476"/>
-            <a:ext cx="4237463" cy="4815625"/>
+            <a:off x="457199" y="1543050"/>
+            <a:ext cx="4237463" cy="4613051"/>
           </a:xfrm>
         </p:spPr>
         <p:txBody>
           <a:bodyPr>
-            <a:normAutofit/>
+            <a:normAutofit fontScale="62500" lnSpcReduction="20000"/>
           </a:bodyPr>
           <a:lstStyle/>
           <a:p>
@@ -25586,33 +29734,9 @@
           <a:lstStyle/>
           <a:p>
             <a:r>
-              <a:rPr lang="sk-SK"/>
-              <a:t>© 2016 EV3Lessons.com, Last Edit 7/07/2016</a:t>
-            </a:r>
-            <a:endParaRPr lang="en-US"/>
-          </a:p>
-        </p:txBody>
-      </p:sp>
-      <p:sp>
-        <p:nvSpPr>
-          <p:cNvPr id="5" name="Slide Number Placeholder 4"/>
-          <p:cNvSpPr>
-            <a:spLocks noGrp="1"/>
-          </p:cNvSpPr>
-          <p:nvPr>
-            <p:ph type="sldNum" sz="quarter" idx="12"/>
-          </p:nvPr>
-        </p:nvSpPr>
-        <p:spPr/>
-        <p:txBody>
-          <a:bodyPr/>
-          <a:lstStyle/>
-          <a:p>
-            <a:fld id="{4DBC7FC8-25FB-FC45-8177-2B991DA6778C}" type="slidenum">
-              <a:rPr lang="en-US" smtClean="0"/>
-              <a:t>4</a:t>
-            </a:fld>
-            <a:endParaRPr lang="en-US" dirty="0"/>
+              <a:rPr lang="en-US"/>
+              <a:t>© 2016 EV3Lessons.com, Last Edit 6/11/2018</a:t>
+            </a:r>
           </a:p>
         </p:txBody>
       </p:sp>
@@ -25768,8 +29892,8 @@
         </p:nvSpPr>
         <p:spPr>
           <a:xfrm>
-            <a:off x="457199" y="1276612"/>
-            <a:ext cx="7759522" cy="5099845"/>
+            <a:off x="457199" y="1588770"/>
+            <a:ext cx="7759522" cy="4787687"/>
           </a:xfrm>
         </p:spPr>
         <p:txBody>
@@ -25783,7 +29907,7 @@
               <a:buChar char="•"/>
             </a:pPr>
             <a:r>
-              <a:rPr lang="en-US" dirty="0"/>
+              <a:rPr lang="en-US" sz="2000" dirty="0"/>
               <a:t>Use the most appropriate length cable for the connection first</a:t>
             </a:r>
           </a:p>
@@ -25793,11 +29917,11 @@
               <a:buChar char="•"/>
             </a:pPr>
             <a:r>
-              <a:rPr lang="en-US" dirty="0"/>
+              <a:rPr lang="en-US" sz="2000" dirty="0"/>
               <a:t>However, if the cables are too long</a:t>
             </a:r>
             <a:r>
-              <a:rPr lang="is-IS" dirty="0"/>
+              <a:rPr lang="is-IS" sz="2000" dirty="0"/>
               <a:t>…</a:t>
             </a:r>
           </a:p>
@@ -25807,7 +29931,7 @@
               <a:buChar char="•"/>
             </a:pPr>
             <a:r>
-              <a:rPr lang="en-US" dirty="0"/>
+              <a:rPr lang="en-US" sz="2400" dirty="0"/>
               <a:t>You can wrap them around each other or beams</a:t>
             </a:r>
           </a:p>
@@ -25829,33 +29953,9 @@
           <a:lstStyle/>
           <a:p>
             <a:r>
-              <a:rPr lang="sk-SK"/>
-              <a:t>© 2016 EV3Lessons.com, Last Edit 7/07/2016</a:t>
-            </a:r>
-            <a:endParaRPr lang="en-US"/>
-          </a:p>
-        </p:txBody>
-      </p:sp>
-      <p:sp>
-        <p:nvSpPr>
-          <p:cNvPr id="5" name="Slide Number Placeholder 4"/>
-          <p:cNvSpPr>
-            <a:spLocks noGrp="1"/>
-          </p:cNvSpPr>
-          <p:nvPr>
-            <p:ph type="sldNum" sz="quarter" idx="12"/>
-          </p:nvPr>
-        </p:nvSpPr>
-        <p:spPr/>
-        <p:txBody>
-          <a:bodyPr/>
-          <a:lstStyle/>
-          <a:p>
-            <a:fld id="{4DBC7FC8-25FB-FC45-8177-2B991DA6778C}" type="slidenum">
-              <a:rPr lang="en-US" smtClean="0"/>
-              <a:t>5</a:t>
-            </a:fld>
-            <a:endParaRPr lang="en-US" dirty="0"/>
+              <a:rPr lang="en-US"/>
+              <a:t>© 2016 EV3Lessons.com, Last Edit 6/11/2018</a:t>
+            </a:r>
           </a:p>
         </p:txBody>
       </p:sp>
@@ -26015,7 +30115,7 @@
         </p:spPr>
         <p:txBody>
           <a:bodyPr>
-            <a:normAutofit fontScale="92500" lnSpcReduction="20000"/>
+            <a:normAutofit fontScale="92500"/>
           </a:bodyPr>
           <a:lstStyle/>
           <a:p>
@@ -26076,33 +30176,9 @@
           <a:lstStyle/>
           <a:p>
             <a:r>
-              <a:rPr lang="sk-SK"/>
-              <a:t>© 2016 EV3Lessons.com, Last Edit 7/07/2016</a:t>
-            </a:r>
-            <a:endParaRPr lang="en-US"/>
-          </a:p>
-        </p:txBody>
-      </p:sp>
-      <p:sp>
-        <p:nvSpPr>
-          <p:cNvPr id="5" name="Slide Number Placeholder 4"/>
-          <p:cNvSpPr>
-            <a:spLocks noGrp="1"/>
-          </p:cNvSpPr>
-          <p:nvPr>
-            <p:ph type="sldNum" sz="quarter" idx="12"/>
-          </p:nvPr>
-        </p:nvSpPr>
-        <p:spPr/>
-        <p:txBody>
-          <a:bodyPr/>
-          <a:lstStyle/>
-          <a:p>
-            <a:fld id="{4DBC7FC8-25FB-FC45-8177-2B991DA6778C}" type="slidenum">
-              <a:rPr lang="en-US" smtClean="0"/>
-              <a:t>6</a:t>
-            </a:fld>
-            <a:endParaRPr lang="en-US" dirty="0"/>
+              <a:rPr lang="en-US"/>
+              <a:t>© 2016 EV3Lessons.com, Last Edit 6/11/2018</a:t>
+            </a:r>
           </a:p>
         </p:txBody>
       </p:sp>
@@ -26128,7 +30204,7 @@
         </p:blipFill>
         <p:spPr>
           <a:xfrm>
-            <a:off x="5238140" y="4028179"/>
+            <a:off x="5291574" y="4292415"/>
             <a:ext cx="3271234" cy="2173719"/>
           </a:xfrm>
           <a:prstGeom prst="rect">
@@ -26171,7 +30247,7 @@
         </p:blipFill>
         <p:spPr>
           <a:xfrm>
-            <a:off x="5238140" y="1081825"/>
+            <a:off x="4826660" y="1602315"/>
             <a:ext cx="3271234" cy="2840891"/>
           </a:xfrm>
           <a:prstGeom prst="rect">
@@ -26214,7 +30290,7 @@
         </p:blipFill>
         <p:spPr>
           <a:xfrm>
-            <a:off x="4006768" y="4459399"/>
+            <a:off x="3275248" y="4443206"/>
             <a:ext cx="1803043" cy="1944710"/>
           </a:xfrm>
           <a:prstGeom prst="rect">
@@ -26300,13 +30376,13 @@
         </p:nvSpPr>
         <p:spPr>
           <a:xfrm>
-            <a:off x="754411" y="1256383"/>
+            <a:off x="581192" y="1701634"/>
             <a:ext cx="3378895" cy="2309962"/>
           </a:xfrm>
         </p:spPr>
         <p:txBody>
           <a:bodyPr>
-            <a:normAutofit/>
+            <a:normAutofit fontScale="55000" lnSpcReduction="20000"/>
           </a:bodyPr>
           <a:lstStyle/>
           <a:p>
@@ -26333,33 +30409,9 @@
           <a:lstStyle/>
           <a:p>
             <a:r>
-              <a:rPr lang="sk-SK"/>
-              <a:t>© 2016 EV3Lessons.com, Last Edit 7/07/2016</a:t>
-            </a:r>
-            <a:endParaRPr lang="en-US"/>
-          </a:p>
-        </p:txBody>
-      </p:sp>
-      <p:sp>
-        <p:nvSpPr>
-          <p:cNvPr id="5" name="Slide Number Placeholder 4"/>
-          <p:cNvSpPr>
-            <a:spLocks noGrp="1"/>
-          </p:cNvSpPr>
-          <p:nvPr>
-            <p:ph type="sldNum" sz="quarter" idx="12"/>
-          </p:nvPr>
-        </p:nvSpPr>
-        <p:spPr/>
-        <p:txBody>
-          <a:bodyPr/>
-          <a:lstStyle/>
-          <a:p>
-            <a:fld id="{4DBC7FC8-25FB-FC45-8177-2B991DA6778C}" type="slidenum">
-              <a:rPr lang="en-US" smtClean="0"/>
-              <a:t>7</a:t>
-            </a:fld>
-            <a:endParaRPr lang="en-US" dirty="0"/>
+              <a:rPr lang="en-US"/>
+              <a:t>© 2016 EV3Lessons.com, Last Edit 6/11/2018</a:t>
+            </a:r>
           </a:p>
         </p:txBody>
       </p:sp>
@@ -26385,7 +30437,7 @@
         </p:blipFill>
         <p:spPr>
           <a:xfrm>
-            <a:off x="6454993" y="1340703"/>
+            <a:off x="6581643" y="1658246"/>
             <a:ext cx="1953552" cy="1298126"/>
           </a:xfrm>
           <a:prstGeom prst="rect">
@@ -26514,7 +30566,7 @@
         </p:blipFill>
         <p:spPr>
           <a:xfrm>
-            <a:off x="4375783" y="1340703"/>
+            <a:off x="4375783" y="1621197"/>
             <a:ext cx="1790164" cy="1262131"/>
           </a:xfrm>
           <a:prstGeom prst="rect">
@@ -26643,13 +30695,13 @@
         </p:nvSpPr>
         <p:spPr>
           <a:xfrm>
-            <a:off x="465136" y="1327597"/>
+            <a:off x="457200" y="1649312"/>
             <a:ext cx="4114800" cy="4373563"/>
           </a:xfrm>
         </p:spPr>
         <p:txBody>
           <a:bodyPr>
-            <a:normAutofit fontScale="92500"/>
+            <a:normAutofit fontScale="62500" lnSpcReduction="20000"/>
           </a:bodyPr>
           <a:lstStyle/>
           <a:p>
@@ -26700,33 +30752,9 @@
           <a:lstStyle/>
           <a:p>
             <a:r>
-              <a:rPr lang="sk-SK"/>
-              <a:t>© 2016 EV3Lessons.com, Last Edit 7/07/2016</a:t>
-            </a:r>
-            <a:endParaRPr lang="en-US"/>
-          </a:p>
-        </p:txBody>
-      </p:sp>
-      <p:sp>
-        <p:nvSpPr>
-          <p:cNvPr id="5" name="Slide Number Placeholder 4"/>
-          <p:cNvSpPr>
-            <a:spLocks noGrp="1"/>
-          </p:cNvSpPr>
-          <p:nvPr>
-            <p:ph type="sldNum" sz="quarter" idx="12"/>
-          </p:nvPr>
-        </p:nvSpPr>
-        <p:spPr/>
-        <p:txBody>
-          <a:bodyPr/>
-          <a:lstStyle/>
-          <a:p>
-            <a:fld id="{4DBC7FC8-25FB-FC45-8177-2B991DA6778C}" type="slidenum">
-              <a:rPr lang="en-US" smtClean="0"/>
-              <a:t>8</a:t>
-            </a:fld>
-            <a:endParaRPr lang="en-US" dirty="0"/>
+              <a:rPr lang="en-US"/>
+              <a:t>© 2016 EV3Lessons.com, Last Edit 6/11/2018</a:t>
+            </a:r>
           </a:p>
         </p:txBody>
       </p:sp>
@@ -26751,8 +30779,8 @@
         </p:blipFill>
         <p:spPr>
           <a:xfrm>
-            <a:off x="4951729" y="1210510"/>
-            <a:ext cx="3453868" cy="2319832"/>
+            <a:off x="5585965" y="1703888"/>
+            <a:ext cx="2976842" cy="1999432"/>
           </a:xfrm>
           <a:prstGeom prst="rect">
             <a:avLst/>
@@ -26794,8 +30822,8 @@
         </p:blipFill>
         <p:spPr>
           <a:xfrm>
-            <a:off x="4951729" y="3720442"/>
-            <a:ext cx="3453868" cy="2574701"/>
+            <a:off x="5605478" y="4206240"/>
+            <a:ext cx="2957329" cy="2204554"/>
           </a:xfrm>
           <a:prstGeom prst="rect">
             <a:avLst/>
@@ -26885,7 +30913,9 @@
           </a:xfrm>
         </p:spPr>
         <p:txBody>
-          <a:bodyPr/>
+          <a:bodyPr>
+            <a:normAutofit/>
+          </a:bodyPr>
           <a:lstStyle/>
           <a:p>
             <a:pPr marL="342900" indent="-342900">
@@ -26893,22 +30923,22 @@
               <a:buChar char="•"/>
             </a:pPr>
             <a:r>
-              <a:rPr lang="en-US" dirty="0"/>
+              <a:rPr lang="en-US" sz="2400" dirty="0"/>
               <a:t>This tutorial was created by Sanjay </a:t>
             </a:r>
             <a:r>
-              <a:rPr lang="en-US" dirty="0" err="1"/>
+              <a:rPr lang="en-US" sz="2400" dirty="0" err="1"/>
               <a:t>Seshan</a:t>
             </a:r>
             <a:r>
-              <a:rPr lang="en-US" dirty="0"/>
+              <a:rPr lang="en-US" sz="2400" dirty="0"/>
               <a:t> and Arvind </a:t>
             </a:r>
             <a:r>
-              <a:rPr lang="en-US" dirty="0" err="1"/>
+              <a:rPr lang="en-US" sz="2400" dirty="0" err="1"/>
               <a:t>Seshan</a:t>
             </a:r>
-            <a:endParaRPr lang="en-US" dirty="0"/>
+            <a:endParaRPr lang="en-US" sz="2400" dirty="0"/>
           </a:p>
           <a:p>
             <a:pPr marL="342900" indent="-342900">
@@ -26916,15 +30946,15 @@
               <a:buChar char="•"/>
             </a:pPr>
             <a:r>
-              <a:rPr lang="en-US" dirty="0"/>
+              <a:rPr lang="en-US" sz="2400" dirty="0"/>
               <a:t>Photos and ideas from FIRST Tech Challenge 8393 Giant Diencephalic </a:t>
             </a:r>
             <a:r>
-              <a:rPr lang="en-US" dirty="0" err="1"/>
+              <a:rPr lang="en-US" sz="2400" dirty="0" err="1"/>
               <a:t>BrainSTEM</a:t>
             </a:r>
             <a:r>
-              <a:rPr lang="en-US" dirty="0"/>
+              <a:rPr lang="en-US" sz="2400" dirty="0"/>
               <a:t> Robotics (Former FIRST LEGO League Team)</a:t>
             </a:r>
           </a:p>
@@ -26934,7 +30964,7 @@
               <a:buChar char="•"/>
             </a:pPr>
             <a:r>
-              <a:rPr lang="en-US" dirty="0"/>
+              <a:rPr lang="en-US" sz="2400" dirty="0"/>
               <a:t> More lessons at www.ev3lessons.com</a:t>
             </a:r>
           </a:p>
@@ -26956,34 +30986,9 @@
           <a:lstStyle/>
           <a:p>
             <a:r>
-              <a:rPr lang="sk-SK"/>
-              <a:t>© 2016 EV3Lessons.com, Last Edit 7/07/2016</a:t>
-            </a:r>
-            <a:endParaRPr lang="en-US"/>
-          </a:p>
-        </p:txBody>
-      </p:sp>
-      <p:sp>
-        <p:nvSpPr>
-          <p:cNvPr id="7" name="Slide Number Placeholder 6"/>
-          <p:cNvSpPr>
-            <a:spLocks noGrp="1"/>
-          </p:cNvSpPr>
-          <p:nvPr>
-            <p:ph type="sldNum" sz="quarter" idx="12"/>
-          </p:nvPr>
-        </p:nvSpPr>
-        <p:spPr/>
-        <p:txBody>
-          <a:bodyPr/>
-          <a:lstStyle/>
-          <a:p>
-            <a:fld id="{4382A7F7-08BF-4252-8141-63FB96055BBB}" type="slidenum">
-              <a:rPr lang="en-US" smtClean="0"/>
-              <a:pPr/>
-              <a:t>9</a:t>
-            </a:fld>
-            <a:endParaRPr lang="en-US"/>
+              <a:rPr lang="en-US"/>
+              <a:t>© 2016 EV3Lessons.com, Last Edit 6/11/2018</a:t>
+            </a:r>
           </a:p>
         </p:txBody>
       </p:sp>
@@ -27012,7 +31017,7 @@
           <a:effectLst/>
           <a:extLst>
             <a:ext uri="{91240B29-F687-4f45-9708-019B960494DF}">
-              <a14:hiddenLine xmlns:a14="http://schemas.microsoft.com/office/drawing/2010/main" xmlns="" w="9525">
+              <a14:hiddenLine xmlns="" xmlns:a14="http://schemas.microsoft.com/office/drawing/2010/main" w="9525">
                 <a:solidFill>
                   <a:schemeClr val="tx1"/>
                 </a:solidFill>
@@ -27022,7 +31027,7 @@
               </a14:hiddenLine>
             </a:ext>
             <a:ext uri="{AF507438-7753-43e0-B8FC-AC1667EBCBE1}">
-              <a14:hiddenEffects xmlns:a14="http://schemas.microsoft.com/office/drawing/2010/main" xmlns="">
+              <a14:hiddenEffects xmlns="" xmlns:a14="http://schemas.microsoft.com/office/drawing/2010/main">
                 <a:effectLst>
                   <a:outerShdw dist="35921" dir="2700000" algn="ctr" rotWithShape="0">
                     <a:schemeClr val="bg2"/>
@@ -27363,7 +31368,7 @@
           <a:noFill/>
           <a:extLst>
             <a:ext uri="{909E8E84-426E-40dd-AFC4-6F175D3DCCD1}">
-              <a14:hiddenFill xmlns:a14="http://schemas.microsoft.com/office/drawing/2010/main" xmlns="">
+              <a14:hiddenFill xmlns="" xmlns:a14="http://schemas.microsoft.com/office/drawing/2010/main">
                 <a:solidFill>
                   <a:srgbClr val="FFFFFF"/>
                 </a:solidFill>
@@ -28935,9 +32940,9 @@
 </file>
 
 <file path=ppt/theme/theme7.xml><?xml version="1.0" encoding="utf-8"?>
-<a:theme xmlns:a="http://schemas.openxmlformats.org/drawingml/2006/main" name="Office Theme">
+<a:theme xmlns:a="http://schemas.openxmlformats.org/drawingml/2006/main" name="Dividend">
   <a:themeElements>
-    <a:clrScheme name="Office">
+    <a:clrScheme name="Dividend">
       <a:dk1>
         <a:sysClr val="windowText" lastClr="000000"/>
       </a:dk1>
@@ -28945,81 +32950,48 @@
         <a:sysClr val="window" lastClr="FFFFFF"/>
       </a:lt1>
       <a:dk2>
-        <a:srgbClr val="1F497D"/>
+        <a:srgbClr val="3D3D3D"/>
       </a:dk2>
       <a:lt2>
-        <a:srgbClr val="EEECE1"/>
+        <a:srgbClr val="EBEBEB"/>
       </a:lt2>
       <a:accent1>
-        <a:srgbClr val="4F81BD"/>
+        <a:srgbClr val="1A3260"/>
       </a:accent1>
       <a:accent2>
-        <a:srgbClr val="C0504D"/>
+        <a:srgbClr val="4590B8"/>
       </a:accent2>
       <a:accent3>
-        <a:srgbClr val="9BBB59"/>
+        <a:srgbClr val="45CBE8"/>
       </a:accent3>
       <a:accent4>
-        <a:srgbClr val="8064A2"/>
+        <a:srgbClr val="969FA7"/>
       </a:accent4>
       <a:accent5>
-        <a:srgbClr val="4BACC6"/>
+        <a:srgbClr val="A2C777"/>
       </a:accent5>
       <a:accent6>
-        <a:srgbClr val="F79646"/>
+        <a:srgbClr val="42955F"/>
       </a:accent6>
       <a:hlink>
-        <a:srgbClr val="0000FF"/>
+        <a:srgbClr val="828282"/>
       </a:hlink>
       <a:folHlink>
-        <a:srgbClr val="800080"/>
+        <a:srgbClr val="A5A5A5"/>
       </a:folHlink>
     </a:clrScheme>
-    <a:fontScheme name="Office">
+    <a:fontScheme name="Dividend">
       <a:majorFont>
-        <a:latin typeface="Calibri"/>
+        <a:latin typeface="Gill Sans MT" panose="020B0502020104020203"/>
         <a:ea typeface=""/>
         <a:cs typeface=""/>
-        <a:font script="Jpan" typeface="ＭＳ Ｐゴシック"/>
-        <a:font script="Hang" typeface="맑은 고딕"/>
-        <a:font script="Hans" typeface="宋体"/>
-        <a:font script="Hant" typeface="新細明體"/>
-        <a:font script="Arab" typeface="Times New Roman"/>
-        <a:font script="Hebr" typeface="Times New Roman"/>
-        <a:font script="Thai" typeface="Angsana New"/>
-        <a:font script="Ethi" typeface="Nyala"/>
-        <a:font script="Beng" typeface="Vrinda"/>
-        <a:font script="Gujr" typeface="Shruti"/>
-        <a:font script="Khmr" typeface="MoolBoran"/>
-        <a:font script="Knda" typeface="Tunga"/>
-        <a:font script="Guru" typeface="Raavi"/>
-        <a:font script="Cans" typeface="Euphemia"/>
-        <a:font script="Cher" typeface="Plantagenet Cherokee"/>
-        <a:font script="Yiii" typeface="Microsoft Yi Baiti"/>
-        <a:font script="Tibt" typeface="Microsoft Himalaya"/>
-        <a:font script="Thaa" typeface="MV Boli"/>
-        <a:font script="Deva" typeface="Mangal"/>
-        <a:font script="Telu" typeface="Gautami"/>
-        <a:font script="Taml" typeface="Latha"/>
-        <a:font script="Syrc" typeface="Estrangelo Edessa"/>
-        <a:font script="Orya" typeface="Kalinga"/>
-        <a:font script="Mlym" typeface="Kartika"/>
-        <a:font script="Laoo" typeface="DokChampa"/>
-        <a:font script="Sinh" typeface="Iskoola Pota"/>
-        <a:font script="Mong" typeface="Mongolian Baiti"/>
-        <a:font script="Viet" typeface="Times New Roman"/>
-        <a:font script="Uigh" typeface="Microsoft Uighur"/>
-        <a:font script="Geor" typeface="Sylfaen"/>
-      </a:majorFont>
-      <a:minorFont>
-        <a:latin typeface="Calibri"/>
-        <a:ea typeface=""/>
-        <a:cs typeface=""/>
-        <a:font script="Jpan" typeface="ＭＳ Ｐゴシック"/>
-        <a:font script="Hang" typeface="맑은 고딕"/>
-        <a:font script="Hans" typeface="宋体"/>
-        <a:font script="Hant" typeface="新細明體"/>
-        <a:font script="Arab" typeface="Arial"/>
+        <a:font script="Grek" typeface="Corbel"/>
+        <a:font script="Cyrl" typeface="Corbel"/>
+        <a:font script="Jpan" typeface="HGｺﾞｼｯｸE"/>
+        <a:font script="Hang" typeface="휴먼매직체"/>
+        <a:font script="Hans" typeface="华文中宋"/>
+        <a:font script="Hant" typeface="微軟正黑體"/>
+        <a:font script="Arab" typeface="Majalla UI"/>
         <a:font script="Hebr" typeface="Arial"/>
         <a:font script="Thai" typeface="Cordia New"/>
         <a:font script="Ethi" typeface="Nyala"/>
@@ -29042,12 +33014,49 @@
         <a:font script="Laoo" typeface="DokChampa"/>
         <a:font script="Sinh" typeface="Iskoola Pota"/>
         <a:font script="Mong" typeface="Mongolian Baiti"/>
-        <a:font script="Viet" typeface="Arial"/>
+        <a:font script="Viet" typeface="Tahoma"/>
+        <a:font script="Uigh" typeface="Microsoft Uighur"/>
+        <a:font script="Geor" typeface="Sylfaen"/>
+      </a:majorFont>
+      <a:minorFont>
+        <a:latin typeface="Gill Sans MT" panose="020B0502020104020203"/>
+        <a:ea typeface=""/>
+        <a:cs typeface=""/>
+        <a:font script="Grek" typeface="Corbel"/>
+        <a:font script="Cyrl" typeface="Corbel"/>
+        <a:font script="Jpan" typeface="HGｺﾞｼｯｸE"/>
+        <a:font script="Hang" typeface="휴먼매직체"/>
+        <a:font script="Hans" typeface="华文中宋"/>
+        <a:font script="Hant" typeface="微軟正黑體"/>
+        <a:font script="Arab" typeface="Majalla UI"/>
+        <a:font script="Hebr" typeface="Arial"/>
+        <a:font script="Thai" typeface="Cordia New"/>
+        <a:font script="Ethi" typeface="Nyala"/>
+        <a:font script="Beng" typeface="Vrinda"/>
+        <a:font script="Gujr" typeface="Shruti"/>
+        <a:font script="Khmr" typeface="DaunPenh"/>
+        <a:font script="Knda" typeface="Tunga"/>
+        <a:font script="Guru" typeface="Raavi"/>
+        <a:font script="Cans" typeface="Euphemia"/>
+        <a:font script="Cher" typeface="Plantagenet Cherokee"/>
+        <a:font script="Yiii" typeface="Microsoft Yi Baiti"/>
+        <a:font script="Tibt" typeface="Microsoft Himalaya"/>
+        <a:font script="Thaa" typeface="MV Boli"/>
+        <a:font script="Deva" typeface="Mangal"/>
+        <a:font script="Telu" typeface="Gautami"/>
+        <a:font script="Taml" typeface="Latha"/>
+        <a:font script="Syrc" typeface="Estrangelo Edessa"/>
+        <a:font script="Orya" typeface="Kalinga"/>
+        <a:font script="Mlym" typeface="Kartika"/>
+        <a:font script="Laoo" typeface="DokChampa"/>
+        <a:font script="Sinh" typeface="Iskoola Pota"/>
+        <a:font script="Mong" typeface="Mongolian Baiti"/>
+        <a:font script="Viet" typeface="Tahoma"/>
         <a:font script="Uigh" typeface="Microsoft Uighur"/>
         <a:font script="Geor" typeface="Sylfaen"/>
       </a:minorFont>
     </a:fontScheme>
-    <a:fmtScheme name="Office">
+    <a:fmtScheme name="Dividend">
       <a:fillStyleLst>
         <a:solidFill>
           <a:schemeClr val="phClr"/>
@@ -29056,62 +33065,54 @@
           <a:gsLst>
             <a:gs pos="0">
               <a:schemeClr val="phClr">
-                <a:tint val="50000"/>
-                <a:satMod val="300000"/>
-              </a:schemeClr>
-            </a:gs>
-            <a:gs pos="35000">
-              <a:schemeClr val="phClr">
-                <a:tint val="37000"/>
-                <a:satMod val="300000"/>
+                <a:tint val="68000"/>
+                <a:alpha val="90000"/>
+                <a:lumMod val="100000"/>
               </a:schemeClr>
             </a:gs>
             <a:gs pos="100000">
               <a:schemeClr val="phClr">
-                <a:tint val="15000"/>
-                <a:satMod val="350000"/>
+                <a:tint val="90000"/>
+                <a:lumMod val="95000"/>
               </a:schemeClr>
             </a:gs>
           </a:gsLst>
-          <a:lin ang="16200000" scaled="1"/>
+          <a:lin ang="5400000" scaled="1"/>
         </a:gradFill>
         <a:gradFill rotWithShape="1">
           <a:gsLst>
             <a:gs pos="0">
               <a:schemeClr val="phClr">
-                <a:tint val="100000"/>
-                <a:shade val="100000"/>
-                <a:satMod val="130000"/>
+                <a:tint val="98000"/>
+                <a:lumMod val="110000"/>
               </a:schemeClr>
             </a:gs>
-            <a:gs pos="100000">
+            <a:gs pos="84000">
               <a:schemeClr val="phClr">
-                <a:tint val="50000"/>
-                <a:shade val="100000"/>
-                <a:satMod val="350000"/>
+                <a:shade val="90000"/>
+                <a:lumMod val="88000"/>
               </a:schemeClr>
             </a:gs>
           </a:gsLst>
-          <a:lin ang="16200000" scaled="0"/>
+          <a:lin ang="5400000" scaled="0"/>
         </a:gradFill>
       </a:fillStyleLst>
       <a:lnStyleLst>
-        <a:ln w="9525" cap="flat" cmpd="sng" algn="ctr">
+        <a:ln w="12700" cap="rnd" cmpd="sng" algn="ctr">
           <a:solidFill>
             <a:schemeClr val="phClr">
-              <a:shade val="95000"/>
-              <a:satMod val="105000"/>
+              <a:lumMod val="90000"/>
             </a:schemeClr>
           </a:solidFill>
           <a:prstDash val="solid"/>
         </a:ln>
-        <a:ln w="25400" cap="flat" cmpd="sng" algn="ctr">
+        <a:ln w="22225" cap="rnd" cmpd="sng" algn="ctr">
           <a:solidFill>
             <a:schemeClr val="phClr"/>
           </a:solidFill>
           <a:prstDash val="solid"/>
         </a:ln>
-        <a:ln w="38100" cap="flat" cmpd="sng" algn="ctr">
+        <a:ln w="25400" cap="rnd" cmpd="sng" algn="ctr">
           <a:solidFill>
             <a:schemeClr val="phClr"/>
           </a:solidFill>
@@ -29120,28 +33121,22 @@
       </a:lnStyleLst>
       <a:effectStyleLst>
         <a:effectStyle>
+          <a:effectLst/>
+        </a:effectStyle>
+        <a:effectStyle>
           <a:effectLst>
-            <a:outerShdw blurRad="40000" dist="20000" dir="5400000" rotWithShape="0">
+            <a:outerShdw blurRad="38100" dist="25400" dir="5400000" rotWithShape="0">
               <a:srgbClr val="000000">
-                <a:alpha val="38000"/>
+                <a:alpha val="55000"/>
               </a:srgbClr>
             </a:outerShdw>
           </a:effectLst>
         </a:effectStyle>
         <a:effectStyle>
           <a:effectLst>
-            <a:outerShdw blurRad="40000" dist="23000" dir="5400000" rotWithShape="0">
+            <a:outerShdw blurRad="88900" dist="38100" dir="5040000" rotWithShape="0">
               <a:srgbClr val="000000">
-                <a:alpha val="35000"/>
-              </a:srgbClr>
-            </a:outerShdw>
-          </a:effectLst>
-        </a:effectStyle>
-        <a:effectStyle>
-          <a:effectLst>
-            <a:outerShdw blurRad="40000" dist="23000" dir="5400000" rotWithShape="0">
-              <a:srgbClr val="000000">
-                <a:alpha val="35000"/>
+                <a:alpha val="60000"/>
               </a:srgbClr>
             </a:outerShdw>
           </a:effectLst>
@@ -29149,12 +33144,12 @@
             <a:camera prst="orthographicFront">
               <a:rot lat="0" lon="0" rev="0"/>
             </a:camera>
-            <a:lightRig rig="threePt" dir="t">
+            <a:lightRig rig="threePt" dir="tl">
               <a:rot lat="0" lon="0" rev="1200000"/>
             </a:lightRig>
           </a:scene3d>
           <a:sp3d>
-            <a:bevelT w="63500" h="25400"/>
+            <a:bevelT w="38100" h="50800"/>
           </a:sp3d>
         </a:effectStyle>
       </a:effectStyleLst>
@@ -29166,91 +33161,50 @@
           <a:gsLst>
             <a:gs pos="0">
               <a:schemeClr val="phClr">
-                <a:tint val="40000"/>
-                <a:satMod val="350000"/>
+                <a:tint val="90000"/>
+                <a:lumMod val="110000"/>
               </a:schemeClr>
             </a:gs>
-            <a:gs pos="40000">
+            <a:gs pos="88000">
               <a:schemeClr val="phClr">
-                <a:tint val="45000"/>
-                <a:shade val="99000"/>
-                <a:satMod val="350000"/>
-              </a:schemeClr>
-            </a:gs>
-            <a:gs pos="100000">
-              <a:schemeClr val="phClr">
-                <a:shade val="20000"/>
-                <a:satMod val="255000"/>
+                <a:shade val="94000"/>
+                <a:satMod val="110000"/>
+                <a:lumMod val="88000"/>
               </a:schemeClr>
             </a:gs>
           </a:gsLst>
-          <a:path path="circle">
-            <a:fillToRect l="50000" t="-80000" r="50000" b="180000"/>
-          </a:path>
+          <a:lin ang="5400000" scaled="0"/>
         </a:gradFill>
         <a:gradFill rotWithShape="1">
           <a:gsLst>
             <a:gs pos="0">
               <a:schemeClr val="phClr">
-                <a:tint val="80000"/>
-                <a:satMod val="300000"/>
+                <a:tint val="90000"/>
+                <a:lumMod val="110000"/>
               </a:schemeClr>
             </a:gs>
             <a:gs pos="100000">
               <a:schemeClr val="phClr">
-                <a:shade val="30000"/>
-                <a:satMod val="200000"/>
+                <a:shade val="98000"/>
+                <a:satMod val="110000"/>
+                <a:lumMod val="86000"/>
               </a:schemeClr>
             </a:gs>
           </a:gsLst>
           <a:path path="circle">
-            <a:fillToRect l="50000" t="50000" r="50000" b="50000"/>
+            <a:fillToRect l="50000" t="50000" r="100000" b="100000"/>
           </a:path>
         </a:gradFill>
       </a:bgFillStyleLst>
     </a:fmtScheme>
   </a:themeElements>
-  <a:objectDefaults>
-    <a:spDef>
-      <a:spPr/>
-      <a:bodyPr/>
-      <a:lstStyle/>
-      <a:style>
-        <a:lnRef idx="1">
-          <a:schemeClr val="accent1"/>
-        </a:lnRef>
-        <a:fillRef idx="3">
-          <a:schemeClr val="accent1"/>
-        </a:fillRef>
-        <a:effectRef idx="2">
-          <a:schemeClr val="accent1"/>
-        </a:effectRef>
-        <a:fontRef idx="minor">
-          <a:schemeClr val="lt1"/>
-        </a:fontRef>
-      </a:style>
-    </a:spDef>
-    <a:lnDef>
-      <a:spPr/>
-      <a:bodyPr/>
-      <a:lstStyle/>
-      <a:style>
-        <a:lnRef idx="2">
-          <a:schemeClr val="accent1"/>
-        </a:lnRef>
-        <a:fillRef idx="0">
-          <a:schemeClr val="accent1"/>
-        </a:fillRef>
-        <a:effectRef idx="1">
-          <a:schemeClr val="accent1"/>
-        </a:effectRef>
-        <a:fontRef idx="minor">
-          <a:schemeClr val="tx1"/>
-        </a:fontRef>
-      </a:style>
-    </a:lnDef>
-  </a:objectDefaults>
+  <a:objectDefaults/>
   <a:extraClrSchemeLst/>
+  <a:extLst>
+    <a:ext uri="{05A4C25C-085E-4340-85A3-A5531E510DB2}">
+      <thm15:themeFamily xmlns:thm15="http://schemas.microsoft.com/office/thememl/2012/main" name="EngineeringJournal" id="{97721FB4-21DC-6D4C-AC10-5E4545120761}" vid="{EB585347-F0B4-B74F-BF80-5185492EFC16}"/>
+    </a:ext>
+  </a:extLst>
 </a:theme>
 </file>
 
@@ -29572,4 +33526,324 @@
   </a:objectDefaults>
   <a:extraClrSchemeLst/>
 </a:theme>
+</file>
+
+<file path=ppt/theme/theme9.xml><?xml version="1.0" encoding="utf-8"?>
+<a:theme xmlns:a="http://schemas.openxmlformats.org/drawingml/2006/main" name="Office Theme">
+  <a:themeElements>
+    <a:clrScheme name="Office">
+      <a:dk1>
+        <a:sysClr val="windowText" lastClr="000000"/>
+      </a:dk1>
+      <a:lt1>
+        <a:sysClr val="window" lastClr="FFFFFF"/>
+      </a:lt1>
+      <a:dk2>
+        <a:srgbClr val="1F497D"/>
+      </a:dk2>
+      <a:lt2>
+        <a:srgbClr val="EEECE1"/>
+      </a:lt2>
+      <a:accent1>
+        <a:srgbClr val="4F81BD"/>
+      </a:accent1>
+      <a:accent2>
+        <a:srgbClr val="C0504D"/>
+      </a:accent2>
+      <a:accent3>
+        <a:srgbClr val="9BBB59"/>
+      </a:accent3>
+      <a:accent4>
+        <a:srgbClr val="8064A2"/>
+      </a:accent4>
+      <a:accent5>
+        <a:srgbClr val="4BACC6"/>
+      </a:accent5>
+      <a:accent6>
+        <a:srgbClr val="F79646"/>
+      </a:accent6>
+      <a:hlink>
+        <a:srgbClr val="0000FF"/>
+      </a:hlink>
+      <a:folHlink>
+        <a:srgbClr val="800080"/>
+      </a:folHlink>
+    </a:clrScheme>
+    <a:fontScheme name="Office">
+      <a:majorFont>
+        <a:latin typeface="Calibri"/>
+        <a:ea typeface=""/>
+        <a:cs typeface=""/>
+        <a:font script="Jpan" typeface="ＭＳ Ｐゴシック"/>
+        <a:font script="Hang" typeface="맑은 고딕"/>
+        <a:font script="Hans" typeface="宋体"/>
+        <a:font script="Hant" typeface="新細明體"/>
+        <a:font script="Arab" typeface="Times New Roman"/>
+        <a:font script="Hebr" typeface="Times New Roman"/>
+        <a:font script="Thai" typeface="Angsana New"/>
+        <a:font script="Ethi" typeface="Nyala"/>
+        <a:font script="Beng" typeface="Vrinda"/>
+        <a:font script="Gujr" typeface="Shruti"/>
+        <a:font script="Khmr" typeface="MoolBoran"/>
+        <a:font script="Knda" typeface="Tunga"/>
+        <a:font script="Guru" typeface="Raavi"/>
+        <a:font script="Cans" typeface="Euphemia"/>
+        <a:font script="Cher" typeface="Plantagenet Cherokee"/>
+        <a:font script="Yiii" typeface="Microsoft Yi Baiti"/>
+        <a:font script="Tibt" typeface="Microsoft Himalaya"/>
+        <a:font script="Thaa" typeface="MV Boli"/>
+        <a:font script="Deva" typeface="Mangal"/>
+        <a:font script="Telu" typeface="Gautami"/>
+        <a:font script="Taml" typeface="Latha"/>
+        <a:font script="Syrc" typeface="Estrangelo Edessa"/>
+        <a:font script="Orya" typeface="Kalinga"/>
+        <a:font script="Mlym" typeface="Kartika"/>
+        <a:font script="Laoo" typeface="DokChampa"/>
+        <a:font script="Sinh" typeface="Iskoola Pota"/>
+        <a:font script="Mong" typeface="Mongolian Baiti"/>
+        <a:font script="Viet" typeface="Times New Roman"/>
+        <a:font script="Uigh" typeface="Microsoft Uighur"/>
+        <a:font script="Geor" typeface="Sylfaen"/>
+      </a:majorFont>
+      <a:minorFont>
+        <a:latin typeface="Calibri"/>
+        <a:ea typeface=""/>
+        <a:cs typeface=""/>
+        <a:font script="Jpan" typeface="ＭＳ Ｐゴシック"/>
+        <a:font script="Hang" typeface="맑은 고딕"/>
+        <a:font script="Hans" typeface="宋体"/>
+        <a:font script="Hant" typeface="新細明體"/>
+        <a:font script="Arab" typeface="Arial"/>
+        <a:font script="Hebr" typeface="Arial"/>
+        <a:font script="Thai" typeface="Cordia New"/>
+        <a:font script="Ethi" typeface="Nyala"/>
+        <a:font script="Beng" typeface="Vrinda"/>
+        <a:font script="Gujr" typeface="Shruti"/>
+        <a:font script="Khmr" typeface="DaunPenh"/>
+        <a:font script="Knda" typeface="Tunga"/>
+        <a:font script="Guru" typeface="Raavi"/>
+        <a:font script="Cans" typeface="Euphemia"/>
+        <a:font script="Cher" typeface="Plantagenet Cherokee"/>
+        <a:font script="Yiii" typeface="Microsoft Yi Baiti"/>
+        <a:font script="Tibt" typeface="Microsoft Himalaya"/>
+        <a:font script="Thaa" typeface="MV Boli"/>
+        <a:font script="Deva" typeface="Mangal"/>
+        <a:font script="Telu" typeface="Gautami"/>
+        <a:font script="Taml" typeface="Latha"/>
+        <a:font script="Syrc" typeface="Estrangelo Edessa"/>
+        <a:font script="Orya" typeface="Kalinga"/>
+        <a:font script="Mlym" typeface="Kartika"/>
+        <a:font script="Laoo" typeface="DokChampa"/>
+        <a:font script="Sinh" typeface="Iskoola Pota"/>
+        <a:font script="Mong" typeface="Mongolian Baiti"/>
+        <a:font script="Viet" typeface="Arial"/>
+        <a:font script="Uigh" typeface="Microsoft Uighur"/>
+        <a:font script="Geor" typeface="Sylfaen"/>
+      </a:minorFont>
+    </a:fontScheme>
+    <a:fmtScheme name="Office">
+      <a:fillStyleLst>
+        <a:solidFill>
+          <a:schemeClr val="phClr"/>
+        </a:solidFill>
+        <a:gradFill rotWithShape="1">
+          <a:gsLst>
+            <a:gs pos="0">
+              <a:schemeClr val="phClr">
+                <a:tint val="50000"/>
+                <a:satMod val="300000"/>
+              </a:schemeClr>
+            </a:gs>
+            <a:gs pos="35000">
+              <a:schemeClr val="phClr">
+                <a:tint val="37000"/>
+                <a:satMod val="300000"/>
+              </a:schemeClr>
+            </a:gs>
+            <a:gs pos="100000">
+              <a:schemeClr val="phClr">
+                <a:tint val="15000"/>
+                <a:satMod val="350000"/>
+              </a:schemeClr>
+            </a:gs>
+          </a:gsLst>
+          <a:lin ang="16200000" scaled="1"/>
+        </a:gradFill>
+        <a:gradFill rotWithShape="1">
+          <a:gsLst>
+            <a:gs pos="0">
+              <a:schemeClr val="phClr">
+                <a:tint val="100000"/>
+                <a:shade val="100000"/>
+                <a:satMod val="130000"/>
+              </a:schemeClr>
+            </a:gs>
+            <a:gs pos="100000">
+              <a:schemeClr val="phClr">
+                <a:tint val="50000"/>
+                <a:shade val="100000"/>
+                <a:satMod val="350000"/>
+              </a:schemeClr>
+            </a:gs>
+          </a:gsLst>
+          <a:lin ang="16200000" scaled="0"/>
+        </a:gradFill>
+      </a:fillStyleLst>
+      <a:lnStyleLst>
+        <a:ln w="9525" cap="flat" cmpd="sng" algn="ctr">
+          <a:solidFill>
+            <a:schemeClr val="phClr">
+              <a:shade val="95000"/>
+              <a:satMod val="105000"/>
+            </a:schemeClr>
+          </a:solidFill>
+          <a:prstDash val="solid"/>
+        </a:ln>
+        <a:ln w="25400" cap="flat" cmpd="sng" algn="ctr">
+          <a:solidFill>
+            <a:schemeClr val="phClr"/>
+          </a:solidFill>
+          <a:prstDash val="solid"/>
+        </a:ln>
+        <a:ln w="38100" cap="flat" cmpd="sng" algn="ctr">
+          <a:solidFill>
+            <a:schemeClr val="phClr"/>
+          </a:solidFill>
+          <a:prstDash val="solid"/>
+        </a:ln>
+      </a:lnStyleLst>
+      <a:effectStyleLst>
+        <a:effectStyle>
+          <a:effectLst>
+            <a:outerShdw blurRad="40000" dist="20000" dir="5400000" rotWithShape="0">
+              <a:srgbClr val="000000">
+                <a:alpha val="38000"/>
+              </a:srgbClr>
+            </a:outerShdw>
+          </a:effectLst>
+        </a:effectStyle>
+        <a:effectStyle>
+          <a:effectLst>
+            <a:outerShdw blurRad="40000" dist="23000" dir="5400000" rotWithShape="0">
+              <a:srgbClr val="000000">
+                <a:alpha val="35000"/>
+              </a:srgbClr>
+            </a:outerShdw>
+          </a:effectLst>
+        </a:effectStyle>
+        <a:effectStyle>
+          <a:effectLst>
+            <a:outerShdw blurRad="40000" dist="23000" dir="5400000" rotWithShape="0">
+              <a:srgbClr val="000000">
+                <a:alpha val="35000"/>
+              </a:srgbClr>
+            </a:outerShdw>
+          </a:effectLst>
+          <a:scene3d>
+            <a:camera prst="orthographicFront">
+              <a:rot lat="0" lon="0" rev="0"/>
+            </a:camera>
+            <a:lightRig rig="threePt" dir="t">
+              <a:rot lat="0" lon="0" rev="1200000"/>
+            </a:lightRig>
+          </a:scene3d>
+          <a:sp3d>
+            <a:bevelT w="63500" h="25400"/>
+          </a:sp3d>
+        </a:effectStyle>
+      </a:effectStyleLst>
+      <a:bgFillStyleLst>
+        <a:solidFill>
+          <a:schemeClr val="phClr"/>
+        </a:solidFill>
+        <a:gradFill rotWithShape="1">
+          <a:gsLst>
+            <a:gs pos="0">
+              <a:schemeClr val="phClr">
+                <a:tint val="40000"/>
+                <a:satMod val="350000"/>
+              </a:schemeClr>
+            </a:gs>
+            <a:gs pos="40000">
+              <a:schemeClr val="phClr">
+                <a:tint val="45000"/>
+                <a:shade val="99000"/>
+                <a:satMod val="350000"/>
+              </a:schemeClr>
+            </a:gs>
+            <a:gs pos="100000">
+              <a:schemeClr val="phClr">
+                <a:shade val="20000"/>
+                <a:satMod val="255000"/>
+              </a:schemeClr>
+            </a:gs>
+          </a:gsLst>
+          <a:path path="circle">
+            <a:fillToRect l="50000" t="-80000" r="50000" b="180000"/>
+          </a:path>
+        </a:gradFill>
+        <a:gradFill rotWithShape="1">
+          <a:gsLst>
+            <a:gs pos="0">
+              <a:schemeClr val="phClr">
+                <a:tint val="80000"/>
+                <a:satMod val="300000"/>
+              </a:schemeClr>
+            </a:gs>
+            <a:gs pos="100000">
+              <a:schemeClr val="phClr">
+                <a:shade val="30000"/>
+                <a:satMod val="200000"/>
+              </a:schemeClr>
+            </a:gs>
+          </a:gsLst>
+          <a:path path="circle">
+            <a:fillToRect l="50000" t="50000" r="50000" b="50000"/>
+          </a:path>
+        </a:gradFill>
+      </a:bgFillStyleLst>
+    </a:fmtScheme>
+  </a:themeElements>
+  <a:objectDefaults>
+    <a:spDef>
+      <a:spPr/>
+      <a:bodyPr/>
+      <a:lstStyle/>
+      <a:style>
+        <a:lnRef idx="1">
+          <a:schemeClr val="accent1"/>
+        </a:lnRef>
+        <a:fillRef idx="3">
+          <a:schemeClr val="accent1"/>
+        </a:fillRef>
+        <a:effectRef idx="2">
+          <a:schemeClr val="accent1"/>
+        </a:effectRef>
+        <a:fontRef idx="minor">
+          <a:schemeClr val="lt1"/>
+        </a:fontRef>
+      </a:style>
+    </a:spDef>
+    <a:lnDef>
+      <a:spPr/>
+      <a:bodyPr/>
+      <a:lstStyle/>
+      <a:style>
+        <a:lnRef idx="2">
+          <a:schemeClr val="accent1"/>
+        </a:lnRef>
+        <a:fillRef idx="0">
+          <a:schemeClr val="accent1"/>
+        </a:fillRef>
+        <a:effectRef idx="1">
+          <a:schemeClr val="accent1"/>
+        </a:effectRef>
+        <a:fontRef idx="minor">
+          <a:schemeClr val="tx1"/>
+        </a:fontRef>
+      </a:style>
+    </a:lnDef>
+  </a:objectDefaults>
+  <a:extraClrSchemeLst/>
+</a:theme>
 </file>